--- a/presentations/presentation-22_01_13.pptx
+++ b/presentations/presentation-22_01_13.pptx
@@ -1,14 +1,24 @@
 
 <file path=ppt/presentation.xml><?xml version="1.0" encoding="utf-8"?>
-<p:presentation xmlns:a="http://schemas.openxmlformats.org/drawingml/2006/main" xmlns:r="http://schemas.openxmlformats.org/officeDocument/2006/relationships" xmlns:p="http://schemas.openxmlformats.org/presentationml/2006/main" saveSubsetFonts="1">
+<p:presentation xmlns:a="http://schemas.openxmlformats.org/drawingml/2006/main" xmlns:r="http://schemas.openxmlformats.org/officeDocument/2006/relationships" xmlns:p="http://schemas.openxmlformats.org/presentationml/2006/main" showSpecialPlsOnTitleSld="0" saveSubsetFonts="1">
   <p:sldMasterIdLst>
     <p:sldMasterId id="2147483648" r:id="rId1"/>
     <p:sldMasterId id="2147483660" r:id="rId2"/>
   </p:sldMasterIdLst>
+  <p:notesMasterIdLst>
+    <p:notesMasterId r:id="rId13"/>
+  </p:notesMasterIdLst>
   <p:sldIdLst>
     <p:sldId id="256" r:id="rId3"/>
     <p:sldId id="261" r:id="rId4"/>
-    <p:sldId id="262" r:id="rId5"/>
+    <p:sldId id="269" r:id="rId5"/>
+    <p:sldId id="267" r:id="rId6"/>
+    <p:sldId id="266" r:id="rId7"/>
+    <p:sldId id="265" r:id="rId8"/>
+    <p:sldId id="262" r:id="rId9"/>
+    <p:sldId id="264" r:id="rId10"/>
+    <p:sldId id="263" r:id="rId11"/>
+    <p:sldId id="268" r:id="rId12"/>
   </p:sldIdLst>
   <p:sldSz cx="12192000" cy="6858000"/>
   <p:notesSz cx="6858000" cy="9144000"/>
@@ -107,7 +117,391 @@
       </a:defRPr>
     </a:lvl9pPr>
   </p:defaultTextStyle>
+  <p:extLst>
+    <p:ext uri="{521415D9-36F7-43E2-AB2F-B90AF26B5E84}">
+      <p14:sectionLst xmlns:p14="http://schemas.microsoft.com/office/powerpoint/2010/main">
+        <p14:section name="Standardabschnitt" id="{2FD6919C-0146-4536-AB94-9E01D91802C8}">
+          <p14:sldIdLst>
+            <p14:sldId id="256"/>
+            <p14:sldId id="261"/>
+          </p14:sldIdLst>
+        </p14:section>
+        <p14:section name="(M) Marketing" id="{D0B255F7-0118-4BDF-890E-2754FF5F6DC5}">
+          <p14:sldIdLst>
+            <p14:sldId id="269"/>
+          </p14:sldIdLst>
+        </p14:section>
+        <p14:section name="(FrFl) Face Recognition" id="{2816C1CE-9B0B-4BB9-A10A-09788C313455}">
+          <p14:sldIdLst>
+            <p14:sldId id="267"/>
+            <p14:sldId id="266"/>
+            <p14:sldId id="265"/>
+            <p14:sldId id="262"/>
+            <p14:sldId id="264"/>
+            <p14:sldId id="263"/>
+          </p14:sldIdLst>
+        </p14:section>
+        <p14:section name="(M) App" id="{222384A7-511C-4033-B49E-A052158CFB5F}">
+          <p14:sldIdLst>
+            <p14:sldId id="268"/>
+          </p14:sldIdLst>
+        </p14:section>
+      </p14:sectionLst>
+    </p:ext>
+    <p:ext uri="{EFAFB233-063F-42B5-8137-9DF3F51BA10A}">
+      <p15:sldGuideLst xmlns:p15="http://schemas.microsoft.com/office/powerpoint/2012/main"/>
+    </p:ext>
+  </p:extLst>
 </p:presentation>
+</file>
+
+<file path=ppt/notesMasters/notesMaster1.xml><?xml version="1.0" encoding="utf-8"?>
+<p:notesMaster xmlns:a="http://schemas.openxmlformats.org/drawingml/2006/main" xmlns:r="http://schemas.openxmlformats.org/officeDocument/2006/relationships" xmlns:p="http://schemas.openxmlformats.org/presentationml/2006/main">
+  <p:cSld>
+    <p:bg>
+      <p:bgRef idx="1001">
+        <a:schemeClr val="bg1"/>
+      </p:bgRef>
+    </p:bg>
+    <p:spTree>
+      <p:nvGrpSpPr>
+        <p:cNvPr id="1" name=""/>
+        <p:cNvGrpSpPr/>
+        <p:nvPr/>
+      </p:nvGrpSpPr>
+      <p:grpSpPr>
+        <a:xfrm>
+          <a:off x="0" y="0"/>
+          <a:ext cx="0" cy="0"/>
+          <a:chOff x="0" y="0"/>
+          <a:chExt cx="0" cy="0"/>
+        </a:xfrm>
+      </p:grpSpPr>
+      <p:sp>
+        <p:nvSpPr>
+          <p:cNvPr id="2" name="Kopfzeilenplatzhalter 1"/>
+          <p:cNvSpPr>
+            <a:spLocks noGrp="1"/>
+          </p:cNvSpPr>
+          <p:nvPr>
+            <p:ph type="hdr" sz="quarter"/>
+          </p:nvPr>
+        </p:nvSpPr>
+        <p:spPr>
+          <a:xfrm>
+            <a:off x="0" y="0"/>
+            <a:ext cx="2971800" cy="458788"/>
+          </a:xfrm>
+          <a:prstGeom prst="rect">
+            <a:avLst/>
+          </a:prstGeom>
+        </p:spPr>
+        <p:txBody>
+          <a:bodyPr vert="horz" lIns="91440" tIns="45720" rIns="91440" bIns="45720" rtlCol="0"/>
+          <a:lstStyle>
+            <a:lvl1pPr algn="l">
+              <a:defRPr sz="1200"/>
+            </a:lvl1pPr>
+          </a:lstStyle>
+          <a:p>
+            <a:endParaRPr lang="de-DE"/>
+          </a:p>
+        </p:txBody>
+      </p:sp>
+      <p:sp>
+        <p:nvSpPr>
+          <p:cNvPr id="3" name="Datumsplatzhalter 2"/>
+          <p:cNvSpPr>
+            <a:spLocks noGrp="1"/>
+          </p:cNvSpPr>
+          <p:nvPr>
+            <p:ph type="dt" idx="1"/>
+          </p:nvPr>
+        </p:nvSpPr>
+        <p:spPr>
+          <a:xfrm>
+            <a:off x="3884613" y="0"/>
+            <a:ext cx="2971800" cy="458788"/>
+          </a:xfrm>
+          <a:prstGeom prst="rect">
+            <a:avLst/>
+          </a:prstGeom>
+        </p:spPr>
+        <p:txBody>
+          <a:bodyPr vert="horz" lIns="91440" tIns="45720" rIns="91440" bIns="45720" rtlCol="0"/>
+          <a:lstStyle>
+            <a:lvl1pPr algn="r">
+              <a:defRPr sz="1200"/>
+            </a:lvl1pPr>
+          </a:lstStyle>
+          <a:p>
+            <a:fld id="{62D16DF1-7D7C-4B6B-A3C5-92240E5AB083}" type="datetimeFigureOut">
+              <a:rPr lang="de-DE" smtClean="0"/>
+              <a:t>11.01.2022</a:t>
+            </a:fld>
+            <a:endParaRPr lang="de-DE"/>
+          </a:p>
+        </p:txBody>
+      </p:sp>
+      <p:sp>
+        <p:nvSpPr>
+          <p:cNvPr id="4" name="Folienbildplatzhalter 3"/>
+          <p:cNvSpPr>
+            <a:spLocks noGrp="1" noRot="1" noChangeAspect="1"/>
+          </p:cNvSpPr>
+          <p:nvPr>
+            <p:ph type="sldImg" idx="2"/>
+          </p:nvPr>
+        </p:nvSpPr>
+        <p:spPr>
+          <a:xfrm>
+            <a:off x="685800" y="1143000"/>
+            <a:ext cx="5486400" cy="3086100"/>
+          </a:xfrm>
+          <a:prstGeom prst="rect">
+            <a:avLst/>
+          </a:prstGeom>
+          <a:noFill/>
+          <a:ln w="12700">
+            <a:solidFill>
+              <a:prstClr val="black"/>
+            </a:solidFill>
+          </a:ln>
+        </p:spPr>
+        <p:txBody>
+          <a:bodyPr vert="horz" lIns="91440" tIns="45720" rIns="91440" bIns="45720" rtlCol="0" anchor="ctr"/>
+          <a:lstStyle/>
+          <a:p>
+            <a:endParaRPr lang="de-DE"/>
+          </a:p>
+        </p:txBody>
+      </p:sp>
+      <p:sp>
+        <p:nvSpPr>
+          <p:cNvPr id="5" name="Notizenplatzhalter 4"/>
+          <p:cNvSpPr>
+            <a:spLocks noGrp="1"/>
+          </p:cNvSpPr>
+          <p:nvPr>
+            <p:ph type="body" sz="quarter" idx="3"/>
+          </p:nvPr>
+        </p:nvSpPr>
+        <p:spPr>
+          <a:xfrm>
+            <a:off x="685800" y="4400550"/>
+            <a:ext cx="5486400" cy="3600450"/>
+          </a:xfrm>
+          <a:prstGeom prst="rect">
+            <a:avLst/>
+          </a:prstGeom>
+        </p:spPr>
+        <p:txBody>
+          <a:bodyPr vert="horz" lIns="91440" tIns="45720" rIns="91440" bIns="45720" rtlCol="0"/>
+          <a:lstStyle/>
+          <a:p>
+            <a:pPr lvl="0"/>
+            <a:r>
+              <a:rPr lang="de-DE"/>
+              <a:t>Mastertextformat bearbeiten</a:t>
+            </a:r>
+          </a:p>
+          <a:p>
+            <a:pPr lvl="1"/>
+            <a:r>
+              <a:rPr lang="de-DE"/>
+              <a:t>Zweite Ebene</a:t>
+            </a:r>
+          </a:p>
+          <a:p>
+            <a:pPr lvl="2"/>
+            <a:r>
+              <a:rPr lang="de-DE"/>
+              <a:t>Dritte Ebene</a:t>
+            </a:r>
+          </a:p>
+          <a:p>
+            <a:pPr lvl="3"/>
+            <a:r>
+              <a:rPr lang="de-DE"/>
+              <a:t>Vierte Ebene</a:t>
+            </a:r>
+          </a:p>
+          <a:p>
+            <a:pPr lvl="4"/>
+            <a:r>
+              <a:rPr lang="de-DE"/>
+              <a:t>Fünfte Ebene</a:t>
+            </a:r>
+          </a:p>
+        </p:txBody>
+      </p:sp>
+      <p:sp>
+        <p:nvSpPr>
+          <p:cNvPr id="6" name="Fußzeilenplatzhalter 5"/>
+          <p:cNvSpPr>
+            <a:spLocks noGrp="1"/>
+          </p:cNvSpPr>
+          <p:nvPr>
+            <p:ph type="ftr" sz="quarter" idx="4"/>
+          </p:nvPr>
+        </p:nvSpPr>
+        <p:spPr>
+          <a:xfrm>
+            <a:off x="0" y="8685213"/>
+            <a:ext cx="2971800" cy="458787"/>
+          </a:xfrm>
+          <a:prstGeom prst="rect">
+            <a:avLst/>
+          </a:prstGeom>
+        </p:spPr>
+        <p:txBody>
+          <a:bodyPr vert="horz" lIns="91440" tIns="45720" rIns="91440" bIns="45720" rtlCol="0" anchor="b"/>
+          <a:lstStyle>
+            <a:lvl1pPr algn="l">
+              <a:defRPr sz="1200"/>
+            </a:lvl1pPr>
+          </a:lstStyle>
+          <a:p>
+            <a:endParaRPr lang="de-DE"/>
+          </a:p>
+        </p:txBody>
+      </p:sp>
+      <p:sp>
+        <p:nvSpPr>
+          <p:cNvPr id="7" name="Foliennummernplatzhalter 6"/>
+          <p:cNvSpPr>
+            <a:spLocks noGrp="1"/>
+          </p:cNvSpPr>
+          <p:nvPr>
+            <p:ph type="sldNum" sz="quarter" idx="5"/>
+          </p:nvPr>
+        </p:nvSpPr>
+        <p:spPr>
+          <a:xfrm>
+            <a:off x="3884613" y="8685213"/>
+            <a:ext cx="2971800" cy="458787"/>
+          </a:xfrm>
+          <a:prstGeom prst="rect">
+            <a:avLst/>
+          </a:prstGeom>
+        </p:spPr>
+        <p:txBody>
+          <a:bodyPr vert="horz" lIns="91440" tIns="45720" rIns="91440" bIns="45720" rtlCol="0" anchor="b"/>
+          <a:lstStyle>
+            <a:lvl1pPr algn="r">
+              <a:defRPr sz="1200"/>
+            </a:lvl1pPr>
+          </a:lstStyle>
+          <a:p>
+            <a:fld id="{788A8870-6227-4741-AE71-BAD2444DF3B7}" type="slidenum">
+              <a:rPr lang="de-DE" smtClean="0"/>
+              <a:t>‹Nr.›</a:t>
+            </a:fld>
+            <a:endParaRPr lang="de-DE"/>
+          </a:p>
+        </p:txBody>
+      </p:sp>
+    </p:spTree>
+    <p:extLst>
+      <p:ext uri="{BB962C8B-B14F-4D97-AF65-F5344CB8AC3E}">
+        <p14:creationId xmlns:p14="http://schemas.microsoft.com/office/powerpoint/2010/main" val="828095906"/>
+      </p:ext>
+    </p:extLst>
+  </p:cSld>
+  <p:clrMap bg1="lt1" tx1="dk1" bg2="lt2" tx2="dk2" accent1="accent1" accent2="accent2" accent3="accent3" accent4="accent4" accent5="accent5" accent6="accent6" hlink="hlink" folHlink="folHlink"/>
+  <p:notesStyle>
+    <a:lvl1pPr marL="0" algn="l" defTabSz="914400" rtl="0" eaLnBrk="1" latinLnBrk="0" hangingPunct="1">
+      <a:defRPr sz="1200" kern="1200">
+        <a:solidFill>
+          <a:schemeClr val="tx1"/>
+        </a:solidFill>
+        <a:latin typeface="+mn-lt"/>
+        <a:ea typeface="+mn-ea"/>
+        <a:cs typeface="+mn-cs"/>
+      </a:defRPr>
+    </a:lvl1pPr>
+    <a:lvl2pPr marL="457200" algn="l" defTabSz="914400" rtl="0" eaLnBrk="1" latinLnBrk="0" hangingPunct="1">
+      <a:defRPr sz="1200" kern="1200">
+        <a:solidFill>
+          <a:schemeClr val="tx1"/>
+        </a:solidFill>
+        <a:latin typeface="+mn-lt"/>
+        <a:ea typeface="+mn-ea"/>
+        <a:cs typeface="+mn-cs"/>
+      </a:defRPr>
+    </a:lvl2pPr>
+    <a:lvl3pPr marL="914400" algn="l" defTabSz="914400" rtl="0" eaLnBrk="1" latinLnBrk="0" hangingPunct="1">
+      <a:defRPr sz="1200" kern="1200">
+        <a:solidFill>
+          <a:schemeClr val="tx1"/>
+        </a:solidFill>
+        <a:latin typeface="+mn-lt"/>
+        <a:ea typeface="+mn-ea"/>
+        <a:cs typeface="+mn-cs"/>
+      </a:defRPr>
+    </a:lvl3pPr>
+    <a:lvl4pPr marL="1371600" algn="l" defTabSz="914400" rtl="0" eaLnBrk="1" latinLnBrk="0" hangingPunct="1">
+      <a:defRPr sz="1200" kern="1200">
+        <a:solidFill>
+          <a:schemeClr val="tx1"/>
+        </a:solidFill>
+        <a:latin typeface="+mn-lt"/>
+        <a:ea typeface="+mn-ea"/>
+        <a:cs typeface="+mn-cs"/>
+      </a:defRPr>
+    </a:lvl4pPr>
+    <a:lvl5pPr marL="1828800" algn="l" defTabSz="914400" rtl="0" eaLnBrk="1" latinLnBrk="0" hangingPunct="1">
+      <a:defRPr sz="1200" kern="1200">
+        <a:solidFill>
+          <a:schemeClr val="tx1"/>
+        </a:solidFill>
+        <a:latin typeface="+mn-lt"/>
+        <a:ea typeface="+mn-ea"/>
+        <a:cs typeface="+mn-cs"/>
+      </a:defRPr>
+    </a:lvl5pPr>
+    <a:lvl6pPr marL="2286000" algn="l" defTabSz="914400" rtl="0" eaLnBrk="1" latinLnBrk="0" hangingPunct="1">
+      <a:defRPr sz="1200" kern="1200">
+        <a:solidFill>
+          <a:schemeClr val="tx1"/>
+        </a:solidFill>
+        <a:latin typeface="+mn-lt"/>
+        <a:ea typeface="+mn-ea"/>
+        <a:cs typeface="+mn-cs"/>
+      </a:defRPr>
+    </a:lvl6pPr>
+    <a:lvl7pPr marL="2743200" algn="l" defTabSz="914400" rtl="0" eaLnBrk="1" latinLnBrk="0" hangingPunct="1">
+      <a:defRPr sz="1200" kern="1200">
+        <a:solidFill>
+          <a:schemeClr val="tx1"/>
+        </a:solidFill>
+        <a:latin typeface="+mn-lt"/>
+        <a:ea typeface="+mn-ea"/>
+        <a:cs typeface="+mn-cs"/>
+      </a:defRPr>
+    </a:lvl7pPr>
+    <a:lvl8pPr marL="3200400" algn="l" defTabSz="914400" rtl="0" eaLnBrk="1" latinLnBrk="0" hangingPunct="1">
+      <a:defRPr sz="1200" kern="1200">
+        <a:solidFill>
+          <a:schemeClr val="tx1"/>
+        </a:solidFill>
+        <a:latin typeface="+mn-lt"/>
+        <a:ea typeface="+mn-ea"/>
+        <a:cs typeface="+mn-cs"/>
+      </a:defRPr>
+    </a:lvl8pPr>
+    <a:lvl9pPr marL="3657600" algn="l" defTabSz="914400" rtl="0" eaLnBrk="1" latinLnBrk="0" hangingPunct="1">
+      <a:defRPr sz="1200" kern="1200">
+        <a:solidFill>
+          <a:schemeClr val="tx1"/>
+        </a:solidFill>
+        <a:latin typeface="+mn-lt"/>
+        <a:ea typeface="+mn-ea"/>
+        <a:cs typeface="+mn-cs"/>
+      </a:defRPr>
+    </a:lvl9pPr>
+  </p:notesStyle>
+</p:notesMaster>
 </file>
 
 <file path=ppt/slideLayouts/slideLayout1.xml><?xml version="1.0" encoding="utf-8"?>
@@ -255,9 +649,9 @@
           <a:bodyPr/>
           <a:lstStyle/>
           <a:p>
-            <a:fld id="{DCC06A8A-9326-4C29-BCC0-29D5D2C806F5}" type="datetimeFigureOut">
+            <a:fld id="{E6B1F4C5-261F-43F6-8704-BB3609836829}" type="datetime1">
               <a:rPr lang="de-DE" smtClean="0"/>
-              <a:t>10.01.2022</a:t>
+              <a:t>11.01.2022</a:t>
             </a:fld>
             <a:endParaRPr lang="de-DE"/>
           </a:p>
@@ -453,9 +847,9 @@
           <a:bodyPr/>
           <a:lstStyle/>
           <a:p>
-            <a:fld id="{DCC06A8A-9326-4C29-BCC0-29D5D2C806F5}" type="datetimeFigureOut">
+            <a:fld id="{5C239B90-EFBD-479B-A209-29F06A2A3B8C}" type="datetime1">
               <a:rPr lang="de-DE" smtClean="0"/>
-              <a:t>10.01.2022</a:t>
+              <a:t>11.01.2022</a:t>
             </a:fld>
             <a:endParaRPr lang="de-DE"/>
           </a:p>
@@ -661,9 +1055,9 @@
           <a:bodyPr/>
           <a:lstStyle/>
           <a:p>
-            <a:fld id="{DCC06A8A-9326-4C29-BCC0-29D5D2C806F5}" type="datetimeFigureOut">
+            <a:fld id="{3B12DE6B-8ECB-4D5B-B388-E92F9AF3412E}" type="datetime1">
               <a:rPr lang="de-DE" smtClean="0"/>
-              <a:t>10.01.2022</a:t>
+              <a:t>11.01.2022</a:t>
             </a:fld>
             <a:endParaRPr lang="de-DE"/>
           </a:p>
@@ -881,9 +1275,9 @@
           <a:bodyPr/>
           <a:lstStyle/>
           <a:p>
-            <a:fld id="{F476C511-F622-47B7-8FEE-26B700D97920}" type="datetimeFigureOut">
+            <a:fld id="{519D3635-5EF8-408D-AE14-27D4B017512B}" type="datetime1">
               <a:rPr lang="de-DE" smtClean="0"/>
-              <a:t>10.01.2022</a:t>
+              <a:t>11.01.2022</a:t>
             </a:fld>
             <a:endParaRPr lang="de-DE"/>
           </a:p>
@@ -1079,9 +1473,9 @@
           <a:bodyPr/>
           <a:lstStyle/>
           <a:p>
-            <a:fld id="{F476C511-F622-47B7-8FEE-26B700D97920}" type="datetimeFigureOut">
+            <a:fld id="{2EF25DF5-132F-4568-9820-E6AA0B40FA61}" type="datetime1">
               <a:rPr lang="de-DE" smtClean="0"/>
-              <a:t>10.01.2022</a:t>
+              <a:t>11.01.2022</a:t>
             </a:fld>
             <a:endParaRPr lang="de-DE"/>
           </a:p>
@@ -1354,9 +1748,9 @@
           <a:bodyPr/>
           <a:lstStyle/>
           <a:p>
-            <a:fld id="{F476C511-F622-47B7-8FEE-26B700D97920}" type="datetimeFigureOut">
+            <a:fld id="{899E3AF6-C9C4-49BB-A1A7-CF548AA9E05B}" type="datetime1">
               <a:rPr lang="de-DE" smtClean="0"/>
-              <a:t>10.01.2022</a:t>
+              <a:t>11.01.2022</a:t>
             </a:fld>
             <a:endParaRPr lang="de-DE"/>
           </a:p>
@@ -1619,9 +2013,9 @@
           <a:bodyPr/>
           <a:lstStyle/>
           <a:p>
-            <a:fld id="{F476C511-F622-47B7-8FEE-26B700D97920}" type="datetimeFigureOut">
+            <a:fld id="{DC82C564-5068-49DD-B1EB-4762D049A9C6}" type="datetime1">
               <a:rPr lang="de-DE" smtClean="0"/>
-              <a:t>10.01.2022</a:t>
+              <a:t>11.01.2022</a:t>
             </a:fld>
             <a:endParaRPr lang="de-DE"/>
           </a:p>
@@ -2031,9 +2425,9 @@
           <a:bodyPr/>
           <a:lstStyle/>
           <a:p>
-            <a:fld id="{F476C511-F622-47B7-8FEE-26B700D97920}" type="datetimeFigureOut">
+            <a:fld id="{94023513-72D6-4C7E-BFFB-190444A4AB78}" type="datetime1">
               <a:rPr lang="de-DE" smtClean="0"/>
-              <a:t>10.01.2022</a:t>
+              <a:t>11.01.2022</a:t>
             </a:fld>
             <a:endParaRPr lang="de-DE"/>
           </a:p>
@@ -2172,9 +2566,9 @@
           <a:bodyPr/>
           <a:lstStyle/>
           <a:p>
-            <a:fld id="{F476C511-F622-47B7-8FEE-26B700D97920}" type="datetimeFigureOut">
+            <a:fld id="{480118B5-4B65-4577-A3DE-1FA7CD6FB98A}" type="datetime1">
               <a:rPr lang="de-DE" smtClean="0"/>
-              <a:t>10.01.2022</a:t>
+              <a:t>11.01.2022</a:t>
             </a:fld>
             <a:endParaRPr lang="de-DE"/>
           </a:p>
@@ -2285,9 +2679,9 @@
           <a:bodyPr/>
           <a:lstStyle/>
           <a:p>
-            <a:fld id="{F476C511-F622-47B7-8FEE-26B700D97920}" type="datetimeFigureOut">
+            <a:fld id="{04899331-8A2C-47EB-A93B-84CACDD82E02}" type="datetime1">
               <a:rPr lang="de-DE" smtClean="0"/>
-              <a:t>10.01.2022</a:t>
+              <a:t>11.01.2022</a:t>
             </a:fld>
             <a:endParaRPr lang="de-DE"/>
           </a:p>
@@ -2596,9 +2990,9 @@
           <a:bodyPr/>
           <a:lstStyle/>
           <a:p>
-            <a:fld id="{F476C511-F622-47B7-8FEE-26B700D97920}" type="datetimeFigureOut">
+            <a:fld id="{B6BE5379-3B16-4FD0-92A7-A37CE5B91C6D}" type="datetime1">
               <a:rPr lang="de-DE" smtClean="0"/>
-              <a:t>10.01.2022</a:t>
+              <a:t>11.01.2022</a:t>
             </a:fld>
             <a:endParaRPr lang="de-DE"/>
           </a:p>
@@ -2794,9 +3188,9 @@
           <a:bodyPr/>
           <a:lstStyle/>
           <a:p>
-            <a:fld id="{DCC06A8A-9326-4C29-BCC0-29D5D2C806F5}" type="datetimeFigureOut">
+            <a:fld id="{01983577-D0FF-4F46-ADC7-135AC71413ED}" type="datetime1">
               <a:rPr lang="de-DE" smtClean="0"/>
-              <a:t>10.01.2022</a:t>
+              <a:t>11.01.2022</a:t>
             </a:fld>
             <a:endParaRPr lang="de-DE"/>
           </a:p>
@@ -3082,9 +3476,9 @@
           <a:bodyPr/>
           <a:lstStyle/>
           <a:p>
-            <a:fld id="{F476C511-F622-47B7-8FEE-26B700D97920}" type="datetimeFigureOut">
+            <a:fld id="{235812A2-B942-444E-8D7E-8244854B2F41}" type="datetime1">
               <a:rPr lang="de-DE" smtClean="0"/>
-              <a:t>10.01.2022</a:t>
+              <a:t>11.01.2022</a:t>
             </a:fld>
             <a:endParaRPr lang="de-DE"/>
           </a:p>
@@ -3280,9 +3674,9 @@
           <a:bodyPr/>
           <a:lstStyle/>
           <a:p>
-            <a:fld id="{F476C511-F622-47B7-8FEE-26B700D97920}" type="datetimeFigureOut">
+            <a:fld id="{17D8E2C1-F76C-41AF-AA89-01D824077D10}" type="datetime1">
               <a:rPr lang="de-DE" smtClean="0"/>
-              <a:t>10.01.2022</a:t>
+              <a:t>11.01.2022</a:t>
             </a:fld>
             <a:endParaRPr lang="de-DE"/>
           </a:p>
@@ -3488,9 +3882,9 @@
           <a:bodyPr/>
           <a:lstStyle/>
           <a:p>
-            <a:fld id="{F476C511-F622-47B7-8FEE-26B700D97920}" type="datetimeFigureOut">
+            <a:fld id="{FCD917A5-16DD-4232-9820-F0D8104ED2E9}" type="datetime1">
               <a:rPr lang="de-DE" smtClean="0"/>
-              <a:t>10.01.2022</a:t>
+              <a:t>11.01.2022</a:t>
             </a:fld>
             <a:endParaRPr lang="de-DE"/>
           </a:p>
@@ -3763,9 +4157,9 @@
           <a:bodyPr/>
           <a:lstStyle/>
           <a:p>
-            <a:fld id="{DCC06A8A-9326-4C29-BCC0-29D5D2C806F5}" type="datetimeFigureOut">
+            <a:fld id="{F26FE0ED-0DA8-4F3D-AA4B-5CDB99001EB4}" type="datetime1">
               <a:rPr lang="de-DE" smtClean="0"/>
-              <a:t>10.01.2022</a:t>
+              <a:t>11.01.2022</a:t>
             </a:fld>
             <a:endParaRPr lang="de-DE"/>
           </a:p>
@@ -4028,9 +4422,9 @@
           <a:bodyPr/>
           <a:lstStyle/>
           <a:p>
-            <a:fld id="{DCC06A8A-9326-4C29-BCC0-29D5D2C806F5}" type="datetimeFigureOut">
+            <a:fld id="{C651F996-D1F7-44EF-8F61-1E2F5B9126C6}" type="datetime1">
               <a:rPr lang="de-DE" smtClean="0"/>
-              <a:t>10.01.2022</a:t>
+              <a:t>11.01.2022</a:t>
             </a:fld>
             <a:endParaRPr lang="de-DE"/>
           </a:p>
@@ -4440,9 +4834,9 @@
           <a:bodyPr/>
           <a:lstStyle/>
           <a:p>
-            <a:fld id="{DCC06A8A-9326-4C29-BCC0-29D5D2C806F5}" type="datetimeFigureOut">
+            <a:fld id="{92870B72-D4B4-4C5A-ADED-E27EE7C53243}" type="datetime1">
               <a:rPr lang="de-DE" smtClean="0"/>
-              <a:t>10.01.2022</a:t>
+              <a:t>11.01.2022</a:t>
             </a:fld>
             <a:endParaRPr lang="de-DE"/>
           </a:p>
@@ -4581,9 +4975,9 @@
           <a:bodyPr/>
           <a:lstStyle/>
           <a:p>
-            <a:fld id="{DCC06A8A-9326-4C29-BCC0-29D5D2C806F5}" type="datetimeFigureOut">
+            <a:fld id="{8485E215-49D3-467A-8953-E3882328FC7C}" type="datetime1">
               <a:rPr lang="de-DE" smtClean="0"/>
-              <a:t>10.01.2022</a:t>
+              <a:t>11.01.2022</a:t>
             </a:fld>
             <a:endParaRPr lang="de-DE"/>
           </a:p>
@@ -4694,9 +5088,9 @@
           <a:bodyPr/>
           <a:lstStyle/>
           <a:p>
-            <a:fld id="{DCC06A8A-9326-4C29-BCC0-29D5D2C806F5}" type="datetimeFigureOut">
+            <a:fld id="{59E27E5A-E2B3-486D-BAD8-171893F55DC5}" type="datetime1">
               <a:rPr lang="de-DE" smtClean="0"/>
-              <a:t>10.01.2022</a:t>
+              <a:t>11.01.2022</a:t>
             </a:fld>
             <a:endParaRPr lang="de-DE"/>
           </a:p>
@@ -5005,9 +5399,9 @@
           <a:bodyPr/>
           <a:lstStyle/>
           <a:p>
-            <a:fld id="{DCC06A8A-9326-4C29-BCC0-29D5D2C806F5}" type="datetimeFigureOut">
+            <a:fld id="{813991EA-F2E0-481C-BBA8-CCCCDD0F1861}" type="datetime1">
               <a:rPr lang="de-DE" smtClean="0"/>
-              <a:t>10.01.2022</a:t>
+              <a:t>11.01.2022</a:t>
             </a:fld>
             <a:endParaRPr lang="de-DE"/>
           </a:p>
@@ -5293,9 +5687,9 @@
           <a:bodyPr/>
           <a:lstStyle/>
           <a:p>
-            <a:fld id="{DCC06A8A-9326-4C29-BCC0-29D5D2C806F5}" type="datetimeFigureOut">
+            <a:fld id="{D06FA16F-D1D5-4680-B3B8-1B632C11E4D4}" type="datetime1">
               <a:rPr lang="de-DE" smtClean="0"/>
-              <a:t>10.01.2022</a:t>
+              <a:t>11.01.2022</a:t>
             </a:fld>
             <a:endParaRPr lang="de-DE"/>
           </a:p>
@@ -5534,9 +5928,9 @@
             </a:lvl1pPr>
           </a:lstStyle>
           <a:p>
-            <a:fld id="{DCC06A8A-9326-4C29-BCC0-29D5D2C806F5}" type="datetimeFigureOut">
+            <a:fld id="{CD497846-B08E-4D0B-8467-5FCC0E5C17DA}" type="datetime1">
               <a:rPr lang="de-DE" smtClean="0"/>
-              <a:t>10.01.2022</a:t>
+              <a:t>11.01.2022</a:t>
             </a:fld>
             <a:endParaRPr lang="de-DE"/>
           </a:p>
@@ -5653,6 +6047,7 @@
     <p:sldLayoutId id="2147483658" r:id="rId10"/>
     <p:sldLayoutId id="2147483659" r:id="rId11"/>
   </p:sldLayoutIdLst>
+  <p:hf sldNum="0" hdr="0" ftr="0"/>
   <p:txStyles>
     <p:titleStyle>
       <a:lvl1pPr algn="l" defTabSz="914400" rtl="0" eaLnBrk="1" latinLnBrk="0" hangingPunct="1">
@@ -6102,9 +6497,9 @@
             </a:lvl1pPr>
           </a:lstStyle>
           <a:p>
-            <a:fld id="{F476C511-F622-47B7-8FEE-26B700D97920}" type="datetimeFigureOut">
+            <a:fld id="{C5B3832C-D502-4BE7-9782-E004CD1C8A9B}" type="datetime1">
               <a:rPr lang="de-DE" smtClean="0"/>
-              <a:t>10.01.2022</a:t>
+              <a:t>11.01.2022</a:t>
             </a:fld>
             <a:endParaRPr lang="de-DE"/>
           </a:p>
@@ -6221,6 +6616,7 @@
     <p:sldLayoutId id="2147483670" r:id="rId10"/>
     <p:sldLayoutId id="2147483671" r:id="rId11"/>
   </p:sldLayoutIdLst>
+  <p:hf sldNum="0" hdr="0" ftr="0"/>
   <p:txStyles>
     <p:titleStyle>
       <a:lvl1pPr algn="l" defTabSz="914400" rtl="0" eaLnBrk="1" latinLnBrk="0" hangingPunct="1">
@@ -6507,6 +6903,14 @@
 <file path=ppt/slides/slide1.xml><?xml version="1.0" encoding="utf-8"?>
 <p:sld xmlns:a="http://schemas.openxmlformats.org/drawingml/2006/main" xmlns:r="http://schemas.openxmlformats.org/officeDocument/2006/relationships" xmlns:p="http://schemas.openxmlformats.org/presentationml/2006/main">
   <p:cSld>
+    <p:bg>
+      <p:bgPr>
+        <a:solidFill>
+          <a:schemeClr val="bg1"/>
+        </a:solidFill>
+        <a:effectLst/>
+      </p:bgPr>
+    </p:bg>
     <p:spTree>
       <p:nvGrpSpPr>
         <p:cNvPr id="1" name=""/>
@@ -6523,6 +6927,71 @@
       </p:grpSpPr>
       <p:sp>
         <p:nvSpPr>
+          <p:cNvPr id="14" name="Rectangle 9">
+            <a:extLst>
+              <a:ext uri="{FF2B5EF4-FFF2-40B4-BE49-F238E27FC236}">
+                <a16:creationId xmlns:a16="http://schemas.microsoft.com/office/drawing/2014/main" id="{1707FC24-6981-43D9-B525-C7832BA22463}"/>
+              </a:ext>
+              <a:ext uri="{C183D7F6-B498-43B3-948B-1728B52AA6E4}">
+                <adec:decorative xmlns:adec="http://schemas.microsoft.com/office/drawing/2017/decorative" val="1"/>
+              </a:ext>
+            </a:extLst>
+          </p:cNvPr>
+          <p:cNvSpPr>
+            <a:spLocks noGrp="1" noRot="1" noChangeAspect="1" noMove="1" noResize="1" noEditPoints="1" noAdjustHandles="1" noChangeArrowheads="1" noChangeShapeType="1" noTextEdit="1"/>
+          </p:cNvSpPr>
+          <p:nvPr>
+            <p:extLst>
+              <p:ext uri="{386F3935-93C4-4BCD-93E2-E3B085C9AB24}">
+                <p16:designElem xmlns:p16="http://schemas.microsoft.com/office/powerpoint/2015/main" val="1"/>
+              </p:ext>
+            </p:extLst>
+          </p:nvPr>
+        </p:nvSpPr>
+        <p:spPr bwMode="ltGray">
+          <a:xfrm>
+            <a:off x="336884" y="311449"/>
+            <a:ext cx="4332307" cy="6179552"/>
+          </a:xfrm>
+          <a:prstGeom prst="rect">
+            <a:avLst/>
+          </a:prstGeom>
+          <a:solidFill>
+            <a:srgbClr val="404040"/>
+          </a:solidFill>
+          <a:ln w="127000" cap="sq" cmpd="thinThick">
+            <a:solidFill>
+              <a:srgbClr val="404040"/>
+            </a:solidFill>
+          </a:ln>
+        </p:spPr>
+        <p:style>
+          <a:lnRef idx="2">
+            <a:schemeClr val="accent1">
+              <a:shade val="50000"/>
+            </a:schemeClr>
+          </a:lnRef>
+          <a:fillRef idx="1">
+            <a:schemeClr val="accent1"/>
+          </a:fillRef>
+          <a:effectRef idx="0">
+            <a:schemeClr val="accent1"/>
+          </a:effectRef>
+          <a:fontRef idx="minor">
+            <a:schemeClr val="lt1"/>
+          </a:fontRef>
+        </p:style>
+        <p:txBody>
+          <a:bodyPr rtlCol="0" anchor="ctr"/>
+          <a:lstStyle/>
+          <a:p>
+            <a:pPr algn="ctr"/>
+            <a:endParaRPr lang="en-US"/>
+          </a:p>
+        </p:txBody>
+      </p:sp>
+      <p:sp>
+        <p:nvSpPr>
           <p:cNvPr id="2" name="Titel 1">
             <a:extLst>
               <a:ext uri="{FF2B5EF4-FFF2-40B4-BE49-F238E27FC236}">
@@ -6537,18 +7006,70 @@
             <p:ph type="ctrTitle"/>
           </p:nvPr>
         </p:nvSpPr>
-        <p:spPr/>
-        <p:txBody>
-          <a:bodyPr/>
-          <a:lstStyle/>
-          <a:p>
-            <a:r>
-              <a:rPr lang="de-DE" dirty="0" err="1"/>
+        <p:spPr>
+          <a:xfrm>
+            <a:off x="742950" y="742951"/>
+            <a:ext cx="3476625" cy="4962524"/>
+          </a:xfrm>
+        </p:spPr>
+        <p:txBody>
+          <a:bodyPr vert="horz" lIns="91440" tIns="45720" rIns="91440" bIns="45720" rtlCol="0" anchor="ctr">
+            <a:normAutofit/>
+          </a:bodyPr>
+          <a:lstStyle/>
+          <a:p>
+            <a:r>
+              <a:rPr lang="en-US" sz="4800" kern="1200" dirty="0" err="1">
+                <a:solidFill>
+                  <a:srgbClr val="FFFFFF"/>
+                </a:solidFill>
+                <a:latin typeface="+mj-lt"/>
+                <a:ea typeface="+mj-ea"/>
+                <a:cs typeface="+mj-cs"/>
+              </a:rPr>
               <a:t>FaceBank</a:t>
             </a:r>
-            <a:r>
-              <a:rPr lang="de-DE" dirty="0"/>
-              <a:t> Review 2</a:t>
+            <a:br>
+              <a:rPr lang="en-US" sz="4800" kern="1200" dirty="0">
+                <a:solidFill>
+                  <a:srgbClr val="FFFFFF"/>
+                </a:solidFill>
+                <a:latin typeface="+mj-lt"/>
+                <a:ea typeface="+mj-ea"/>
+                <a:cs typeface="+mj-cs"/>
+              </a:rPr>
+            </a:br>
+            <a:r>
+              <a:rPr lang="en-US" sz="4800" kern="1200" dirty="0">
+                <a:solidFill>
+                  <a:srgbClr val="FFFFFF"/>
+                </a:solidFill>
+                <a:latin typeface="+mj-lt"/>
+                <a:ea typeface="+mj-ea"/>
+                <a:cs typeface="+mj-cs"/>
+              </a:rPr>
+              <a:t>App</a:t>
+            </a:r>
+            <a:br>
+              <a:rPr lang="en-US" sz="4800" kern="1200" dirty="0">
+                <a:solidFill>
+                  <a:srgbClr val="FFFFFF"/>
+                </a:solidFill>
+                <a:latin typeface="+mj-lt"/>
+                <a:ea typeface="+mj-ea"/>
+                <a:cs typeface="+mj-cs"/>
+              </a:rPr>
+            </a:br>
+            <a:r>
+              <a:rPr lang="en-US" sz="4800" kern="1200" dirty="0">
+                <a:solidFill>
+                  <a:srgbClr val="FFFFFF"/>
+                </a:solidFill>
+                <a:latin typeface="+mj-lt"/>
+                <a:ea typeface="+mj-ea"/>
+                <a:cs typeface="+mj-cs"/>
+              </a:rPr>
+              <a:t>Review 2</a:t>
             </a:r>
           </a:p>
         </p:txBody>
@@ -6581,8 +7102,8 @@
         </p:blipFill>
         <p:spPr>
           <a:xfrm>
-            <a:off x="4716978" y="3663898"/>
-            <a:ext cx="2758043" cy="2071739"/>
+            <a:off x="5153822" y="975392"/>
+            <a:ext cx="6553545" cy="4915157"/>
           </a:xfrm>
           <a:prstGeom prst="rect">
             <a:avLst/>
@@ -6602,7 +7123,7 @@
 </p:sld>
 </file>
 
-<file path=ppt/slides/slide2.xml><?xml version="1.0" encoding="utf-8"?>
+<file path=ppt/slides/slide10.xml><?xml version="1.0" encoding="utf-8"?>
 <p:sld xmlns:a="http://schemas.openxmlformats.org/drawingml/2006/main" xmlns:r="http://schemas.openxmlformats.org/officeDocument/2006/relationships" xmlns:p="http://schemas.openxmlformats.org/presentationml/2006/main">
   <p:cSld>
     <p:bg>
@@ -6935,7 +7456,7 @@
           <a:p>
             <a:r>
               <a:rPr lang="de-DE" sz="4000" dirty="0"/>
-              <a:t>Agenda</a:t>
+              <a:t>Aktueller Stand der App</a:t>
             </a:r>
           </a:p>
         </p:txBody>
@@ -7060,44 +7581,6 @@
           </a:bodyPr>
           <a:lstStyle/>
           <a:p>
-            <a:r>
-              <a:rPr lang="de-DE" sz="2200" dirty="0"/>
-              <a:t>Marketingbeispiele Instagram</a:t>
-            </a:r>
-          </a:p>
-          <a:p>
-            <a:r>
-              <a:rPr lang="de-DE" sz="2200" dirty="0"/>
-              <a:t>Vorstellung </a:t>
-            </a:r>
-            <a:r>
-              <a:rPr lang="de-DE" sz="2200" dirty="0" err="1"/>
-              <a:t>PowerApps</a:t>
-            </a:r>
-            <a:endParaRPr lang="de-DE" sz="2200" dirty="0"/>
-          </a:p>
-          <a:p>
-            <a:r>
-              <a:rPr lang="de-DE" sz="2200" dirty="0"/>
-              <a:t>Beschreibung der Algorithmen</a:t>
-            </a:r>
-          </a:p>
-          <a:p>
-            <a:r>
-              <a:rPr lang="de-DE" sz="2200" dirty="0"/>
-              <a:t>App</a:t>
-            </a:r>
-          </a:p>
-          <a:p>
-            <a:endParaRPr lang="de-DE" sz="2200" dirty="0"/>
-          </a:p>
-          <a:p>
-            <a:pPr marL="0" indent="0">
-              <a:buNone/>
-            </a:pPr>
-            <a:endParaRPr lang="de-DE" sz="2200" dirty="0"/>
-          </a:p>
-          <a:p>
             <a:endParaRPr lang="de-DE" sz="2200" dirty="0"/>
           </a:p>
         </p:txBody>
@@ -7138,6 +7621,649 @@
           </a:prstGeom>
         </p:spPr>
       </p:pic>
+      <p:sp>
+        <p:nvSpPr>
+          <p:cNvPr id="5" name="Datumsplatzhalter 4">
+            <a:extLst>
+              <a:ext uri="{FF2B5EF4-FFF2-40B4-BE49-F238E27FC236}">
+                <a16:creationId xmlns:a16="http://schemas.microsoft.com/office/drawing/2014/main" id="{0A8B9702-7B8D-4327-ACC1-80A821B4647D}"/>
+              </a:ext>
+            </a:extLst>
+          </p:cNvPr>
+          <p:cNvSpPr>
+            <a:spLocks noGrp="1"/>
+          </p:cNvSpPr>
+          <p:nvPr>
+            <p:ph type="dt" sz="half" idx="10"/>
+          </p:nvPr>
+        </p:nvSpPr>
+        <p:spPr/>
+        <p:txBody>
+          <a:bodyPr/>
+          <a:lstStyle/>
+          <a:p>
+            <a:fld id="{9B4980EF-6003-492D-B2FF-F322DA2925CD}" type="datetime1">
+              <a:rPr lang="de-DE" smtClean="0"/>
+              <a:t>11.01.2022</a:t>
+            </a:fld>
+            <a:endParaRPr lang="de-DE"/>
+          </a:p>
+        </p:txBody>
+      </p:sp>
+    </p:spTree>
+    <p:extLst>
+      <p:ext uri="{BB962C8B-B14F-4D97-AF65-F5344CB8AC3E}">
+        <p14:creationId xmlns:p14="http://schemas.microsoft.com/office/powerpoint/2010/main" val="75883478"/>
+      </p:ext>
+    </p:extLst>
+  </p:cSld>
+  <p:clrMapOvr>
+    <a:masterClrMapping/>
+  </p:clrMapOvr>
+</p:sld>
+</file>
+
+<file path=ppt/slides/slide2.xml><?xml version="1.0" encoding="utf-8"?>
+<p:sld xmlns:a="http://schemas.openxmlformats.org/drawingml/2006/main" xmlns:r="http://schemas.openxmlformats.org/officeDocument/2006/relationships" xmlns:p="http://schemas.openxmlformats.org/presentationml/2006/main">
+  <p:cSld>
+    <p:bg>
+      <p:bgPr>
+        <a:solidFill>
+          <a:schemeClr val="bg1"/>
+        </a:solidFill>
+        <a:effectLst/>
+      </p:bgPr>
+    </p:bg>
+    <p:spTree>
+      <p:nvGrpSpPr>
+        <p:cNvPr id="1" name=""/>
+        <p:cNvGrpSpPr/>
+        <p:nvPr/>
+      </p:nvGrpSpPr>
+      <p:grpSpPr>
+        <a:xfrm>
+          <a:off x="0" y="0"/>
+          <a:ext cx="0" cy="0"/>
+          <a:chOff x="0" y="0"/>
+          <a:chExt cx="0" cy="0"/>
+        </a:xfrm>
+      </p:grpSpPr>
+      <p:sp useBgFill="1">
+        <p:nvSpPr>
+          <p:cNvPr id="21" name="Rectangle 8">
+            <a:extLst>
+              <a:ext uri="{FF2B5EF4-FFF2-40B4-BE49-F238E27FC236}">
+                <a16:creationId xmlns:a16="http://schemas.microsoft.com/office/drawing/2014/main" id="{DAF1966E-FD40-4A4A-B61B-C4DF7FA05F06}"/>
+              </a:ext>
+              <a:ext uri="{C183D7F6-B498-43B3-948B-1728B52AA6E4}">
+                <adec:decorative xmlns:adec="http://schemas.microsoft.com/office/drawing/2017/decorative" val="1"/>
+              </a:ext>
+            </a:extLst>
+          </p:cNvPr>
+          <p:cNvSpPr>
+            <a:spLocks noGrp="1" noRot="1" noChangeAspect="1" noMove="1" noResize="1" noEditPoints="1" noAdjustHandles="1" noChangeArrowheads="1" noChangeShapeType="1" noTextEdit="1"/>
+          </p:cNvSpPr>
+          <p:nvPr>
+            <p:extLst>
+              <p:ext uri="{386F3935-93C4-4BCD-93E2-E3B085C9AB24}">
+                <p16:designElem xmlns:p16="http://schemas.microsoft.com/office/powerpoint/2015/main" val="1"/>
+              </p:ext>
+            </p:extLst>
+          </p:nvPr>
+        </p:nvSpPr>
+        <p:spPr>
+          <a:xfrm>
+            <a:off x="0" y="0"/>
+            <a:ext cx="12192000" cy="6858000"/>
+          </a:xfrm>
+          <a:prstGeom prst="rect">
+            <a:avLst/>
+          </a:prstGeom>
+          <a:ln>
+            <a:noFill/>
+          </a:ln>
+        </p:spPr>
+        <p:style>
+          <a:lnRef idx="2">
+            <a:schemeClr val="accent1">
+              <a:shade val="50000"/>
+            </a:schemeClr>
+          </a:lnRef>
+          <a:fillRef idx="1">
+            <a:schemeClr val="accent1"/>
+          </a:fillRef>
+          <a:effectRef idx="0">
+            <a:schemeClr val="accent1"/>
+          </a:effectRef>
+          <a:fontRef idx="minor">
+            <a:schemeClr val="lt1"/>
+          </a:fontRef>
+        </p:style>
+        <p:txBody>
+          <a:bodyPr rtlCol="0" anchor="ctr"/>
+          <a:lstStyle/>
+          <a:p>
+            <a:pPr marL="0" marR="0" lvl="0" indent="0" algn="ctr" defTabSz="914400" rtl="0" eaLnBrk="1" fontAlgn="auto" latinLnBrk="0" hangingPunct="1">
+              <a:lnSpc>
+                <a:spcPct val="100000"/>
+              </a:lnSpc>
+              <a:spcBef>
+                <a:spcPts val="0"/>
+              </a:spcBef>
+              <a:spcAft>
+                <a:spcPts val="0"/>
+              </a:spcAft>
+              <a:buClrTx/>
+              <a:buSzTx/>
+              <a:buFontTx/>
+              <a:buNone/>
+              <a:tabLst/>
+              <a:defRPr/>
+            </a:pPr>
+            <a:endParaRPr kumimoji="0" lang="en-US" sz="1800" b="0" i="0" u="none" strike="noStrike" kern="1200" cap="none" spc="0" normalizeH="0" baseline="0" noProof="0">
+              <a:ln>
+                <a:noFill/>
+              </a:ln>
+              <a:solidFill>
+                <a:prstClr val="white"/>
+              </a:solidFill>
+              <a:effectLst/>
+              <a:uLnTx/>
+              <a:uFillTx/>
+              <a:latin typeface="Calibri" panose="020F0502020204030204"/>
+              <a:ea typeface="+mn-ea"/>
+              <a:cs typeface="+mn-cs"/>
+            </a:endParaRPr>
+          </a:p>
+        </p:txBody>
+      </p:sp>
+      <p:sp useBgFill="1">
+        <p:nvSpPr>
+          <p:cNvPr id="22" name="Rectangle 10">
+            <a:extLst>
+              <a:ext uri="{FF2B5EF4-FFF2-40B4-BE49-F238E27FC236}">
+                <a16:creationId xmlns:a16="http://schemas.microsoft.com/office/drawing/2014/main" id="{047BFA19-D45E-416B-A404-7AF2F3F27017}"/>
+              </a:ext>
+              <a:ext uri="{C183D7F6-B498-43B3-948B-1728B52AA6E4}">
+                <adec:decorative xmlns:adec="http://schemas.microsoft.com/office/drawing/2017/decorative" val="1"/>
+              </a:ext>
+            </a:extLst>
+          </p:cNvPr>
+          <p:cNvSpPr>
+            <a:spLocks noGrp="1" noRot="1" noChangeAspect="1" noMove="1" noResize="1" noEditPoints="1" noAdjustHandles="1" noChangeArrowheads="1" noChangeShapeType="1" noTextEdit="1"/>
+          </p:cNvSpPr>
+          <p:nvPr>
+            <p:extLst>
+              <p:ext uri="{386F3935-93C4-4BCD-93E2-E3B085C9AB24}">
+                <p16:designElem xmlns:p16="http://schemas.microsoft.com/office/powerpoint/2015/main" val="1"/>
+              </p:ext>
+            </p:extLst>
+          </p:nvPr>
+        </p:nvSpPr>
+        <p:spPr>
+          <a:xfrm>
+            <a:off x="558209" y="0"/>
+            <a:ext cx="11167447" cy="2018806"/>
+          </a:xfrm>
+          <a:prstGeom prst="rect">
+            <a:avLst/>
+          </a:prstGeom>
+          <a:ln w="9525">
+            <a:solidFill>
+              <a:srgbClr val="E1E1E1"/>
+            </a:solidFill>
+          </a:ln>
+          <a:effectLst>
+            <a:outerShdw blurRad="50800" dist="38100" dir="2700000" algn="tl" rotWithShape="0">
+              <a:schemeClr val="bg1">
+                <a:lumMod val="85000"/>
+                <a:alpha val="50000"/>
+              </a:schemeClr>
+            </a:outerShdw>
+          </a:effectLst>
+        </p:spPr>
+        <p:style>
+          <a:lnRef idx="2">
+            <a:schemeClr val="accent1">
+              <a:shade val="50000"/>
+            </a:schemeClr>
+          </a:lnRef>
+          <a:fillRef idx="1">
+            <a:schemeClr val="accent1"/>
+          </a:fillRef>
+          <a:effectRef idx="0">
+            <a:schemeClr val="accent1"/>
+          </a:effectRef>
+          <a:fontRef idx="minor">
+            <a:schemeClr val="lt1"/>
+          </a:fontRef>
+        </p:style>
+        <p:txBody>
+          <a:bodyPr rtlCol="0" anchor="ctr"/>
+          <a:lstStyle/>
+          <a:p>
+            <a:pPr marL="0" marR="0" lvl="0" indent="0" algn="ctr" defTabSz="914400" rtl="0" eaLnBrk="1" fontAlgn="auto" latinLnBrk="0" hangingPunct="1">
+              <a:lnSpc>
+                <a:spcPct val="100000"/>
+              </a:lnSpc>
+              <a:spcBef>
+                <a:spcPts val="0"/>
+              </a:spcBef>
+              <a:spcAft>
+                <a:spcPts val="0"/>
+              </a:spcAft>
+              <a:buClrTx/>
+              <a:buSzTx/>
+              <a:buFontTx/>
+              <a:buNone/>
+              <a:tabLst/>
+              <a:defRPr/>
+            </a:pPr>
+            <a:endParaRPr kumimoji="0" lang="en-US" sz="1800" b="0" i="0" u="none" strike="noStrike" kern="1200" cap="none" spc="0" normalizeH="0" baseline="0" noProof="0">
+              <a:ln>
+                <a:noFill/>
+              </a:ln>
+              <a:solidFill>
+                <a:prstClr val="white"/>
+              </a:solidFill>
+              <a:effectLst/>
+              <a:uLnTx/>
+              <a:uFillTx/>
+              <a:latin typeface="Calibri" panose="020F0502020204030204"/>
+              <a:ea typeface="+mn-ea"/>
+              <a:cs typeface="+mn-cs"/>
+            </a:endParaRPr>
+          </a:p>
+        </p:txBody>
+      </p:sp>
+      <p:sp useBgFill="1">
+        <p:nvSpPr>
+          <p:cNvPr id="23" name="Rectangle 12">
+            <a:extLst>
+              <a:ext uri="{FF2B5EF4-FFF2-40B4-BE49-F238E27FC236}">
+                <a16:creationId xmlns:a16="http://schemas.microsoft.com/office/drawing/2014/main" id="{8E0105E7-23DB-4CF2-8258-FF47C7620F6E}"/>
+              </a:ext>
+              <a:ext uri="{C183D7F6-B498-43B3-948B-1728B52AA6E4}">
+                <adec:decorative xmlns:adec="http://schemas.microsoft.com/office/drawing/2017/decorative" val="1"/>
+              </a:ext>
+            </a:extLst>
+          </p:cNvPr>
+          <p:cNvSpPr>
+            <a:spLocks noGrp="1" noRot="1" noChangeAspect="1" noMove="1" noResize="1" noEditPoints="1" noAdjustHandles="1" noChangeArrowheads="1" noChangeShapeType="1" noTextEdit="1"/>
+          </p:cNvSpPr>
+          <p:nvPr>
+            <p:extLst>
+              <p:ext uri="{386F3935-93C4-4BCD-93E2-E3B085C9AB24}">
+                <p16:designElem xmlns:p16="http://schemas.microsoft.com/office/powerpoint/2015/main" val="1"/>
+              </p:ext>
+            </p:extLst>
+          </p:nvPr>
+        </p:nvSpPr>
+        <p:spPr>
+          <a:xfrm>
+            <a:off x="566928" y="0"/>
+            <a:ext cx="11155680" cy="2011680"/>
+          </a:xfrm>
+          <a:prstGeom prst="rect">
+            <a:avLst/>
+          </a:prstGeom>
+          <a:ln w="9525">
+            <a:noFill/>
+          </a:ln>
+          <a:effectLst/>
+        </p:spPr>
+        <p:style>
+          <a:lnRef idx="2">
+            <a:schemeClr val="accent1">
+              <a:shade val="50000"/>
+            </a:schemeClr>
+          </a:lnRef>
+          <a:fillRef idx="1">
+            <a:schemeClr val="accent1"/>
+          </a:fillRef>
+          <a:effectRef idx="0">
+            <a:schemeClr val="accent1"/>
+          </a:effectRef>
+          <a:fontRef idx="minor">
+            <a:schemeClr val="lt1"/>
+          </a:fontRef>
+        </p:style>
+        <p:txBody>
+          <a:bodyPr rtlCol="0" anchor="ctr"/>
+          <a:lstStyle/>
+          <a:p>
+            <a:pPr marL="0" marR="0" lvl="0" indent="0" algn="ctr" defTabSz="914400" rtl="0" eaLnBrk="1" fontAlgn="auto" latinLnBrk="0" hangingPunct="1">
+              <a:lnSpc>
+                <a:spcPct val="100000"/>
+              </a:lnSpc>
+              <a:spcBef>
+                <a:spcPts val="0"/>
+              </a:spcBef>
+              <a:spcAft>
+                <a:spcPts val="0"/>
+              </a:spcAft>
+              <a:buClrTx/>
+              <a:buSzTx/>
+              <a:buFontTx/>
+              <a:buNone/>
+              <a:tabLst/>
+              <a:defRPr/>
+            </a:pPr>
+            <a:endParaRPr kumimoji="0" lang="en-US" sz="1800" b="0" i="0" u="none" strike="noStrike" kern="1200" cap="none" spc="0" normalizeH="0" baseline="0" noProof="0">
+              <a:ln>
+                <a:noFill/>
+              </a:ln>
+              <a:solidFill>
+                <a:prstClr val="white"/>
+              </a:solidFill>
+              <a:effectLst/>
+              <a:uLnTx/>
+              <a:uFillTx/>
+              <a:latin typeface="Calibri" panose="020F0502020204030204"/>
+              <a:ea typeface="+mn-ea"/>
+              <a:cs typeface="+mn-cs"/>
+            </a:endParaRPr>
+          </a:p>
+        </p:txBody>
+      </p:sp>
+      <p:sp>
+        <p:nvSpPr>
+          <p:cNvPr id="2" name="Titel 1">
+            <a:extLst>
+              <a:ext uri="{FF2B5EF4-FFF2-40B4-BE49-F238E27FC236}">
+                <a16:creationId xmlns:a16="http://schemas.microsoft.com/office/drawing/2014/main" id="{4CEE9278-5D8D-4F29-8492-6D98260484EA}"/>
+              </a:ext>
+            </a:extLst>
+          </p:cNvPr>
+          <p:cNvSpPr>
+            <a:spLocks noGrp="1"/>
+          </p:cNvSpPr>
+          <p:nvPr>
+            <p:ph type="title"/>
+          </p:nvPr>
+        </p:nvSpPr>
+        <p:spPr>
+          <a:xfrm>
+            <a:off x="1115568" y="548640"/>
+            <a:ext cx="8616195" cy="1179576"/>
+          </a:xfrm>
+        </p:spPr>
+        <p:txBody>
+          <a:bodyPr>
+            <a:normAutofit/>
+          </a:bodyPr>
+          <a:lstStyle/>
+          <a:p>
+            <a:r>
+              <a:rPr lang="de-DE" sz="4000" dirty="0"/>
+              <a:t>Agenda</a:t>
+            </a:r>
+          </a:p>
+        </p:txBody>
+      </p:sp>
+      <p:sp>
+        <p:nvSpPr>
+          <p:cNvPr id="24" name="Rectangle 14">
+            <a:extLst>
+              <a:ext uri="{FF2B5EF4-FFF2-40B4-BE49-F238E27FC236}">
+                <a16:creationId xmlns:a16="http://schemas.microsoft.com/office/drawing/2014/main" id="{074B4F7D-14B2-478B-8BF5-01E4E0C5D263}"/>
+              </a:ext>
+              <a:ext uri="{C183D7F6-B498-43B3-948B-1728B52AA6E4}">
+                <adec:decorative xmlns:adec="http://schemas.microsoft.com/office/drawing/2017/decorative" val="1"/>
+              </a:ext>
+            </a:extLst>
+          </p:cNvPr>
+          <p:cNvSpPr>
+            <a:spLocks noGrp="1" noRot="1" noChangeAspect="1" noMove="1" noResize="1" noEditPoints="1" noAdjustHandles="1" noChangeArrowheads="1" noChangeShapeType="1" noTextEdit="1"/>
+          </p:cNvSpPr>
+          <p:nvPr>
+            <p:extLst>
+              <p:ext uri="{386F3935-93C4-4BCD-93E2-E3B085C9AB24}">
+                <p16:designElem xmlns:p16="http://schemas.microsoft.com/office/powerpoint/2015/main" val="1"/>
+              </p:ext>
+            </p:extLst>
+          </p:nvPr>
+        </p:nvSpPr>
+        <p:spPr>
+          <a:xfrm>
+            <a:off x="498834" y="758952"/>
+            <a:ext cx="128016" cy="704088"/>
+          </a:xfrm>
+          <a:prstGeom prst="rect">
+            <a:avLst/>
+          </a:prstGeom>
+          <a:solidFill>
+            <a:schemeClr val="accent2"/>
+          </a:solidFill>
+          <a:ln>
+            <a:noFill/>
+          </a:ln>
+        </p:spPr>
+        <p:style>
+          <a:lnRef idx="2">
+            <a:schemeClr val="accent1">
+              <a:shade val="50000"/>
+            </a:schemeClr>
+          </a:lnRef>
+          <a:fillRef idx="1">
+            <a:schemeClr val="accent1"/>
+          </a:fillRef>
+          <a:effectRef idx="0">
+            <a:schemeClr val="accent1"/>
+          </a:effectRef>
+          <a:fontRef idx="minor">
+            <a:schemeClr val="lt1"/>
+          </a:fontRef>
+        </p:style>
+        <p:txBody>
+          <a:bodyPr rtlCol="0" anchor="ctr"/>
+          <a:lstStyle/>
+          <a:p>
+            <a:pPr marL="0" marR="0" lvl="0" indent="0" algn="ctr" defTabSz="914400" rtl="0" eaLnBrk="1" fontAlgn="auto" latinLnBrk="0" hangingPunct="1">
+              <a:lnSpc>
+                <a:spcPct val="100000"/>
+              </a:lnSpc>
+              <a:spcBef>
+                <a:spcPts val="0"/>
+              </a:spcBef>
+              <a:spcAft>
+                <a:spcPts val="0"/>
+              </a:spcAft>
+              <a:buClrTx/>
+              <a:buSzTx/>
+              <a:buFontTx/>
+              <a:buNone/>
+              <a:tabLst/>
+              <a:defRPr/>
+            </a:pPr>
+            <a:endParaRPr kumimoji="0" lang="en-US" sz="1800" b="0" i="0" u="none" strike="noStrike" kern="1200" cap="none" spc="0" normalizeH="0" baseline="0" noProof="0">
+              <a:ln>
+                <a:noFill/>
+              </a:ln>
+              <a:solidFill>
+                <a:prstClr val="white"/>
+              </a:solidFill>
+              <a:effectLst/>
+              <a:uLnTx/>
+              <a:uFillTx/>
+              <a:latin typeface="Calibri" panose="020F0502020204030204"/>
+              <a:ea typeface="+mn-ea"/>
+              <a:cs typeface="+mn-cs"/>
+            </a:endParaRPr>
+          </a:p>
+        </p:txBody>
+      </p:sp>
+      <p:sp>
+        <p:nvSpPr>
+          <p:cNvPr id="3" name="Inhaltsplatzhalter 2">
+            <a:extLst>
+              <a:ext uri="{FF2B5EF4-FFF2-40B4-BE49-F238E27FC236}">
+                <a16:creationId xmlns:a16="http://schemas.microsoft.com/office/drawing/2014/main" id="{E3CE2A5A-3C8B-41A1-AC8F-8A5EA5BBC30C}"/>
+              </a:ext>
+            </a:extLst>
+          </p:cNvPr>
+          <p:cNvSpPr>
+            <a:spLocks noGrp="1"/>
+          </p:cNvSpPr>
+          <p:nvPr>
+            <p:ph idx="1"/>
+          </p:nvPr>
+        </p:nvSpPr>
+        <p:spPr>
+          <a:xfrm>
+            <a:off x="1115568" y="2481943"/>
+            <a:ext cx="10168128" cy="3695020"/>
+          </a:xfrm>
+        </p:spPr>
+        <p:txBody>
+          <a:bodyPr>
+            <a:normAutofit/>
+          </a:bodyPr>
+          <a:lstStyle/>
+          <a:p>
+            <a:pPr>
+              <a:lnSpc>
+                <a:spcPct val="150000"/>
+              </a:lnSpc>
+            </a:pPr>
+            <a:r>
+              <a:rPr lang="de-DE" sz="2200" dirty="0"/>
+              <a:t>Marketingbeispiele Instagram</a:t>
+            </a:r>
+          </a:p>
+          <a:p>
+            <a:pPr>
+              <a:lnSpc>
+                <a:spcPct val="150000"/>
+              </a:lnSpc>
+            </a:pPr>
+            <a:r>
+              <a:rPr lang="de-DE" sz="2200" dirty="0"/>
+              <a:t>Wie funktioniert Face </a:t>
+            </a:r>
+            <a:r>
+              <a:rPr lang="de-DE" sz="2400" dirty="0"/>
+              <a:t>Recognition?</a:t>
+            </a:r>
+          </a:p>
+          <a:p>
+            <a:pPr>
+              <a:lnSpc>
+                <a:spcPct val="150000"/>
+              </a:lnSpc>
+            </a:pPr>
+            <a:r>
+              <a:rPr lang="de-DE" sz="2400" dirty="0"/>
+              <a:t>Impediments</a:t>
+            </a:r>
+            <a:endParaRPr lang="de-DE" sz="2200" dirty="0"/>
+          </a:p>
+          <a:p>
+            <a:pPr>
+              <a:lnSpc>
+                <a:spcPct val="150000"/>
+              </a:lnSpc>
+            </a:pPr>
+            <a:r>
+              <a:rPr lang="de-DE" sz="2200" dirty="0"/>
+              <a:t>Vorstellung </a:t>
+            </a:r>
+            <a:r>
+              <a:rPr lang="de-DE" sz="2200" dirty="0" err="1"/>
+              <a:t>PowerApps</a:t>
+            </a:r>
+            <a:endParaRPr lang="de-DE" sz="2200" dirty="0"/>
+          </a:p>
+          <a:p>
+            <a:pPr>
+              <a:lnSpc>
+                <a:spcPct val="150000"/>
+              </a:lnSpc>
+            </a:pPr>
+            <a:r>
+              <a:rPr lang="de-DE" sz="2200" dirty="0"/>
+              <a:t>Update zur App</a:t>
+            </a:r>
+          </a:p>
+          <a:p>
+            <a:endParaRPr lang="de-DE" sz="2200" dirty="0"/>
+          </a:p>
+          <a:p>
+            <a:pPr marL="0" indent="0">
+              <a:buNone/>
+            </a:pPr>
+            <a:endParaRPr lang="de-DE" sz="2200" dirty="0"/>
+          </a:p>
+          <a:p>
+            <a:endParaRPr lang="de-DE" sz="2200" dirty="0"/>
+          </a:p>
+        </p:txBody>
+      </p:sp>
+      <p:pic>
+        <p:nvPicPr>
+          <p:cNvPr id="4" name="Inhaltsplatzhalter 4">
+            <a:extLst>
+              <a:ext uri="{FF2B5EF4-FFF2-40B4-BE49-F238E27FC236}">
+                <a16:creationId xmlns:a16="http://schemas.microsoft.com/office/drawing/2014/main" id="{194C12C9-2F45-423B-9832-6ED35CE6F8E6}"/>
+              </a:ext>
+            </a:extLst>
+          </p:cNvPr>
+          <p:cNvPicPr>
+            <a:picLocks noChangeAspect="1"/>
+          </p:cNvPicPr>
+          <p:nvPr/>
+        </p:nvPicPr>
+        <p:blipFill>
+          <a:blip r:embed="rId2">
+            <a:extLst>
+              <a:ext uri="{28A0092B-C50C-407E-A947-70E740481C1C}">
+                <a14:useLocalDpi xmlns:a14="http://schemas.microsoft.com/office/drawing/2010/main" val="0"/>
+              </a:ext>
+            </a:extLst>
+          </a:blip>
+          <a:stretch>
+            <a:fillRect/>
+          </a:stretch>
+        </p:blipFill>
+        <p:spPr>
+          <a:xfrm>
+            <a:off x="9994016" y="548640"/>
+            <a:ext cx="1466339" cy="1101459"/>
+          </a:xfrm>
+          <a:prstGeom prst="rect">
+            <a:avLst/>
+          </a:prstGeom>
+        </p:spPr>
+      </p:pic>
+      <p:sp>
+        <p:nvSpPr>
+          <p:cNvPr id="5" name="Datumsplatzhalter 4">
+            <a:extLst>
+              <a:ext uri="{FF2B5EF4-FFF2-40B4-BE49-F238E27FC236}">
+                <a16:creationId xmlns:a16="http://schemas.microsoft.com/office/drawing/2014/main" id="{0A8B9702-7B8D-4327-ACC1-80A821B4647D}"/>
+              </a:ext>
+            </a:extLst>
+          </p:cNvPr>
+          <p:cNvSpPr>
+            <a:spLocks noGrp="1"/>
+          </p:cNvSpPr>
+          <p:nvPr>
+            <p:ph type="dt" sz="half" idx="10"/>
+          </p:nvPr>
+        </p:nvSpPr>
+        <p:spPr/>
+        <p:txBody>
+          <a:bodyPr/>
+          <a:lstStyle/>
+          <a:p>
+            <a:fld id="{9B4980EF-6003-492D-B2FF-F322DA2925CD}" type="datetime1">
+              <a:rPr lang="de-DE" smtClean="0"/>
+              <a:t>11.01.2022</a:t>
+            </a:fld>
+            <a:endParaRPr lang="de-DE"/>
+          </a:p>
+        </p:txBody>
+      </p:sp>
     </p:spTree>
     <p:extLst>
       <p:ext uri="{BB962C8B-B14F-4D97-AF65-F5344CB8AC3E}">
@@ -7482,7 +8608,10 @@
           </a:bodyPr>
           <a:lstStyle/>
           <a:p>
-            <a:endParaRPr lang="de-DE" sz="4000" dirty="0"/>
+            <a:r>
+              <a:rPr lang="de-DE" sz="4000" dirty="0"/>
+              <a:t>Marketing</a:t>
+            </a:r>
           </a:p>
         </p:txBody>
       </p:sp>
@@ -7646,10 +8775,3896 @@
           </a:prstGeom>
         </p:spPr>
       </p:pic>
+      <p:sp>
+        <p:nvSpPr>
+          <p:cNvPr id="5" name="Datumsplatzhalter 4">
+            <a:extLst>
+              <a:ext uri="{FF2B5EF4-FFF2-40B4-BE49-F238E27FC236}">
+                <a16:creationId xmlns:a16="http://schemas.microsoft.com/office/drawing/2014/main" id="{0A8B9702-7B8D-4327-ACC1-80A821B4647D}"/>
+              </a:ext>
+            </a:extLst>
+          </p:cNvPr>
+          <p:cNvSpPr>
+            <a:spLocks noGrp="1"/>
+          </p:cNvSpPr>
+          <p:nvPr>
+            <p:ph type="dt" sz="half" idx="10"/>
+          </p:nvPr>
+        </p:nvSpPr>
+        <p:spPr/>
+        <p:txBody>
+          <a:bodyPr/>
+          <a:lstStyle/>
+          <a:p>
+            <a:fld id="{9B4980EF-6003-492D-B2FF-F322DA2925CD}" type="datetime1">
+              <a:rPr lang="de-DE" smtClean="0"/>
+              <a:t>11.01.2022</a:t>
+            </a:fld>
+            <a:endParaRPr lang="de-DE"/>
+          </a:p>
+        </p:txBody>
+      </p:sp>
+    </p:spTree>
+    <p:extLst>
+      <p:ext uri="{BB962C8B-B14F-4D97-AF65-F5344CB8AC3E}">
+        <p14:creationId xmlns:p14="http://schemas.microsoft.com/office/powerpoint/2010/main" val="3506049757"/>
+      </p:ext>
+    </p:extLst>
+  </p:cSld>
+  <p:clrMapOvr>
+    <a:masterClrMapping/>
+  </p:clrMapOvr>
+</p:sld>
+</file>
+
+<file path=ppt/slides/slide4.xml><?xml version="1.0" encoding="utf-8"?>
+<p:sld xmlns:a="http://schemas.openxmlformats.org/drawingml/2006/main" xmlns:r="http://schemas.openxmlformats.org/officeDocument/2006/relationships" xmlns:p="http://schemas.openxmlformats.org/presentationml/2006/main">
+  <p:cSld>
+    <p:bg>
+      <p:bgPr>
+        <a:solidFill>
+          <a:schemeClr val="bg1"/>
+        </a:solidFill>
+        <a:effectLst/>
+      </p:bgPr>
+    </p:bg>
+    <p:spTree>
+      <p:nvGrpSpPr>
+        <p:cNvPr id="1" name=""/>
+        <p:cNvGrpSpPr/>
+        <p:nvPr/>
+      </p:nvGrpSpPr>
+      <p:grpSpPr>
+        <a:xfrm>
+          <a:off x="0" y="0"/>
+          <a:ext cx="0" cy="0"/>
+          <a:chOff x="0" y="0"/>
+          <a:chExt cx="0" cy="0"/>
+        </a:xfrm>
+      </p:grpSpPr>
+      <p:sp useBgFill="1">
+        <p:nvSpPr>
+          <p:cNvPr id="21" name="Rectangle 8">
+            <a:extLst>
+              <a:ext uri="{FF2B5EF4-FFF2-40B4-BE49-F238E27FC236}">
+                <a16:creationId xmlns:a16="http://schemas.microsoft.com/office/drawing/2014/main" id="{DAF1966E-FD40-4A4A-B61B-C4DF7FA05F06}"/>
+              </a:ext>
+              <a:ext uri="{C183D7F6-B498-43B3-948B-1728B52AA6E4}">
+                <adec:decorative xmlns:adec="http://schemas.microsoft.com/office/drawing/2017/decorative" val="1"/>
+              </a:ext>
+            </a:extLst>
+          </p:cNvPr>
+          <p:cNvSpPr>
+            <a:spLocks noGrp="1" noRot="1" noChangeAspect="1" noMove="1" noResize="1" noEditPoints="1" noAdjustHandles="1" noChangeArrowheads="1" noChangeShapeType="1" noTextEdit="1"/>
+          </p:cNvSpPr>
+          <p:nvPr>
+            <p:extLst>
+              <p:ext uri="{386F3935-93C4-4BCD-93E2-E3B085C9AB24}">
+                <p16:designElem xmlns:p16="http://schemas.microsoft.com/office/powerpoint/2015/main" val="1"/>
+              </p:ext>
+            </p:extLst>
+          </p:nvPr>
+        </p:nvSpPr>
+        <p:spPr>
+          <a:xfrm>
+            <a:off x="0" y="0"/>
+            <a:ext cx="12192000" cy="6858000"/>
+          </a:xfrm>
+          <a:prstGeom prst="rect">
+            <a:avLst/>
+          </a:prstGeom>
+          <a:ln>
+            <a:noFill/>
+          </a:ln>
+        </p:spPr>
+        <p:style>
+          <a:lnRef idx="2">
+            <a:schemeClr val="accent1">
+              <a:shade val="50000"/>
+            </a:schemeClr>
+          </a:lnRef>
+          <a:fillRef idx="1">
+            <a:schemeClr val="accent1"/>
+          </a:fillRef>
+          <a:effectRef idx="0">
+            <a:schemeClr val="accent1"/>
+          </a:effectRef>
+          <a:fontRef idx="minor">
+            <a:schemeClr val="lt1"/>
+          </a:fontRef>
+        </p:style>
+        <p:txBody>
+          <a:bodyPr rtlCol="0" anchor="ctr"/>
+          <a:lstStyle/>
+          <a:p>
+            <a:pPr marL="0" marR="0" lvl="0" indent="0" algn="ctr" defTabSz="914400" rtl="0" eaLnBrk="1" fontAlgn="auto" latinLnBrk="0" hangingPunct="1">
+              <a:lnSpc>
+                <a:spcPct val="100000"/>
+              </a:lnSpc>
+              <a:spcBef>
+                <a:spcPts val="0"/>
+              </a:spcBef>
+              <a:spcAft>
+                <a:spcPts val="0"/>
+              </a:spcAft>
+              <a:buClrTx/>
+              <a:buSzTx/>
+              <a:buFontTx/>
+              <a:buNone/>
+              <a:tabLst/>
+              <a:defRPr/>
+            </a:pPr>
+            <a:endParaRPr kumimoji="0" lang="en-US" sz="1800" b="0" i="0" u="none" strike="noStrike" kern="1200" cap="none" spc="0" normalizeH="0" baseline="0" noProof="0">
+              <a:ln>
+                <a:noFill/>
+              </a:ln>
+              <a:solidFill>
+                <a:prstClr val="white"/>
+              </a:solidFill>
+              <a:effectLst/>
+              <a:uLnTx/>
+              <a:uFillTx/>
+              <a:latin typeface="Calibri" panose="020F0502020204030204"/>
+              <a:ea typeface="+mn-ea"/>
+              <a:cs typeface="+mn-cs"/>
+            </a:endParaRPr>
+          </a:p>
+        </p:txBody>
+      </p:sp>
+      <p:sp useBgFill="1">
+        <p:nvSpPr>
+          <p:cNvPr id="22" name="Rectangle 10">
+            <a:extLst>
+              <a:ext uri="{FF2B5EF4-FFF2-40B4-BE49-F238E27FC236}">
+                <a16:creationId xmlns:a16="http://schemas.microsoft.com/office/drawing/2014/main" id="{047BFA19-D45E-416B-A404-7AF2F3F27017}"/>
+              </a:ext>
+              <a:ext uri="{C183D7F6-B498-43B3-948B-1728B52AA6E4}">
+                <adec:decorative xmlns:adec="http://schemas.microsoft.com/office/drawing/2017/decorative" val="1"/>
+              </a:ext>
+            </a:extLst>
+          </p:cNvPr>
+          <p:cNvSpPr>
+            <a:spLocks noGrp="1" noRot="1" noChangeAspect="1" noMove="1" noResize="1" noEditPoints="1" noAdjustHandles="1" noChangeArrowheads="1" noChangeShapeType="1" noTextEdit="1"/>
+          </p:cNvSpPr>
+          <p:nvPr>
+            <p:extLst>
+              <p:ext uri="{386F3935-93C4-4BCD-93E2-E3B085C9AB24}">
+                <p16:designElem xmlns:p16="http://schemas.microsoft.com/office/powerpoint/2015/main" val="1"/>
+              </p:ext>
+            </p:extLst>
+          </p:nvPr>
+        </p:nvSpPr>
+        <p:spPr>
+          <a:xfrm>
+            <a:off x="558209" y="0"/>
+            <a:ext cx="11167447" cy="2018806"/>
+          </a:xfrm>
+          <a:prstGeom prst="rect">
+            <a:avLst/>
+          </a:prstGeom>
+          <a:ln w="9525">
+            <a:solidFill>
+              <a:srgbClr val="E1E1E1"/>
+            </a:solidFill>
+          </a:ln>
+          <a:effectLst>
+            <a:outerShdw blurRad="50800" dist="38100" dir="2700000" algn="tl" rotWithShape="0">
+              <a:schemeClr val="bg1">
+                <a:lumMod val="85000"/>
+                <a:alpha val="50000"/>
+              </a:schemeClr>
+            </a:outerShdw>
+          </a:effectLst>
+        </p:spPr>
+        <p:style>
+          <a:lnRef idx="2">
+            <a:schemeClr val="accent1">
+              <a:shade val="50000"/>
+            </a:schemeClr>
+          </a:lnRef>
+          <a:fillRef idx="1">
+            <a:schemeClr val="accent1"/>
+          </a:fillRef>
+          <a:effectRef idx="0">
+            <a:schemeClr val="accent1"/>
+          </a:effectRef>
+          <a:fontRef idx="minor">
+            <a:schemeClr val="lt1"/>
+          </a:fontRef>
+        </p:style>
+        <p:txBody>
+          <a:bodyPr rtlCol="0" anchor="ctr"/>
+          <a:lstStyle/>
+          <a:p>
+            <a:pPr marL="0" marR="0" lvl="0" indent="0" algn="ctr" defTabSz="914400" rtl="0" eaLnBrk="1" fontAlgn="auto" latinLnBrk="0" hangingPunct="1">
+              <a:lnSpc>
+                <a:spcPct val="100000"/>
+              </a:lnSpc>
+              <a:spcBef>
+                <a:spcPts val="0"/>
+              </a:spcBef>
+              <a:spcAft>
+                <a:spcPts val="0"/>
+              </a:spcAft>
+              <a:buClrTx/>
+              <a:buSzTx/>
+              <a:buFontTx/>
+              <a:buNone/>
+              <a:tabLst/>
+              <a:defRPr/>
+            </a:pPr>
+            <a:endParaRPr kumimoji="0" lang="en-US" sz="1800" b="0" i="0" u="none" strike="noStrike" kern="1200" cap="none" spc="0" normalizeH="0" baseline="0" noProof="0">
+              <a:ln>
+                <a:noFill/>
+              </a:ln>
+              <a:solidFill>
+                <a:prstClr val="white"/>
+              </a:solidFill>
+              <a:effectLst/>
+              <a:uLnTx/>
+              <a:uFillTx/>
+              <a:latin typeface="Calibri" panose="020F0502020204030204"/>
+              <a:ea typeface="+mn-ea"/>
+              <a:cs typeface="+mn-cs"/>
+            </a:endParaRPr>
+          </a:p>
+        </p:txBody>
+      </p:sp>
+      <p:sp useBgFill="1">
+        <p:nvSpPr>
+          <p:cNvPr id="23" name="Rectangle 12">
+            <a:extLst>
+              <a:ext uri="{FF2B5EF4-FFF2-40B4-BE49-F238E27FC236}">
+                <a16:creationId xmlns:a16="http://schemas.microsoft.com/office/drawing/2014/main" id="{8E0105E7-23DB-4CF2-8258-FF47C7620F6E}"/>
+              </a:ext>
+              <a:ext uri="{C183D7F6-B498-43B3-948B-1728B52AA6E4}">
+                <adec:decorative xmlns:adec="http://schemas.microsoft.com/office/drawing/2017/decorative" val="1"/>
+              </a:ext>
+            </a:extLst>
+          </p:cNvPr>
+          <p:cNvSpPr>
+            <a:spLocks noGrp="1" noRot="1" noChangeAspect="1" noMove="1" noResize="1" noEditPoints="1" noAdjustHandles="1" noChangeArrowheads="1" noChangeShapeType="1" noTextEdit="1"/>
+          </p:cNvSpPr>
+          <p:nvPr>
+            <p:extLst>
+              <p:ext uri="{386F3935-93C4-4BCD-93E2-E3B085C9AB24}">
+                <p16:designElem xmlns:p16="http://schemas.microsoft.com/office/powerpoint/2015/main" val="1"/>
+              </p:ext>
+            </p:extLst>
+          </p:nvPr>
+        </p:nvSpPr>
+        <p:spPr>
+          <a:xfrm>
+            <a:off x="566928" y="0"/>
+            <a:ext cx="11155680" cy="2011680"/>
+          </a:xfrm>
+          <a:prstGeom prst="rect">
+            <a:avLst/>
+          </a:prstGeom>
+          <a:ln w="9525">
+            <a:noFill/>
+          </a:ln>
+          <a:effectLst/>
+        </p:spPr>
+        <p:style>
+          <a:lnRef idx="2">
+            <a:schemeClr val="accent1">
+              <a:shade val="50000"/>
+            </a:schemeClr>
+          </a:lnRef>
+          <a:fillRef idx="1">
+            <a:schemeClr val="accent1"/>
+          </a:fillRef>
+          <a:effectRef idx="0">
+            <a:schemeClr val="accent1"/>
+          </a:effectRef>
+          <a:fontRef idx="minor">
+            <a:schemeClr val="lt1"/>
+          </a:fontRef>
+        </p:style>
+        <p:txBody>
+          <a:bodyPr rtlCol="0" anchor="ctr"/>
+          <a:lstStyle/>
+          <a:p>
+            <a:pPr marL="0" marR="0" lvl="0" indent="0" algn="ctr" defTabSz="914400" rtl="0" eaLnBrk="1" fontAlgn="auto" latinLnBrk="0" hangingPunct="1">
+              <a:lnSpc>
+                <a:spcPct val="100000"/>
+              </a:lnSpc>
+              <a:spcBef>
+                <a:spcPts val="0"/>
+              </a:spcBef>
+              <a:spcAft>
+                <a:spcPts val="0"/>
+              </a:spcAft>
+              <a:buClrTx/>
+              <a:buSzTx/>
+              <a:buFontTx/>
+              <a:buNone/>
+              <a:tabLst/>
+              <a:defRPr/>
+            </a:pPr>
+            <a:endParaRPr kumimoji="0" lang="en-US" sz="1800" b="0" i="0" u="none" strike="noStrike" kern="1200" cap="none" spc="0" normalizeH="0" baseline="0" noProof="0">
+              <a:ln>
+                <a:noFill/>
+              </a:ln>
+              <a:solidFill>
+                <a:prstClr val="white"/>
+              </a:solidFill>
+              <a:effectLst/>
+              <a:uLnTx/>
+              <a:uFillTx/>
+              <a:latin typeface="Calibri" panose="020F0502020204030204"/>
+              <a:ea typeface="+mn-ea"/>
+              <a:cs typeface="+mn-cs"/>
+            </a:endParaRPr>
+          </a:p>
+        </p:txBody>
+      </p:sp>
+      <p:sp>
+        <p:nvSpPr>
+          <p:cNvPr id="2" name="Titel 1">
+            <a:extLst>
+              <a:ext uri="{FF2B5EF4-FFF2-40B4-BE49-F238E27FC236}">
+                <a16:creationId xmlns:a16="http://schemas.microsoft.com/office/drawing/2014/main" id="{4CEE9278-5D8D-4F29-8492-6D98260484EA}"/>
+              </a:ext>
+            </a:extLst>
+          </p:cNvPr>
+          <p:cNvSpPr>
+            <a:spLocks noGrp="1"/>
+          </p:cNvSpPr>
+          <p:nvPr>
+            <p:ph type="title"/>
+          </p:nvPr>
+        </p:nvSpPr>
+        <p:spPr>
+          <a:xfrm>
+            <a:off x="1115568" y="548640"/>
+            <a:ext cx="8616195" cy="1179576"/>
+          </a:xfrm>
+        </p:spPr>
+        <p:txBody>
+          <a:bodyPr>
+            <a:normAutofit/>
+          </a:bodyPr>
+          <a:lstStyle/>
+          <a:p>
+            <a:r>
+              <a:rPr lang="de-DE" sz="4000" dirty="0"/>
+              <a:t>Face Recognition </a:t>
+            </a:r>
+          </a:p>
+        </p:txBody>
+      </p:sp>
+      <p:sp>
+        <p:nvSpPr>
+          <p:cNvPr id="24" name="Rectangle 14">
+            <a:extLst>
+              <a:ext uri="{FF2B5EF4-FFF2-40B4-BE49-F238E27FC236}">
+                <a16:creationId xmlns:a16="http://schemas.microsoft.com/office/drawing/2014/main" id="{074B4F7D-14B2-478B-8BF5-01E4E0C5D263}"/>
+              </a:ext>
+              <a:ext uri="{C183D7F6-B498-43B3-948B-1728B52AA6E4}">
+                <adec:decorative xmlns:adec="http://schemas.microsoft.com/office/drawing/2017/decorative" val="1"/>
+              </a:ext>
+            </a:extLst>
+          </p:cNvPr>
+          <p:cNvSpPr>
+            <a:spLocks noGrp="1" noRot="1" noChangeAspect="1" noMove="1" noResize="1" noEditPoints="1" noAdjustHandles="1" noChangeArrowheads="1" noChangeShapeType="1" noTextEdit="1"/>
+          </p:cNvSpPr>
+          <p:nvPr>
+            <p:extLst>
+              <p:ext uri="{386F3935-93C4-4BCD-93E2-E3B085C9AB24}">
+                <p16:designElem xmlns:p16="http://schemas.microsoft.com/office/powerpoint/2015/main" val="1"/>
+              </p:ext>
+            </p:extLst>
+          </p:nvPr>
+        </p:nvSpPr>
+        <p:spPr>
+          <a:xfrm>
+            <a:off x="498834" y="758952"/>
+            <a:ext cx="128016" cy="704088"/>
+          </a:xfrm>
+          <a:prstGeom prst="rect">
+            <a:avLst/>
+          </a:prstGeom>
+          <a:solidFill>
+            <a:schemeClr val="accent2"/>
+          </a:solidFill>
+          <a:ln>
+            <a:noFill/>
+          </a:ln>
+        </p:spPr>
+        <p:style>
+          <a:lnRef idx="2">
+            <a:schemeClr val="accent1">
+              <a:shade val="50000"/>
+            </a:schemeClr>
+          </a:lnRef>
+          <a:fillRef idx="1">
+            <a:schemeClr val="accent1"/>
+          </a:fillRef>
+          <a:effectRef idx="0">
+            <a:schemeClr val="accent1"/>
+          </a:effectRef>
+          <a:fontRef idx="minor">
+            <a:schemeClr val="lt1"/>
+          </a:fontRef>
+        </p:style>
+        <p:txBody>
+          <a:bodyPr rtlCol="0" anchor="ctr"/>
+          <a:lstStyle/>
+          <a:p>
+            <a:pPr marL="0" marR="0" lvl="0" indent="0" algn="ctr" defTabSz="914400" rtl="0" eaLnBrk="1" fontAlgn="auto" latinLnBrk="0" hangingPunct="1">
+              <a:lnSpc>
+                <a:spcPct val="100000"/>
+              </a:lnSpc>
+              <a:spcBef>
+                <a:spcPts val="0"/>
+              </a:spcBef>
+              <a:spcAft>
+                <a:spcPts val="0"/>
+              </a:spcAft>
+              <a:buClrTx/>
+              <a:buSzTx/>
+              <a:buFontTx/>
+              <a:buNone/>
+              <a:tabLst/>
+              <a:defRPr/>
+            </a:pPr>
+            <a:endParaRPr kumimoji="0" lang="en-US" sz="1800" b="0" i="0" u="none" strike="noStrike" kern="1200" cap="none" spc="0" normalizeH="0" baseline="0" noProof="0">
+              <a:ln>
+                <a:noFill/>
+              </a:ln>
+              <a:solidFill>
+                <a:prstClr val="white"/>
+              </a:solidFill>
+              <a:effectLst/>
+              <a:uLnTx/>
+              <a:uFillTx/>
+              <a:latin typeface="Calibri" panose="020F0502020204030204"/>
+              <a:ea typeface="+mn-ea"/>
+              <a:cs typeface="+mn-cs"/>
+            </a:endParaRPr>
+          </a:p>
+        </p:txBody>
+      </p:sp>
+      <p:sp>
+        <p:nvSpPr>
+          <p:cNvPr id="3" name="Inhaltsplatzhalter 2">
+            <a:extLst>
+              <a:ext uri="{FF2B5EF4-FFF2-40B4-BE49-F238E27FC236}">
+                <a16:creationId xmlns:a16="http://schemas.microsoft.com/office/drawing/2014/main" id="{E3CE2A5A-3C8B-41A1-AC8F-8A5EA5BBC30C}"/>
+              </a:ext>
+            </a:extLst>
+          </p:cNvPr>
+          <p:cNvSpPr>
+            <a:spLocks noGrp="1"/>
+          </p:cNvSpPr>
+          <p:nvPr>
+            <p:ph idx="1"/>
+          </p:nvPr>
+        </p:nvSpPr>
+        <p:spPr>
+          <a:xfrm>
+            <a:off x="1115568" y="2481943"/>
+            <a:ext cx="10168128" cy="3695020"/>
+          </a:xfrm>
+        </p:spPr>
+        <p:txBody>
+          <a:bodyPr>
+            <a:normAutofit lnSpcReduction="10000"/>
+          </a:bodyPr>
+          <a:lstStyle/>
+          <a:p>
+            <a:pPr marL="457200" indent="-457200">
+              <a:lnSpc>
+                <a:spcPct val="150000"/>
+              </a:lnSpc>
+              <a:buFont typeface="+mj-lt"/>
+              <a:buAutoNum type="arabicParenR"/>
+            </a:pPr>
+            <a:r>
+              <a:rPr lang="de-DE" sz="2200" dirty="0" err="1"/>
+              <a:t>Detect</a:t>
+            </a:r>
+            <a:r>
+              <a:rPr lang="de-DE" sz="2200" dirty="0"/>
+              <a:t> Faces in </a:t>
+            </a:r>
+            <a:r>
+              <a:rPr lang="de-DE" sz="2200" dirty="0" err="1"/>
+              <a:t>image</a:t>
+            </a:r>
+            <a:endParaRPr lang="de-DE" sz="2200" dirty="0"/>
+          </a:p>
+          <a:p>
+            <a:pPr marL="457200" indent="-457200">
+              <a:lnSpc>
+                <a:spcPct val="150000"/>
+              </a:lnSpc>
+              <a:buFont typeface="+mj-lt"/>
+              <a:buAutoNum type="arabicParenR"/>
+            </a:pPr>
+            <a:r>
+              <a:rPr lang="de-DE" sz="2200" dirty="0"/>
+              <a:t>Extract face-region </a:t>
+            </a:r>
+            <a:r>
+              <a:rPr lang="de-DE" sz="2200" dirty="0" err="1"/>
+              <a:t>of</a:t>
+            </a:r>
+            <a:r>
+              <a:rPr lang="de-DE" sz="2200" dirty="0"/>
+              <a:t> </a:t>
+            </a:r>
+            <a:r>
+              <a:rPr lang="de-DE" sz="2200" dirty="0" err="1"/>
+              <a:t>interest</a:t>
+            </a:r>
+            <a:r>
+              <a:rPr lang="de-DE" sz="2200" dirty="0"/>
+              <a:t> and </a:t>
+            </a:r>
+            <a:r>
+              <a:rPr lang="de-DE" sz="2200" dirty="0" err="1"/>
+              <a:t>standardize</a:t>
+            </a:r>
+            <a:endParaRPr lang="de-DE" sz="2200" dirty="0"/>
+          </a:p>
+          <a:p>
+            <a:pPr lvl="1">
+              <a:lnSpc>
+                <a:spcPct val="150000"/>
+              </a:lnSpc>
+            </a:pPr>
+            <a:r>
+              <a:rPr lang="de-DE" sz="1800" dirty="0"/>
+              <a:t>Modelle erwarten eine bestimmte Bildgröße</a:t>
+            </a:r>
+          </a:p>
+          <a:p>
+            <a:pPr lvl="1">
+              <a:lnSpc>
+                <a:spcPct val="150000"/>
+              </a:lnSpc>
+            </a:pPr>
+            <a:r>
+              <a:rPr lang="de-DE" sz="1800" dirty="0"/>
+              <a:t>Ausrichten der Bilder kann Genauigkeit erhöhen</a:t>
+            </a:r>
+          </a:p>
+          <a:p>
+            <a:pPr marL="457200" indent="-457200">
+              <a:lnSpc>
+                <a:spcPct val="150000"/>
+              </a:lnSpc>
+              <a:buFont typeface="+mj-lt"/>
+              <a:buAutoNum type="arabicParenR"/>
+            </a:pPr>
+            <a:r>
+              <a:rPr lang="de-DE" sz="2200" dirty="0" err="1"/>
+              <a:t>Predict</a:t>
+            </a:r>
+            <a:r>
+              <a:rPr lang="de-DE" sz="2200" dirty="0"/>
+              <a:t> Age in </a:t>
+            </a:r>
+            <a:r>
+              <a:rPr lang="de-DE" sz="2200" dirty="0" err="1"/>
+              <a:t>classes</a:t>
+            </a:r>
+            <a:endParaRPr lang="de-DE" sz="2200" dirty="0"/>
+          </a:p>
+          <a:p>
+            <a:pPr lvl="1">
+              <a:lnSpc>
+                <a:spcPct val="150000"/>
+              </a:lnSpc>
+            </a:pPr>
+            <a:r>
+              <a:rPr lang="de-DE" sz="1800" dirty="0"/>
+              <a:t>Auch Menschen können nicht das genaue Alter eines anderen Menschen erkennen</a:t>
+            </a:r>
+          </a:p>
+          <a:p>
+            <a:pPr lvl="1">
+              <a:lnSpc>
+                <a:spcPct val="150000"/>
+              </a:lnSpc>
+            </a:pPr>
+            <a:r>
+              <a:rPr lang="de-DE" sz="1800" dirty="0"/>
+              <a:t>Daher Klassifizierung in Altersgruppen</a:t>
+            </a:r>
+          </a:p>
+        </p:txBody>
+      </p:sp>
+      <p:pic>
+        <p:nvPicPr>
+          <p:cNvPr id="4" name="Inhaltsplatzhalter 4">
+            <a:extLst>
+              <a:ext uri="{FF2B5EF4-FFF2-40B4-BE49-F238E27FC236}">
+                <a16:creationId xmlns:a16="http://schemas.microsoft.com/office/drawing/2014/main" id="{194C12C9-2F45-423B-9832-6ED35CE6F8E6}"/>
+              </a:ext>
+            </a:extLst>
+          </p:cNvPr>
+          <p:cNvPicPr>
+            <a:picLocks noChangeAspect="1"/>
+          </p:cNvPicPr>
+          <p:nvPr/>
+        </p:nvPicPr>
+        <p:blipFill>
+          <a:blip r:embed="rId2">
+            <a:extLst>
+              <a:ext uri="{28A0092B-C50C-407E-A947-70E740481C1C}">
+                <a14:useLocalDpi xmlns:a14="http://schemas.microsoft.com/office/drawing/2010/main" val="0"/>
+              </a:ext>
+            </a:extLst>
+          </a:blip>
+          <a:stretch>
+            <a:fillRect/>
+          </a:stretch>
+        </p:blipFill>
+        <p:spPr>
+          <a:xfrm>
+            <a:off x="9994016" y="548640"/>
+            <a:ext cx="1466339" cy="1101459"/>
+          </a:xfrm>
+          <a:prstGeom prst="rect">
+            <a:avLst/>
+          </a:prstGeom>
+        </p:spPr>
+      </p:pic>
+      <p:sp>
+        <p:nvSpPr>
+          <p:cNvPr id="5" name="Datumsplatzhalter 4">
+            <a:extLst>
+              <a:ext uri="{FF2B5EF4-FFF2-40B4-BE49-F238E27FC236}">
+                <a16:creationId xmlns:a16="http://schemas.microsoft.com/office/drawing/2014/main" id="{0A8B9702-7B8D-4327-ACC1-80A821B4647D}"/>
+              </a:ext>
+            </a:extLst>
+          </p:cNvPr>
+          <p:cNvSpPr>
+            <a:spLocks noGrp="1"/>
+          </p:cNvSpPr>
+          <p:nvPr>
+            <p:ph type="dt" sz="half" idx="10"/>
+          </p:nvPr>
+        </p:nvSpPr>
+        <p:spPr/>
+        <p:txBody>
+          <a:bodyPr/>
+          <a:lstStyle/>
+          <a:p>
+            <a:fld id="{9B4980EF-6003-492D-B2FF-F322DA2925CD}" type="datetime1">
+              <a:rPr lang="de-DE" smtClean="0"/>
+              <a:t>11.01.2022</a:t>
+            </a:fld>
+            <a:endParaRPr lang="de-DE"/>
+          </a:p>
+        </p:txBody>
+      </p:sp>
+    </p:spTree>
+    <p:extLst>
+      <p:ext uri="{BB962C8B-B14F-4D97-AF65-F5344CB8AC3E}">
+        <p14:creationId xmlns:p14="http://schemas.microsoft.com/office/powerpoint/2010/main" val="3428543828"/>
+      </p:ext>
+    </p:extLst>
+  </p:cSld>
+  <p:clrMapOvr>
+    <a:masterClrMapping/>
+  </p:clrMapOvr>
+</p:sld>
+</file>
+
+<file path=ppt/slides/slide5.xml><?xml version="1.0" encoding="utf-8"?>
+<p:sld xmlns:a="http://schemas.openxmlformats.org/drawingml/2006/main" xmlns:r="http://schemas.openxmlformats.org/officeDocument/2006/relationships" xmlns:p="http://schemas.openxmlformats.org/presentationml/2006/main">
+  <p:cSld>
+    <p:bg>
+      <p:bgPr>
+        <a:solidFill>
+          <a:schemeClr val="bg1"/>
+        </a:solidFill>
+        <a:effectLst/>
+      </p:bgPr>
+    </p:bg>
+    <p:spTree>
+      <p:nvGrpSpPr>
+        <p:cNvPr id="1" name=""/>
+        <p:cNvGrpSpPr/>
+        <p:nvPr/>
+      </p:nvGrpSpPr>
+      <p:grpSpPr>
+        <a:xfrm>
+          <a:off x="0" y="0"/>
+          <a:ext cx="0" cy="0"/>
+          <a:chOff x="0" y="0"/>
+          <a:chExt cx="0" cy="0"/>
+        </a:xfrm>
+      </p:grpSpPr>
+      <p:sp useBgFill="1">
+        <p:nvSpPr>
+          <p:cNvPr id="21" name="Rectangle 8">
+            <a:extLst>
+              <a:ext uri="{FF2B5EF4-FFF2-40B4-BE49-F238E27FC236}">
+                <a16:creationId xmlns:a16="http://schemas.microsoft.com/office/drawing/2014/main" id="{DAF1966E-FD40-4A4A-B61B-C4DF7FA05F06}"/>
+              </a:ext>
+              <a:ext uri="{C183D7F6-B498-43B3-948B-1728B52AA6E4}">
+                <adec:decorative xmlns:adec="http://schemas.microsoft.com/office/drawing/2017/decorative" val="1"/>
+              </a:ext>
+            </a:extLst>
+          </p:cNvPr>
+          <p:cNvSpPr>
+            <a:spLocks noGrp="1" noRot="1" noChangeAspect="1" noMove="1" noResize="1" noEditPoints="1" noAdjustHandles="1" noChangeArrowheads="1" noChangeShapeType="1" noTextEdit="1"/>
+          </p:cNvSpPr>
+          <p:nvPr>
+            <p:extLst>
+              <p:ext uri="{386F3935-93C4-4BCD-93E2-E3B085C9AB24}">
+                <p16:designElem xmlns:p16="http://schemas.microsoft.com/office/powerpoint/2015/main" val="1"/>
+              </p:ext>
+            </p:extLst>
+          </p:nvPr>
+        </p:nvSpPr>
+        <p:spPr>
+          <a:xfrm>
+            <a:off x="0" y="0"/>
+            <a:ext cx="12192000" cy="6858000"/>
+          </a:xfrm>
+          <a:prstGeom prst="rect">
+            <a:avLst/>
+          </a:prstGeom>
+          <a:ln>
+            <a:noFill/>
+          </a:ln>
+        </p:spPr>
+        <p:style>
+          <a:lnRef idx="2">
+            <a:schemeClr val="accent1">
+              <a:shade val="50000"/>
+            </a:schemeClr>
+          </a:lnRef>
+          <a:fillRef idx="1">
+            <a:schemeClr val="accent1"/>
+          </a:fillRef>
+          <a:effectRef idx="0">
+            <a:schemeClr val="accent1"/>
+          </a:effectRef>
+          <a:fontRef idx="minor">
+            <a:schemeClr val="lt1"/>
+          </a:fontRef>
+        </p:style>
+        <p:txBody>
+          <a:bodyPr rtlCol="0" anchor="ctr"/>
+          <a:lstStyle/>
+          <a:p>
+            <a:pPr marL="0" marR="0" lvl="0" indent="0" algn="ctr" defTabSz="914400" rtl="0" eaLnBrk="1" fontAlgn="auto" latinLnBrk="0" hangingPunct="1">
+              <a:lnSpc>
+                <a:spcPct val="100000"/>
+              </a:lnSpc>
+              <a:spcBef>
+                <a:spcPts val="0"/>
+              </a:spcBef>
+              <a:spcAft>
+                <a:spcPts val="0"/>
+              </a:spcAft>
+              <a:buClrTx/>
+              <a:buSzTx/>
+              <a:buFontTx/>
+              <a:buNone/>
+              <a:tabLst/>
+              <a:defRPr/>
+            </a:pPr>
+            <a:endParaRPr kumimoji="0" lang="en-US" sz="1800" b="0" i="0" u="none" strike="noStrike" kern="1200" cap="none" spc="0" normalizeH="0" baseline="0" noProof="0">
+              <a:ln>
+                <a:noFill/>
+              </a:ln>
+              <a:solidFill>
+                <a:prstClr val="white"/>
+              </a:solidFill>
+              <a:effectLst/>
+              <a:uLnTx/>
+              <a:uFillTx/>
+              <a:latin typeface="Calibri" panose="020F0502020204030204"/>
+              <a:ea typeface="+mn-ea"/>
+              <a:cs typeface="+mn-cs"/>
+            </a:endParaRPr>
+          </a:p>
+        </p:txBody>
+      </p:sp>
+      <p:sp useBgFill="1">
+        <p:nvSpPr>
+          <p:cNvPr id="22" name="Rectangle 10">
+            <a:extLst>
+              <a:ext uri="{FF2B5EF4-FFF2-40B4-BE49-F238E27FC236}">
+                <a16:creationId xmlns:a16="http://schemas.microsoft.com/office/drawing/2014/main" id="{047BFA19-D45E-416B-A404-7AF2F3F27017}"/>
+              </a:ext>
+              <a:ext uri="{C183D7F6-B498-43B3-948B-1728B52AA6E4}">
+                <adec:decorative xmlns:adec="http://schemas.microsoft.com/office/drawing/2017/decorative" val="1"/>
+              </a:ext>
+            </a:extLst>
+          </p:cNvPr>
+          <p:cNvSpPr>
+            <a:spLocks noGrp="1" noRot="1" noChangeAspect="1" noMove="1" noResize="1" noEditPoints="1" noAdjustHandles="1" noChangeArrowheads="1" noChangeShapeType="1" noTextEdit="1"/>
+          </p:cNvSpPr>
+          <p:nvPr>
+            <p:extLst>
+              <p:ext uri="{386F3935-93C4-4BCD-93E2-E3B085C9AB24}">
+                <p16:designElem xmlns:p16="http://schemas.microsoft.com/office/powerpoint/2015/main" val="1"/>
+              </p:ext>
+            </p:extLst>
+          </p:nvPr>
+        </p:nvSpPr>
+        <p:spPr>
+          <a:xfrm>
+            <a:off x="558209" y="0"/>
+            <a:ext cx="11167447" cy="2018806"/>
+          </a:xfrm>
+          <a:prstGeom prst="rect">
+            <a:avLst/>
+          </a:prstGeom>
+          <a:ln w="9525">
+            <a:solidFill>
+              <a:srgbClr val="E1E1E1"/>
+            </a:solidFill>
+          </a:ln>
+          <a:effectLst>
+            <a:outerShdw blurRad="50800" dist="38100" dir="2700000" algn="tl" rotWithShape="0">
+              <a:schemeClr val="bg1">
+                <a:lumMod val="85000"/>
+                <a:alpha val="50000"/>
+              </a:schemeClr>
+            </a:outerShdw>
+          </a:effectLst>
+        </p:spPr>
+        <p:style>
+          <a:lnRef idx="2">
+            <a:schemeClr val="accent1">
+              <a:shade val="50000"/>
+            </a:schemeClr>
+          </a:lnRef>
+          <a:fillRef idx="1">
+            <a:schemeClr val="accent1"/>
+          </a:fillRef>
+          <a:effectRef idx="0">
+            <a:schemeClr val="accent1"/>
+          </a:effectRef>
+          <a:fontRef idx="minor">
+            <a:schemeClr val="lt1"/>
+          </a:fontRef>
+        </p:style>
+        <p:txBody>
+          <a:bodyPr rtlCol="0" anchor="ctr"/>
+          <a:lstStyle/>
+          <a:p>
+            <a:pPr marL="0" marR="0" lvl="0" indent="0" algn="ctr" defTabSz="914400" rtl="0" eaLnBrk="1" fontAlgn="auto" latinLnBrk="0" hangingPunct="1">
+              <a:lnSpc>
+                <a:spcPct val="100000"/>
+              </a:lnSpc>
+              <a:spcBef>
+                <a:spcPts val="0"/>
+              </a:spcBef>
+              <a:spcAft>
+                <a:spcPts val="0"/>
+              </a:spcAft>
+              <a:buClrTx/>
+              <a:buSzTx/>
+              <a:buFontTx/>
+              <a:buNone/>
+              <a:tabLst/>
+              <a:defRPr/>
+            </a:pPr>
+            <a:endParaRPr kumimoji="0" lang="en-US" sz="1800" b="0" i="0" u="none" strike="noStrike" kern="1200" cap="none" spc="0" normalizeH="0" baseline="0" noProof="0">
+              <a:ln>
+                <a:noFill/>
+              </a:ln>
+              <a:solidFill>
+                <a:prstClr val="white"/>
+              </a:solidFill>
+              <a:effectLst/>
+              <a:uLnTx/>
+              <a:uFillTx/>
+              <a:latin typeface="Calibri" panose="020F0502020204030204"/>
+              <a:ea typeface="+mn-ea"/>
+              <a:cs typeface="+mn-cs"/>
+            </a:endParaRPr>
+          </a:p>
+        </p:txBody>
+      </p:sp>
+      <p:sp useBgFill="1">
+        <p:nvSpPr>
+          <p:cNvPr id="23" name="Rectangle 12">
+            <a:extLst>
+              <a:ext uri="{FF2B5EF4-FFF2-40B4-BE49-F238E27FC236}">
+                <a16:creationId xmlns:a16="http://schemas.microsoft.com/office/drawing/2014/main" id="{8E0105E7-23DB-4CF2-8258-FF47C7620F6E}"/>
+              </a:ext>
+              <a:ext uri="{C183D7F6-B498-43B3-948B-1728B52AA6E4}">
+                <adec:decorative xmlns:adec="http://schemas.microsoft.com/office/drawing/2017/decorative" val="1"/>
+              </a:ext>
+            </a:extLst>
+          </p:cNvPr>
+          <p:cNvSpPr>
+            <a:spLocks noGrp="1" noRot="1" noChangeAspect="1" noMove="1" noResize="1" noEditPoints="1" noAdjustHandles="1" noChangeArrowheads="1" noChangeShapeType="1" noTextEdit="1"/>
+          </p:cNvSpPr>
+          <p:nvPr>
+            <p:extLst>
+              <p:ext uri="{386F3935-93C4-4BCD-93E2-E3B085C9AB24}">
+                <p16:designElem xmlns:p16="http://schemas.microsoft.com/office/powerpoint/2015/main" val="1"/>
+              </p:ext>
+            </p:extLst>
+          </p:nvPr>
+        </p:nvSpPr>
+        <p:spPr>
+          <a:xfrm>
+            <a:off x="566928" y="0"/>
+            <a:ext cx="11155680" cy="2011680"/>
+          </a:xfrm>
+          <a:prstGeom prst="rect">
+            <a:avLst/>
+          </a:prstGeom>
+          <a:ln w="9525">
+            <a:noFill/>
+          </a:ln>
+          <a:effectLst/>
+        </p:spPr>
+        <p:style>
+          <a:lnRef idx="2">
+            <a:schemeClr val="accent1">
+              <a:shade val="50000"/>
+            </a:schemeClr>
+          </a:lnRef>
+          <a:fillRef idx="1">
+            <a:schemeClr val="accent1"/>
+          </a:fillRef>
+          <a:effectRef idx="0">
+            <a:schemeClr val="accent1"/>
+          </a:effectRef>
+          <a:fontRef idx="minor">
+            <a:schemeClr val="lt1"/>
+          </a:fontRef>
+        </p:style>
+        <p:txBody>
+          <a:bodyPr rtlCol="0" anchor="ctr"/>
+          <a:lstStyle/>
+          <a:p>
+            <a:pPr marL="0" marR="0" lvl="0" indent="0" algn="ctr" defTabSz="914400" rtl="0" eaLnBrk="1" fontAlgn="auto" latinLnBrk="0" hangingPunct="1">
+              <a:lnSpc>
+                <a:spcPct val="100000"/>
+              </a:lnSpc>
+              <a:spcBef>
+                <a:spcPts val="0"/>
+              </a:spcBef>
+              <a:spcAft>
+                <a:spcPts val="0"/>
+              </a:spcAft>
+              <a:buClrTx/>
+              <a:buSzTx/>
+              <a:buFontTx/>
+              <a:buNone/>
+              <a:tabLst/>
+              <a:defRPr/>
+            </a:pPr>
+            <a:endParaRPr kumimoji="0" lang="en-US" sz="1800" b="0" i="0" u="none" strike="noStrike" kern="1200" cap="none" spc="0" normalizeH="0" baseline="0" noProof="0">
+              <a:ln>
+                <a:noFill/>
+              </a:ln>
+              <a:solidFill>
+                <a:prstClr val="white"/>
+              </a:solidFill>
+              <a:effectLst/>
+              <a:uLnTx/>
+              <a:uFillTx/>
+              <a:latin typeface="Calibri" panose="020F0502020204030204"/>
+              <a:ea typeface="+mn-ea"/>
+              <a:cs typeface="+mn-cs"/>
+            </a:endParaRPr>
+          </a:p>
+        </p:txBody>
+      </p:sp>
+      <p:sp>
+        <p:nvSpPr>
+          <p:cNvPr id="2" name="Titel 1">
+            <a:extLst>
+              <a:ext uri="{FF2B5EF4-FFF2-40B4-BE49-F238E27FC236}">
+                <a16:creationId xmlns:a16="http://schemas.microsoft.com/office/drawing/2014/main" id="{4CEE9278-5D8D-4F29-8492-6D98260484EA}"/>
+              </a:ext>
+            </a:extLst>
+          </p:cNvPr>
+          <p:cNvSpPr>
+            <a:spLocks noGrp="1"/>
+          </p:cNvSpPr>
+          <p:nvPr>
+            <p:ph type="title"/>
+          </p:nvPr>
+        </p:nvSpPr>
+        <p:spPr>
+          <a:xfrm>
+            <a:off x="1115568" y="548640"/>
+            <a:ext cx="8616195" cy="1179576"/>
+          </a:xfrm>
+        </p:spPr>
+        <p:txBody>
+          <a:bodyPr>
+            <a:normAutofit/>
+          </a:bodyPr>
+          <a:lstStyle/>
+          <a:p>
+            <a:r>
+              <a:rPr lang="de-DE" sz="4000" dirty="0" err="1"/>
+              <a:t>deepface</a:t>
+            </a:r>
+            <a:endParaRPr lang="de-DE" sz="4000" dirty="0"/>
+          </a:p>
+        </p:txBody>
+      </p:sp>
+      <p:sp>
+        <p:nvSpPr>
+          <p:cNvPr id="24" name="Rectangle 14">
+            <a:extLst>
+              <a:ext uri="{FF2B5EF4-FFF2-40B4-BE49-F238E27FC236}">
+                <a16:creationId xmlns:a16="http://schemas.microsoft.com/office/drawing/2014/main" id="{074B4F7D-14B2-478B-8BF5-01E4E0C5D263}"/>
+              </a:ext>
+              <a:ext uri="{C183D7F6-B498-43B3-948B-1728B52AA6E4}">
+                <adec:decorative xmlns:adec="http://schemas.microsoft.com/office/drawing/2017/decorative" val="1"/>
+              </a:ext>
+            </a:extLst>
+          </p:cNvPr>
+          <p:cNvSpPr>
+            <a:spLocks noGrp="1" noRot="1" noChangeAspect="1" noMove="1" noResize="1" noEditPoints="1" noAdjustHandles="1" noChangeArrowheads="1" noChangeShapeType="1" noTextEdit="1"/>
+          </p:cNvSpPr>
+          <p:nvPr>
+            <p:extLst>
+              <p:ext uri="{386F3935-93C4-4BCD-93E2-E3B085C9AB24}">
+                <p16:designElem xmlns:p16="http://schemas.microsoft.com/office/powerpoint/2015/main" val="1"/>
+              </p:ext>
+            </p:extLst>
+          </p:nvPr>
+        </p:nvSpPr>
+        <p:spPr>
+          <a:xfrm>
+            <a:off x="498834" y="758952"/>
+            <a:ext cx="128016" cy="704088"/>
+          </a:xfrm>
+          <a:prstGeom prst="rect">
+            <a:avLst/>
+          </a:prstGeom>
+          <a:solidFill>
+            <a:schemeClr val="accent2"/>
+          </a:solidFill>
+          <a:ln>
+            <a:noFill/>
+          </a:ln>
+        </p:spPr>
+        <p:style>
+          <a:lnRef idx="2">
+            <a:schemeClr val="accent1">
+              <a:shade val="50000"/>
+            </a:schemeClr>
+          </a:lnRef>
+          <a:fillRef idx="1">
+            <a:schemeClr val="accent1"/>
+          </a:fillRef>
+          <a:effectRef idx="0">
+            <a:schemeClr val="accent1"/>
+          </a:effectRef>
+          <a:fontRef idx="minor">
+            <a:schemeClr val="lt1"/>
+          </a:fontRef>
+        </p:style>
+        <p:txBody>
+          <a:bodyPr rtlCol="0" anchor="ctr"/>
+          <a:lstStyle/>
+          <a:p>
+            <a:pPr marL="0" marR="0" lvl="0" indent="0" algn="ctr" defTabSz="914400" rtl="0" eaLnBrk="1" fontAlgn="auto" latinLnBrk="0" hangingPunct="1">
+              <a:lnSpc>
+                <a:spcPct val="100000"/>
+              </a:lnSpc>
+              <a:spcBef>
+                <a:spcPts val="0"/>
+              </a:spcBef>
+              <a:spcAft>
+                <a:spcPts val="0"/>
+              </a:spcAft>
+              <a:buClrTx/>
+              <a:buSzTx/>
+              <a:buFontTx/>
+              <a:buNone/>
+              <a:tabLst/>
+              <a:defRPr/>
+            </a:pPr>
+            <a:endParaRPr kumimoji="0" lang="en-US" sz="1800" b="0" i="0" u="none" strike="noStrike" kern="1200" cap="none" spc="0" normalizeH="0" baseline="0" noProof="0">
+              <a:ln>
+                <a:noFill/>
+              </a:ln>
+              <a:solidFill>
+                <a:prstClr val="white"/>
+              </a:solidFill>
+              <a:effectLst/>
+              <a:uLnTx/>
+              <a:uFillTx/>
+              <a:latin typeface="Calibri" panose="020F0502020204030204"/>
+              <a:ea typeface="+mn-ea"/>
+              <a:cs typeface="+mn-cs"/>
+            </a:endParaRPr>
+          </a:p>
+        </p:txBody>
+      </p:sp>
+      <p:sp>
+        <p:nvSpPr>
+          <p:cNvPr id="3" name="Inhaltsplatzhalter 2">
+            <a:extLst>
+              <a:ext uri="{FF2B5EF4-FFF2-40B4-BE49-F238E27FC236}">
+                <a16:creationId xmlns:a16="http://schemas.microsoft.com/office/drawing/2014/main" id="{E3CE2A5A-3C8B-41A1-AC8F-8A5EA5BBC30C}"/>
+              </a:ext>
+            </a:extLst>
+          </p:cNvPr>
+          <p:cNvSpPr>
+            <a:spLocks noGrp="1"/>
+          </p:cNvSpPr>
+          <p:nvPr>
+            <p:ph idx="1"/>
+          </p:nvPr>
+        </p:nvSpPr>
+        <p:spPr>
+          <a:xfrm>
+            <a:off x="1115568" y="2481943"/>
+            <a:ext cx="10168128" cy="3695020"/>
+          </a:xfrm>
+        </p:spPr>
+        <p:txBody>
+          <a:bodyPr>
+            <a:normAutofit/>
+          </a:bodyPr>
+          <a:lstStyle/>
+          <a:p>
+            <a:pPr>
+              <a:lnSpc>
+                <a:spcPct val="150000"/>
+              </a:lnSpc>
+            </a:pPr>
+            <a:r>
+              <a:rPr lang="de-DE" sz="2200" dirty="0"/>
+              <a:t>Modul basiert auf </a:t>
+            </a:r>
+            <a:r>
+              <a:rPr lang="de-DE" sz="2200" dirty="0" err="1"/>
+              <a:t>TensorFlow</a:t>
+            </a:r>
+            <a:r>
+              <a:rPr lang="de-DE" sz="2200" dirty="0"/>
+              <a:t> und Keras</a:t>
+            </a:r>
+          </a:p>
+          <a:p>
+            <a:pPr>
+              <a:lnSpc>
+                <a:spcPct val="150000"/>
+              </a:lnSpc>
+            </a:pPr>
+            <a:r>
+              <a:rPr lang="en-US" sz="2200" dirty="0"/>
+              <a:t>Age model </a:t>
+            </a:r>
+            <a:r>
+              <a:rPr lang="en-US" sz="2200" dirty="0" err="1"/>
+              <a:t>nach</a:t>
+            </a:r>
+            <a:r>
+              <a:rPr lang="en-US" sz="2200" dirty="0"/>
+              <a:t> </a:t>
+            </a:r>
+            <a:r>
+              <a:rPr lang="en-US" sz="2200" dirty="0" err="1"/>
+              <a:t>eigenen</a:t>
+            </a:r>
+            <a:r>
+              <a:rPr lang="en-US" sz="2200" dirty="0"/>
+              <a:t> </a:t>
+            </a:r>
+            <a:r>
+              <a:rPr lang="en-US" sz="2200" dirty="0" err="1"/>
+              <a:t>Aussagen</a:t>
+            </a:r>
+            <a:r>
+              <a:rPr lang="en-US" sz="2200" dirty="0"/>
+              <a:t> </a:t>
+            </a:r>
+            <a:r>
+              <a:rPr lang="en-US" sz="2200" dirty="0" err="1"/>
+              <a:t>mit</a:t>
+            </a:r>
+            <a:r>
+              <a:rPr lang="en-US" sz="2200" dirty="0"/>
+              <a:t> ± 4.65 MAE</a:t>
+            </a:r>
+          </a:p>
+          <a:p>
+            <a:pPr>
+              <a:lnSpc>
+                <a:spcPct val="150000"/>
+              </a:lnSpc>
+            </a:pPr>
+            <a:r>
+              <a:rPr lang="en-US" sz="2200" dirty="0"/>
+              <a:t>TensorFlow </a:t>
+            </a:r>
+            <a:r>
+              <a:rPr lang="en-US" sz="2200" dirty="0" err="1"/>
+              <a:t>ist</a:t>
+            </a:r>
+            <a:r>
+              <a:rPr lang="en-US" sz="2200" dirty="0"/>
+              <a:t> </a:t>
+            </a:r>
+            <a:r>
+              <a:rPr lang="en-US" sz="2200" dirty="0" err="1"/>
+              <a:t>eine</a:t>
+            </a:r>
+            <a:r>
+              <a:rPr lang="en-US" sz="2200" dirty="0"/>
+              <a:t> Open-Source-</a:t>
+            </a:r>
+            <a:r>
+              <a:rPr lang="en-US" sz="2200" dirty="0" err="1"/>
+              <a:t>Plattform</a:t>
+            </a:r>
+            <a:r>
+              <a:rPr lang="en-US" sz="2200" dirty="0"/>
+              <a:t> für </a:t>
+            </a:r>
+            <a:r>
+              <a:rPr lang="en-US" sz="2200" dirty="0" err="1"/>
+              <a:t>maschinelles</a:t>
+            </a:r>
+            <a:r>
+              <a:rPr lang="en-US" sz="2200" dirty="0"/>
+              <a:t> </a:t>
+            </a:r>
+            <a:r>
+              <a:rPr lang="en-US" sz="2200" dirty="0" err="1"/>
+              <a:t>Lernen</a:t>
+            </a:r>
+            <a:endParaRPr lang="en-US" sz="2200" dirty="0"/>
+          </a:p>
+          <a:p>
+            <a:pPr>
+              <a:lnSpc>
+                <a:spcPct val="150000"/>
+              </a:lnSpc>
+            </a:pPr>
+            <a:r>
+              <a:rPr lang="en-US" sz="2200" dirty="0" err="1"/>
+              <a:t>Keras</a:t>
+            </a:r>
+            <a:r>
+              <a:rPr lang="en-US" sz="2200" dirty="0"/>
+              <a:t> </a:t>
+            </a:r>
+            <a:r>
+              <a:rPr lang="en-US" sz="2200" dirty="0" err="1"/>
+              <a:t>ist</a:t>
+            </a:r>
+            <a:r>
+              <a:rPr lang="en-US" sz="2200" dirty="0"/>
+              <a:t> </a:t>
+            </a:r>
+            <a:r>
+              <a:rPr lang="en-US" sz="2200" dirty="0" err="1"/>
+              <a:t>eine</a:t>
+            </a:r>
+            <a:r>
+              <a:rPr lang="en-US" sz="2200" dirty="0"/>
+              <a:t> </a:t>
+            </a:r>
+            <a:r>
+              <a:rPr lang="en-US" sz="2200" dirty="0" err="1"/>
+              <a:t>deeplearning-api</a:t>
+            </a:r>
+            <a:r>
+              <a:rPr lang="en-US" sz="2200" dirty="0"/>
+              <a:t> für Python, </a:t>
+            </a:r>
+            <a:r>
+              <a:rPr lang="en-US" sz="2200" dirty="0" err="1"/>
+              <a:t>basiert</a:t>
+            </a:r>
+            <a:r>
+              <a:rPr lang="en-US" sz="2200" dirty="0"/>
+              <a:t> auf TensorFlow</a:t>
+            </a:r>
+          </a:p>
+          <a:p>
+            <a:pPr>
+              <a:lnSpc>
+                <a:spcPct val="150000"/>
+              </a:lnSpc>
+            </a:pPr>
+            <a:r>
+              <a:rPr lang="en-US" sz="2200" dirty="0"/>
+              <a:t>Für Menschen designed: </a:t>
+            </a:r>
+            <a:r>
+              <a:rPr lang="en-US" sz="2200" dirty="0" err="1"/>
+              <a:t>Einfache</a:t>
+            </a:r>
+            <a:r>
+              <a:rPr lang="en-US" sz="2200" dirty="0"/>
+              <a:t> </a:t>
+            </a:r>
+            <a:r>
+              <a:rPr lang="en-US" sz="2200" dirty="0" err="1"/>
+              <a:t>Handhabung</a:t>
+            </a:r>
+            <a:endParaRPr lang="en-US" sz="2200" dirty="0"/>
+          </a:p>
+        </p:txBody>
+      </p:sp>
+      <p:pic>
+        <p:nvPicPr>
+          <p:cNvPr id="4" name="Inhaltsplatzhalter 4">
+            <a:extLst>
+              <a:ext uri="{FF2B5EF4-FFF2-40B4-BE49-F238E27FC236}">
+                <a16:creationId xmlns:a16="http://schemas.microsoft.com/office/drawing/2014/main" id="{194C12C9-2F45-423B-9832-6ED35CE6F8E6}"/>
+              </a:ext>
+            </a:extLst>
+          </p:cNvPr>
+          <p:cNvPicPr>
+            <a:picLocks noChangeAspect="1"/>
+          </p:cNvPicPr>
+          <p:nvPr/>
+        </p:nvPicPr>
+        <p:blipFill>
+          <a:blip r:embed="rId2">
+            <a:extLst>
+              <a:ext uri="{28A0092B-C50C-407E-A947-70E740481C1C}">
+                <a14:useLocalDpi xmlns:a14="http://schemas.microsoft.com/office/drawing/2010/main" val="0"/>
+              </a:ext>
+            </a:extLst>
+          </a:blip>
+          <a:stretch>
+            <a:fillRect/>
+          </a:stretch>
+        </p:blipFill>
+        <p:spPr>
+          <a:xfrm>
+            <a:off x="9994016" y="548640"/>
+            <a:ext cx="1466339" cy="1101459"/>
+          </a:xfrm>
+          <a:prstGeom prst="rect">
+            <a:avLst/>
+          </a:prstGeom>
+        </p:spPr>
+      </p:pic>
+      <p:sp>
+        <p:nvSpPr>
+          <p:cNvPr id="5" name="Datumsplatzhalter 4">
+            <a:extLst>
+              <a:ext uri="{FF2B5EF4-FFF2-40B4-BE49-F238E27FC236}">
+                <a16:creationId xmlns:a16="http://schemas.microsoft.com/office/drawing/2014/main" id="{0A8B9702-7B8D-4327-ACC1-80A821B4647D}"/>
+              </a:ext>
+            </a:extLst>
+          </p:cNvPr>
+          <p:cNvSpPr>
+            <a:spLocks noGrp="1"/>
+          </p:cNvSpPr>
+          <p:nvPr>
+            <p:ph type="dt" sz="half" idx="10"/>
+          </p:nvPr>
+        </p:nvSpPr>
+        <p:spPr/>
+        <p:txBody>
+          <a:bodyPr/>
+          <a:lstStyle/>
+          <a:p>
+            <a:fld id="{A963AC09-4B3E-488D-B429-5E3F09583879}" type="datetime1">
+              <a:rPr lang="de-DE" smtClean="0"/>
+              <a:t>11.01.2022</a:t>
+            </a:fld>
+            <a:endParaRPr lang="de-DE"/>
+          </a:p>
+        </p:txBody>
+      </p:sp>
+      <p:sp>
+        <p:nvSpPr>
+          <p:cNvPr id="6" name="Fußzeilenplatzhalter 5">
+            <a:extLst>
+              <a:ext uri="{FF2B5EF4-FFF2-40B4-BE49-F238E27FC236}">
+                <a16:creationId xmlns:a16="http://schemas.microsoft.com/office/drawing/2014/main" id="{DAFCD1B2-EAC9-47D5-B2EB-0529D90A1584}"/>
+              </a:ext>
+            </a:extLst>
+          </p:cNvPr>
+          <p:cNvSpPr>
+            <a:spLocks noGrp="1"/>
+          </p:cNvSpPr>
+          <p:nvPr>
+            <p:ph type="ftr" sz="quarter" idx="11"/>
+          </p:nvPr>
+        </p:nvSpPr>
+        <p:spPr>
+          <a:xfrm>
+            <a:off x="2994591" y="6356350"/>
+            <a:ext cx="6294681" cy="365125"/>
+          </a:xfrm>
+        </p:spPr>
+        <p:txBody>
+          <a:bodyPr/>
+          <a:lstStyle/>
+          <a:p>
+            <a:r>
+              <a:rPr lang="de-DE" dirty="0"/>
+              <a:t>https://pypi.org/project/deepface/ | https://keras.io/ | https://www.tensorflow.org/learn</a:t>
+            </a:r>
+          </a:p>
+        </p:txBody>
+      </p:sp>
+    </p:spTree>
+    <p:extLst>
+      <p:ext uri="{BB962C8B-B14F-4D97-AF65-F5344CB8AC3E}">
+        <p14:creationId xmlns:p14="http://schemas.microsoft.com/office/powerpoint/2010/main" val="1445962810"/>
+      </p:ext>
+    </p:extLst>
+  </p:cSld>
+  <p:clrMapOvr>
+    <a:masterClrMapping/>
+  </p:clrMapOvr>
+</p:sld>
+</file>
+
+<file path=ppt/slides/slide6.xml><?xml version="1.0" encoding="utf-8"?>
+<p:sld xmlns:a="http://schemas.openxmlformats.org/drawingml/2006/main" xmlns:r="http://schemas.openxmlformats.org/officeDocument/2006/relationships" xmlns:p="http://schemas.openxmlformats.org/presentationml/2006/main">
+  <p:cSld>
+    <p:bg>
+      <p:bgPr>
+        <a:solidFill>
+          <a:schemeClr val="bg1"/>
+        </a:solidFill>
+        <a:effectLst/>
+      </p:bgPr>
+    </p:bg>
+    <p:spTree>
+      <p:nvGrpSpPr>
+        <p:cNvPr id="1" name=""/>
+        <p:cNvGrpSpPr/>
+        <p:nvPr/>
+      </p:nvGrpSpPr>
+      <p:grpSpPr>
+        <a:xfrm>
+          <a:off x="0" y="0"/>
+          <a:ext cx="0" cy="0"/>
+          <a:chOff x="0" y="0"/>
+          <a:chExt cx="0" cy="0"/>
+        </a:xfrm>
+      </p:grpSpPr>
+      <p:sp useBgFill="1">
+        <p:nvSpPr>
+          <p:cNvPr id="21" name="Rectangle 8">
+            <a:extLst>
+              <a:ext uri="{FF2B5EF4-FFF2-40B4-BE49-F238E27FC236}">
+                <a16:creationId xmlns:a16="http://schemas.microsoft.com/office/drawing/2014/main" id="{DAF1966E-FD40-4A4A-B61B-C4DF7FA05F06}"/>
+              </a:ext>
+              <a:ext uri="{C183D7F6-B498-43B3-948B-1728B52AA6E4}">
+                <adec:decorative xmlns:adec="http://schemas.microsoft.com/office/drawing/2017/decorative" val="1"/>
+              </a:ext>
+            </a:extLst>
+          </p:cNvPr>
+          <p:cNvSpPr>
+            <a:spLocks noGrp="1" noRot="1" noChangeAspect="1" noMove="1" noResize="1" noEditPoints="1" noAdjustHandles="1" noChangeArrowheads="1" noChangeShapeType="1" noTextEdit="1"/>
+          </p:cNvSpPr>
+          <p:nvPr>
+            <p:extLst>
+              <p:ext uri="{386F3935-93C4-4BCD-93E2-E3B085C9AB24}">
+                <p16:designElem xmlns:p16="http://schemas.microsoft.com/office/powerpoint/2015/main" val="1"/>
+              </p:ext>
+            </p:extLst>
+          </p:nvPr>
+        </p:nvSpPr>
+        <p:spPr>
+          <a:xfrm>
+            <a:off x="0" y="0"/>
+            <a:ext cx="12192000" cy="6858000"/>
+          </a:xfrm>
+          <a:prstGeom prst="rect">
+            <a:avLst/>
+          </a:prstGeom>
+          <a:ln>
+            <a:noFill/>
+          </a:ln>
+        </p:spPr>
+        <p:style>
+          <a:lnRef idx="2">
+            <a:schemeClr val="accent1">
+              <a:shade val="50000"/>
+            </a:schemeClr>
+          </a:lnRef>
+          <a:fillRef idx="1">
+            <a:schemeClr val="accent1"/>
+          </a:fillRef>
+          <a:effectRef idx="0">
+            <a:schemeClr val="accent1"/>
+          </a:effectRef>
+          <a:fontRef idx="minor">
+            <a:schemeClr val="lt1"/>
+          </a:fontRef>
+        </p:style>
+        <p:txBody>
+          <a:bodyPr rtlCol="0" anchor="ctr"/>
+          <a:lstStyle/>
+          <a:p>
+            <a:pPr marL="0" marR="0" lvl="0" indent="0" algn="ctr" defTabSz="914400" rtl="0" eaLnBrk="1" fontAlgn="auto" latinLnBrk="0" hangingPunct="1">
+              <a:lnSpc>
+                <a:spcPct val="100000"/>
+              </a:lnSpc>
+              <a:spcBef>
+                <a:spcPts val="0"/>
+              </a:spcBef>
+              <a:spcAft>
+                <a:spcPts val="0"/>
+              </a:spcAft>
+              <a:buClrTx/>
+              <a:buSzTx/>
+              <a:buFontTx/>
+              <a:buNone/>
+              <a:tabLst/>
+              <a:defRPr/>
+            </a:pPr>
+            <a:endParaRPr kumimoji="0" lang="en-US" sz="1800" b="0" i="0" u="none" strike="noStrike" kern="1200" cap="none" spc="0" normalizeH="0" baseline="0" noProof="0">
+              <a:ln>
+                <a:noFill/>
+              </a:ln>
+              <a:solidFill>
+                <a:prstClr val="white"/>
+              </a:solidFill>
+              <a:effectLst/>
+              <a:uLnTx/>
+              <a:uFillTx/>
+              <a:latin typeface="Calibri" panose="020F0502020204030204"/>
+              <a:ea typeface="+mn-ea"/>
+              <a:cs typeface="+mn-cs"/>
+            </a:endParaRPr>
+          </a:p>
+        </p:txBody>
+      </p:sp>
+      <p:sp useBgFill="1">
+        <p:nvSpPr>
+          <p:cNvPr id="22" name="Rectangle 10">
+            <a:extLst>
+              <a:ext uri="{FF2B5EF4-FFF2-40B4-BE49-F238E27FC236}">
+                <a16:creationId xmlns:a16="http://schemas.microsoft.com/office/drawing/2014/main" id="{047BFA19-D45E-416B-A404-7AF2F3F27017}"/>
+              </a:ext>
+              <a:ext uri="{C183D7F6-B498-43B3-948B-1728B52AA6E4}">
+                <adec:decorative xmlns:adec="http://schemas.microsoft.com/office/drawing/2017/decorative" val="1"/>
+              </a:ext>
+            </a:extLst>
+          </p:cNvPr>
+          <p:cNvSpPr>
+            <a:spLocks noGrp="1" noRot="1" noChangeAspect="1" noMove="1" noResize="1" noEditPoints="1" noAdjustHandles="1" noChangeArrowheads="1" noChangeShapeType="1" noTextEdit="1"/>
+          </p:cNvSpPr>
+          <p:nvPr>
+            <p:extLst>
+              <p:ext uri="{386F3935-93C4-4BCD-93E2-E3B085C9AB24}">
+                <p16:designElem xmlns:p16="http://schemas.microsoft.com/office/powerpoint/2015/main" val="1"/>
+              </p:ext>
+            </p:extLst>
+          </p:nvPr>
+        </p:nvSpPr>
+        <p:spPr>
+          <a:xfrm>
+            <a:off x="558209" y="0"/>
+            <a:ext cx="11167447" cy="2018806"/>
+          </a:xfrm>
+          <a:prstGeom prst="rect">
+            <a:avLst/>
+          </a:prstGeom>
+          <a:ln w="9525">
+            <a:solidFill>
+              <a:srgbClr val="E1E1E1"/>
+            </a:solidFill>
+          </a:ln>
+          <a:effectLst>
+            <a:outerShdw blurRad="50800" dist="38100" dir="2700000" algn="tl" rotWithShape="0">
+              <a:schemeClr val="bg1">
+                <a:lumMod val="85000"/>
+                <a:alpha val="50000"/>
+              </a:schemeClr>
+            </a:outerShdw>
+          </a:effectLst>
+        </p:spPr>
+        <p:style>
+          <a:lnRef idx="2">
+            <a:schemeClr val="accent1">
+              <a:shade val="50000"/>
+            </a:schemeClr>
+          </a:lnRef>
+          <a:fillRef idx="1">
+            <a:schemeClr val="accent1"/>
+          </a:fillRef>
+          <a:effectRef idx="0">
+            <a:schemeClr val="accent1"/>
+          </a:effectRef>
+          <a:fontRef idx="minor">
+            <a:schemeClr val="lt1"/>
+          </a:fontRef>
+        </p:style>
+        <p:txBody>
+          <a:bodyPr rtlCol="0" anchor="ctr"/>
+          <a:lstStyle/>
+          <a:p>
+            <a:pPr marL="0" marR="0" lvl="0" indent="0" algn="ctr" defTabSz="914400" rtl="0" eaLnBrk="1" fontAlgn="auto" latinLnBrk="0" hangingPunct="1">
+              <a:lnSpc>
+                <a:spcPct val="100000"/>
+              </a:lnSpc>
+              <a:spcBef>
+                <a:spcPts val="0"/>
+              </a:spcBef>
+              <a:spcAft>
+                <a:spcPts val="0"/>
+              </a:spcAft>
+              <a:buClrTx/>
+              <a:buSzTx/>
+              <a:buFontTx/>
+              <a:buNone/>
+              <a:tabLst/>
+              <a:defRPr/>
+            </a:pPr>
+            <a:endParaRPr kumimoji="0" lang="en-US" sz="1800" b="0" i="0" u="none" strike="noStrike" kern="1200" cap="none" spc="0" normalizeH="0" baseline="0" noProof="0">
+              <a:ln>
+                <a:noFill/>
+              </a:ln>
+              <a:solidFill>
+                <a:prstClr val="white"/>
+              </a:solidFill>
+              <a:effectLst/>
+              <a:uLnTx/>
+              <a:uFillTx/>
+              <a:latin typeface="Calibri" panose="020F0502020204030204"/>
+              <a:ea typeface="+mn-ea"/>
+              <a:cs typeface="+mn-cs"/>
+            </a:endParaRPr>
+          </a:p>
+        </p:txBody>
+      </p:sp>
+      <p:sp useBgFill="1">
+        <p:nvSpPr>
+          <p:cNvPr id="23" name="Rectangle 12">
+            <a:extLst>
+              <a:ext uri="{FF2B5EF4-FFF2-40B4-BE49-F238E27FC236}">
+                <a16:creationId xmlns:a16="http://schemas.microsoft.com/office/drawing/2014/main" id="{8E0105E7-23DB-4CF2-8258-FF47C7620F6E}"/>
+              </a:ext>
+              <a:ext uri="{C183D7F6-B498-43B3-948B-1728B52AA6E4}">
+                <adec:decorative xmlns:adec="http://schemas.microsoft.com/office/drawing/2017/decorative" val="1"/>
+              </a:ext>
+            </a:extLst>
+          </p:cNvPr>
+          <p:cNvSpPr>
+            <a:spLocks noGrp="1" noRot="1" noChangeAspect="1" noMove="1" noResize="1" noEditPoints="1" noAdjustHandles="1" noChangeArrowheads="1" noChangeShapeType="1" noTextEdit="1"/>
+          </p:cNvSpPr>
+          <p:nvPr>
+            <p:extLst>
+              <p:ext uri="{386F3935-93C4-4BCD-93E2-E3B085C9AB24}">
+                <p16:designElem xmlns:p16="http://schemas.microsoft.com/office/powerpoint/2015/main" val="1"/>
+              </p:ext>
+            </p:extLst>
+          </p:nvPr>
+        </p:nvSpPr>
+        <p:spPr>
+          <a:xfrm>
+            <a:off x="566928" y="0"/>
+            <a:ext cx="11155680" cy="2011680"/>
+          </a:xfrm>
+          <a:prstGeom prst="rect">
+            <a:avLst/>
+          </a:prstGeom>
+          <a:ln w="9525">
+            <a:noFill/>
+          </a:ln>
+          <a:effectLst/>
+        </p:spPr>
+        <p:style>
+          <a:lnRef idx="2">
+            <a:schemeClr val="accent1">
+              <a:shade val="50000"/>
+            </a:schemeClr>
+          </a:lnRef>
+          <a:fillRef idx="1">
+            <a:schemeClr val="accent1"/>
+          </a:fillRef>
+          <a:effectRef idx="0">
+            <a:schemeClr val="accent1"/>
+          </a:effectRef>
+          <a:fontRef idx="minor">
+            <a:schemeClr val="lt1"/>
+          </a:fontRef>
+        </p:style>
+        <p:txBody>
+          <a:bodyPr rtlCol="0" anchor="ctr"/>
+          <a:lstStyle/>
+          <a:p>
+            <a:pPr marL="0" marR="0" lvl="0" indent="0" algn="ctr" defTabSz="914400" rtl="0" eaLnBrk="1" fontAlgn="auto" latinLnBrk="0" hangingPunct="1">
+              <a:lnSpc>
+                <a:spcPct val="100000"/>
+              </a:lnSpc>
+              <a:spcBef>
+                <a:spcPts val="0"/>
+              </a:spcBef>
+              <a:spcAft>
+                <a:spcPts val="0"/>
+              </a:spcAft>
+              <a:buClrTx/>
+              <a:buSzTx/>
+              <a:buFontTx/>
+              <a:buNone/>
+              <a:tabLst/>
+              <a:defRPr/>
+            </a:pPr>
+            <a:endParaRPr kumimoji="0" lang="en-US" sz="1800" b="0" i="0" u="none" strike="noStrike" kern="1200" cap="none" spc="0" normalizeH="0" baseline="0" noProof="0">
+              <a:ln>
+                <a:noFill/>
+              </a:ln>
+              <a:solidFill>
+                <a:prstClr val="white"/>
+              </a:solidFill>
+              <a:effectLst/>
+              <a:uLnTx/>
+              <a:uFillTx/>
+              <a:latin typeface="Calibri" panose="020F0502020204030204"/>
+              <a:ea typeface="+mn-ea"/>
+              <a:cs typeface="+mn-cs"/>
+            </a:endParaRPr>
+          </a:p>
+        </p:txBody>
+      </p:sp>
+      <p:sp>
+        <p:nvSpPr>
+          <p:cNvPr id="2" name="Titel 1">
+            <a:extLst>
+              <a:ext uri="{FF2B5EF4-FFF2-40B4-BE49-F238E27FC236}">
+                <a16:creationId xmlns:a16="http://schemas.microsoft.com/office/drawing/2014/main" id="{4CEE9278-5D8D-4F29-8492-6D98260484EA}"/>
+              </a:ext>
+            </a:extLst>
+          </p:cNvPr>
+          <p:cNvSpPr>
+            <a:spLocks noGrp="1"/>
+          </p:cNvSpPr>
+          <p:nvPr>
+            <p:ph type="title"/>
+          </p:nvPr>
+        </p:nvSpPr>
+        <p:spPr>
+          <a:xfrm>
+            <a:off x="1115568" y="548640"/>
+            <a:ext cx="8616195" cy="1179576"/>
+          </a:xfrm>
+        </p:spPr>
+        <p:txBody>
+          <a:bodyPr>
+            <a:normAutofit/>
+          </a:bodyPr>
+          <a:lstStyle/>
+          <a:p>
+            <a:r>
+              <a:rPr lang="de-DE" sz="4000" dirty="0"/>
+              <a:t>Impediments</a:t>
+            </a:r>
+          </a:p>
+        </p:txBody>
+      </p:sp>
+      <p:sp>
+        <p:nvSpPr>
+          <p:cNvPr id="24" name="Rectangle 14">
+            <a:extLst>
+              <a:ext uri="{FF2B5EF4-FFF2-40B4-BE49-F238E27FC236}">
+                <a16:creationId xmlns:a16="http://schemas.microsoft.com/office/drawing/2014/main" id="{074B4F7D-14B2-478B-8BF5-01E4E0C5D263}"/>
+              </a:ext>
+              <a:ext uri="{C183D7F6-B498-43B3-948B-1728B52AA6E4}">
+                <adec:decorative xmlns:adec="http://schemas.microsoft.com/office/drawing/2017/decorative" val="1"/>
+              </a:ext>
+            </a:extLst>
+          </p:cNvPr>
+          <p:cNvSpPr>
+            <a:spLocks noGrp="1" noRot="1" noChangeAspect="1" noMove="1" noResize="1" noEditPoints="1" noAdjustHandles="1" noChangeArrowheads="1" noChangeShapeType="1" noTextEdit="1"/>
+          </p:cNvSpPr>
+          <p:nvPr>
+            <p:extLst>
+              <p:ext uri="{386F3935-93C4-4BCD-93E2-E3B085C9AB24}">
+                <p16:designElem xmlns:p16="http://schemas.microsoft.com/office/powerpoint/2015/main" val="1"/>
+              </p:ext>
+            </p:extLst>
+          </p:nvPr>
+        </p:nvSpPr>
+        <p:spPr>
+          <a:xfrm>
+            <a:off x="498834" y="758952"/>
+            <a:ext cx="128016" cy="704088"/>
+          </a:xfrm>
+          <a:prstGeom prst="rect">
+            <a:avLst/>
+          </a:prstGeom>
+          <a:solidFill>
+            <a:schemeClr val="accent2"/>
+          </a:solidFill>
+          <a:ln>
+            <a:noFill/>
+          </a:ln>
+        </p:spPr>
+        <p:style>
+          <a:lnRef idx="2">
+            <a:schemeClr val="accent1">
+              <a:shade val="50000"/>
+            </a:schemeClr>
+          </a:lnRef>
+          <a:fillRef idx="1">
+            <a:schemeClr val="accent1"/>
+          </a:fillRef>
+          <a:effectRef idx="0">
+            <a:schemeClr val="accent1"/>
+          </a:effectRef>
+          <a:fontRef idx="minor">
+            <a:schemeClr val="lt1"/>
+          </a:fontRef>
+        </p:style>
+        <p:txBody>
+          <a:bodyPr rtlCol="0" anchor="ctr"/>
+          <a:lstStyle/>
+          <a:p>
+            <a:pPr marL="0" marR="0" lvl="0" indent="0" algn="ctr" defTabSz="914400" rtl="0" eaLnBrk="1" fontAlgn="auto" latinLnBrk="0" hangingPunct="1">
+              <a:lnSpc>
+                <a:spcPct val="100000"/>
+              </a:lnSpc>
+              <a:spcBef>
+                <a:spcPts val="0"/>
+              </a:spcBef>
+              <a:spcAft>
+                <a:spcPts val="0"/>
+              </a:spcAft>
+              <a:buClrTx/>
+              <a:buSzTx/>
+              <a:buFontTx/>
+              <a:buNone/>
+              <a:tabLst/>
+              <a:defRPr/>
+            </a:pPr>
+            <a:endParaRPr kumimoji="0" lang="en-US" sz="1800" b="0" i="0" u="none" strike="noStrike" kern="1200" cap="none" spc="0" normalizeH="0" baseline="0" noProof="0">
+              <a:ln>
+                <a:noFill/>
+              </a:ln>
+              <a:solidFill>
+                <a:prstClr val="white"/>
+              </a:solidFill>
+              <a:effectLst/>
+              <a:uLnTx/>
+              <a:uFillTx/>
+              <a:latin typeface="Calibri" panose="020F0502020204030204"/>
+              <a:ea typeface="+mn-ea"/>
+              <a:cs typeface="+mn-cs"/>
+            </a:endParaRPr>
+          </a:p>
+        </p:txBody>
+      </p:sp>
+      <p:sp>
+        <p:nvSpPr>
+          <p:cNvPr id="3" name="Inhaltsplatzhalter 2">
+            <a:extLst>
+              <a:ext uri="{FF2B5EF4-FFF2-40B4-BE49-F238E27FC236}">
+                <a16:creationId xmlns:a16="http://schemas.microsoft.com/office/drawing/2014/main" id="{E3CE2A5A-3C8B-41A1-AC8F-8A5EA5BBC30C}"/>
+              </a:ext>
+            </a:extLst>
+          </p:cNvPr>
+          <p:cNvSpPr>
+            <a:spLocks noGrp="1"/>
+          </p:cNvSpPr>
+          <p:nvPr>
+            <p:ph idx="1"/>
+          </p:nvPr>
+        </p:nvSpPr>
+        <p:spPr>
+          <a:xfrm>
+            <a:off x="1115568" y="2481943"/>
+            <a:ext cx="10168128" cy="3695020"/>
+          </a:xfrm>
+        </p:spPr>
+        <p:txBody>
+          <a:bodyPr>
+            <a:normAutofit/>
+          </a:bodyPr>
+          <a:lstStyle/>
+          <a:p>
+            <a:pPr>
+              <a:lnSpc>
+                <a:spcPct val="150000"/>
+              </a:lnSpc>
+            </a:pPr>
+            <a:r>
+              <a:rPr lang="de-DE" sz="2200" dirty="0"/>
+              <a:t>Keine Antwort vom </a:t>
+            </a:r>
+            <a:r>
+              <a:rPr lang="de-DE" sz="2200" dirty="0" err="1"/>
+              <a:t>Frauenhofer</a:t>
+            </a:r>
+            <a:r>
+              <a:rPr lang="de-DE" sz="2200" dirty="0"/>
+              <a:t>-Institut (Stand 11.01.)</a:t>
+            </a:r>
+          </a:p>
+          <a:p>
+            <a:pPr>
+              <a:lnSpc>
+                <a:spcPct val="150000"/>
+              </a:lnSpc>
+            </a:pPr>
+            <a:r>
+              <a:rPr lang="de-DE" sz="2200" dirty="0"/>
+              <a:t>Anderweitig auch keine besseren Daten gefunden</a:t>
+            </a:r>
+          </a:p>
+          <a:p>
+            <a:pPr marL="0" indent="0">
+              <a:lnSpc>
+                <a:spcPct val="150000"/>
+              </a:lnSpc>
+              <a:buNone/>
+            </a:pPr>
+            <a:r>
+              <a:rPr lang="de-DE" sz="2200" dirty="0">
+                <a:sym typeface="Wingdings" panose="05000000000000000000" pitchFamily="2" charset="2"/>
+              </a:rPr>
+              <a:t></a:t>
+            </a:r>
+            <a:r>
+              <a:rPr lang="de-DE" sz="2200" dirty="0"/>
+              <a:t> Testen des </a:t>
+            </a:r>
+            <a:r>
+              <a:rPr lang="de-DE" sz="2200" dirty="0" err="1"/>
+              <a:t>deepface</a:t>
+            </a:r>
+            <a:r>
+              <a:rPr lang="de-DE" sz="2200" dirty="0"/>
+              <a:t>-models on hold</a:t>
+            </a:r>
+          </a:p>
+          <a:p>
+            <a:pPr>
+              <a:lnSpc>
+                <a:spcPct val="150000"/>
+              </a:lnSpc>
+            </a:pPr>
+            <a:r>
+              <a:rPr lang="de-DE" sz="2200" dirty="0"/>
+              <a:t>Alternative Lösung: Azure API für Microsoft </a:t>
+            </a:r>
+            <a:r>
+              <a:rPr lang="de-DE" sz="2200" dirty="0" err="1"/>
+              <a:t>PowerApps</a:t>
+            </a:r>
+            <a:endParaRPr lang="de-DE" sz="2200" dirty="0"/>
+          </a:p>
+          <a:p>
+            <a:pPr>
+              <a:lnSpc>
+                <a:spcPct val="150000"/>
+              </a:lnSpc>
+            </a:pPr>
+            <a:r>
+              <a:rPr lang="de-DE" sz="2200" dirty="0"/>
+              <a:t>Weitere Alternative: Andere vorgelernte Modelle verwenden und in unsere App einbinden (Vertrauen auf Performance)</a:t>
+            </a:r>
+          </a:p>
+        </p:txBody>
+      </p:sp>
+      <p:pic>
+        <p:nvPicPr>
+          <p:cNvPr id="4" name="Inhaltsplatzhalter 4">
+            <a:extLst>
+              <a:ext uri="{FF2B5EF4-FFF2-40B4-BE49-F238E27FC236}">
+                <a16:creationId xmlns:a16="http://schemas.microsoft.com/office/drawing/2014/main" id="{194C12C9-2F45-423B-9832-6ED35CE6F8E6}"/>
+              </a:ext>
+            </a:extLst>
+          </p:cNvPr>
+          <p:cNvPicPr>
+            <a:picLocks noChangeAspect="1"/>
+          </p:cNvPicPr>
+          <p:nvPr/>
+        </p:nvPicPr>
+        <p:blipFill>
+          <a:blip r:embed="rId2">
+            <a:extLst>
+              <a:ext uri="{28A0092B-C50C-407E-A947-70E740481C1C}">
+                <a14:useLocalDpi xmlns:a14="http://schemas.microsoft.com/office/drawing/2010/main" val="0"/>
+              </a:ext>
+            </a:extLst>
+          </a:blip>
+          <a:stretch>
+            <a:fillRect/>
+          </a:stretch>
+        </p:blipFill>
+        <p:spPr>
+          <a:xfrm>
+            <a:off x="9994016" y="548640"/>
+            <a:ext cx="1466339" cy="1101459"/>
+          </a:xfrm>
+          <a:prstGeom prst="rect">
+            <a:avLst/>
+          </a:prstGeom>
+        </p:spPr>
+      </p:pic>
+      <p:sp>
+        <p:nvSpPr>
+          <p:cNvPr id="5" name="Datumsplatzhalter 4">
+            <a:extLst>
+              <a:ext uri="{FF2B5EF4-FFF2-40B4-BE49-F238E27FC236}">
+                <a16:creationId xmlns:a16="http://schemas.microsoft.com/office/drawing/2014/main" id="{0A8B9702-7B8D-4327-ACC1-80A821B4647D}"/>
+              </a:ext>
+            </a:extLst>
+          </p:cNvPr>
+          <p:cNvSpPr>
+            <a:spLocks noGrp="1"/>
+          </p:cNvSpPr>
+          <p:nvPr>
+            <p:ph type="dt" sz="half" idx="10"/>
+          </p:nvPr>
+        </p:nvSpPr>
+        <p:spPr/>
+        <p:txBody>
+          <a:bodyPr/>
+          <a:lstStyle/>
+          <a:p>
+            <a:fld id="{9B4980EF-6003-492D-B2FF-F322DA2925CD}" type="datetime1">
+              <a:rPr lang="de-DE" smtClean="0"/>
+              <a:t>11.01.2022</a:t>
+            </a:fld>
+            <a:endParaRPr lang="de-DE"/>
+          </a:p>
+        </p:txBody>
+      </p:sp>
+    </p:spTree>
+    <p:extLst>
+      <p:ext uri="{BB962C8B-B14F-4D97-AF65-F5344CB8AC3E}">
+        <p14:creationId xmlns:p14="http://schemas.microsoft.com/office/powerpoint/2010/main" val="110567561"/>
+      </p:ext>
+    </p:extLst>
+  </p:cSld>
+  <p:clrMapOvr>
+    <a:masterClrMapping/>
+  </p:clrMapOvr>
+</p:sld>
+</file>
+
+<file path=ppt/slides/slide7.xml><?xml version="1.0" encoding="utf-8"?>
+<p:sld xmlns:a="http://schemas.openxmlformats.org/drawingml/2006/main" xmlns:r="http://schemas.openxmlformats.org/officeDocument/2006/relationships" xmlns:p="http://schemas.openxmlformats.org/presentationml/2006/main">
+  <p:cSld>
+    <p:bg>
+      <p:bgPr>
+        <a:solidFill>
+          <a:schemeClr val="bg1"/>
+        </a:solidFill>
+        <a:effectLst/>
+      </p:bgPr>
+    </p:bg>
+    <p:spTree>
+      <p:nvGrpSpPr>
+        <p:cNvPr id="1" name=""/>
+        <p:cNvGrpSpPr/>
+        <p:nvPr/>
+      </p:nvGrpSpPr>
+      <p:grpSpPr>
+        <a:xfrm>
+          <a:off x="0" y="0"/>
+          <a:ext cx="0" cy="0"/>
+          <a:chOff x="0" y="0"/>
+          <a:chExt cx="0" cy="0"/>
+        </a:xfrm>
+      </p:grpSpPr>
+      <p:sp useBgFill="1">
+        <p:nvSpPr>
+          <p:cNvPr id="21" name="Rectangle 8">
+            <a:extLst>
+              <a:ext uri="{FF2B5EF4-FFF2-40B4-BE49-F238E27FC236}">
+                <a16:creationId xmlns:a16="http://schemas.microsoft.com/office/drawing/2014/main" id="{DAF1966E-FD40-4A4A-B61B-C4DF7FA05F06}"/>
+              </a:ext>
+              <a:ext uri="{C183D7F6-B498-43B3-948B-1728B52AA6E4}">
+                <adec:decorative xmlns:adec="http://schemas.microsoft.com/office/drawing/2017/decorative" val="1"/>
+              </a:ext>
+            </a:extLst>
+          </p:cNvPr>
+          <p:cNvSpPr>
+            <a:spLocks noGrp="1" noRot="1" noChangeAspect="1" noMove="1" noResize="1" noEditPoints="1" noAdjustHandles="1" noChangeArrowheads="1" noChangeShapeType="1" noTextEdit="1"/>
+          </p:cNvSpPr>
+          <p:nvPr>
+            <p:extLst>
+              <p:ext uri="{386F3935-93C4-4BCD-93E2-E3B085C9AB24}">
+                <p16:designElem xmlns:p16="http://schemas.microsoft.com/office/powerpoint/2015/main" val="1"/>
+              </p:ext>
+            </p:extLst>
+          </p:nvPr>
+        </p:nvSpPr>
+        <p:spPr>
+          <a:xfrm>
+            <a:off x="0" y="0"/>
+            <a:ext cx="12192000" cy="6858000"/>
+          </a:xfrm>
+          <a:prstGeom prst="rect">
+            <a:avLst/>
+          </a:prstGeom>
+          <a:ln>
+            <a:noFill/>
+          </a:ln>
+        </p:spPr>
+        <p:style>
+          <a:lnRef idx="2">
+            <a:schemeClr val="accent1">
+              <a:shade val="50000"/>
+            </a:schemeClr>
+          </a:lnRef>
+          <a:fillRef idx="1">
+            <a:schemeClr val="accent1"/>
+          </a:fillRef>
+          <a:effectRef idx="0">
+            <a:schemeClr val="accent1"/>
+          </a:effectRef>
+          <a:fontRef idx="minor">
+            <a:schemeClr val="lt1"/>
+          </a:fontRef>
+        </p:style>
+        <p:txBody>
+          <a:bodyPr rtlCol="0" anchor="ctr"/>
+          <a:lstStyle/>
+          <a:p>
+            <a:pPr marL="0" marR="0" lvl="0" indent="0" algn="ctr" defTabSz="914400" rtl="0" eaLnBrk="1" fontAlgn="auto" latinLnBrk="0" hangingPunct="1">
+              <a:lnSpc>
+                <a:spcPct val="100000"/>
+              </a:lnSpc>
+              <a:spcBef>
+                <a:spcPts val="0"/>
+              </a:spcBef>
+              <a:spcAft>
+                <a:spcPts val="0"/>
+              </a:spcAft>
+              <a:buClrTx/>
+              <a:buSzTx/>
+              <a:buFontTx/>
+              <a:buNone/>
+              <a:tabLst/>
+              <a:defRPr/>
+            </a:pPr>
+            <a:endParaRPr kumimoji="0" lang="en-US" sz="1800" b="0" i="0" u="none" strike="noStrike" kern="1200" cap="none" spc="0" normalizeH="0" baseline="0" noProof="0">
+              <a:ln>
+                <a:noFill/>
+              </a:ln>
+              <a:solidFill>
+                <a:prstClr val="white"/>
+              </a:solidFill>
+              <a:effectLst/>
+              <a:uLnTx/>
+              <a:uFillTx/>
+              <a:latin typeface="Calibri" panose="020F0502020204030204"/>
+              <a:ea typeface="+mn-ea"/>
+              <a:cs typeface="+mn-cs"/>
+            </a:endParaRPr>
+          </a:p>
+        </p:txBody>
+      </p:sp>
+      <p:sp useBgFill="1">
+        <p:nvSpPr>
+          <p:cNvPr id="22" name="Rectangle 10">
+            <a:extLst>
+              <a:ext uri="{FF2B5EF4-FFF2-40B4-BE49-F238E27FC236}">
+                <a16:creationId xmlns:a16="http://schemas.microsoft.com/office/drawing/2014/main" id="{047BFA19-D45E-416B-A404-7AF2F3F27017}"/>
+              </a:ext>
+              <a:ext uri="{C183D7F6-B498-43B3-948B-1728B52AA6E4}">
+                <adec:decorative xmlns:adec="http://schemas.microsoft.com/office/drawing/2017/decorative" val="1"/>
+              </a:ext>
+            </a:extLst>
+          </p:cNvPr>
+          <p:cNvSpPr>
+            <a:spLocks noGrp="1" noRot="1" noChangeAspect="1" noMove="1" noResize="1" noEditPoints="1" noAdjustHandles="1" noChangeArrowheads="1" noChangeShapeType="1" noTextEdit="1"/>
+          </p:cNvSpPr>
+          <p:nvPr>
+            <p:extLst>
+              <p:ext uri="{386F3935-93C4-4BCD-93E2-E3B085C9AB24}">
+                <p16:designElem xmlns:p16="http://schemas.microsoft.com/office/powerpoint/2015/main" val="1"/>
+              </p:ext>
+            </p:extLst>
+          </p:nvPr>
+        </p:nvSpPr>
+        <p:spPr>
+          <a:xfrm>
+            <a:off x="558209" y="0"/>
+            <a:ext cx="11167447" cy="2018806"/>
+          </a:xfrm>
+          <a:prstGeom prst="rect">
+            <a:avLst/>
+          </a:prstGeom>
+          <a:ln w="9525">
+            <a:solidFill>
+              <a:srgbClr val="E1E1E1"/>
+            </a:solidFill>
+          </a:ln>
+          <a:effectLst>
+            <a:outerShdw blurRad="50800" dist="38100" dir="2700000" algn="tl" rotWithShape="0">
+              <a:schemeClr val="bg1">
+                <a:lumMod val="85000"/>
+                <a:alpha val="50000"/>
+              </a:schemeClr>
+            </a:outerShdw>
+          </a:effectLst>
+        </p:spPr>
+        <p:style>
+          <a:lnRef idx="2">
+            <a:schemeClr val="accent1">
+              <a:shade val="50000"/>
+            </a:schemeClr>
+          </a:lnRef>
+          <a:fillRef idx="1">
+            <a:schemeClr val="accent1"/>
+          </a:fillRef>
+          <a:effectRef idx="0">
+            <a:schemeClr val="accent1"/>
+          </a:effectRef>
+          <a:fontRef idx="minor">
+            <a:schemeClr val="lt1"/>
+          </a:fontRef>
+        </p:style>
+        <p:txBody>
+          <a:bodyPr rtlCol="0" anchor="ctr"/>
+          <a:lstStyle/>
+          <a:p>
+            <a:pPr marL="0" marR="0" lvl="0" indent="0" algn="ctr" defTabSz="914400" rtl="0" eaLnBrk="1" fontAlgn="auto" latinLnBrk="0" hangingPunct="1">
+              <a:lnSpc>
+                <a:spcPct val="100000"/>
+              </a:lnSpc>
+              <a:spcBef>
+                <a:spcPts val="0"/>
+              </a:spcBef>
+              <a:spcAft>
+                <a:spcPts val="0"/>
+              </a:spcAft>
+              <a:buClrTx/>
+              <a:buSzTx/>
+              <a:buFontTx/>
+              <a:buNone/>
+              <a:tabLst/>
+              <a:defRPr/>
+            </a:pPr>
+            <a:endParaRPr kumimoji="0" lang="en-US" sz="1800" b="0" i="0" u="none" strike="noStrike" kern="1200" cap="none" spc="0" normalizeH="0" baseline="0" noProof="0">
+              <a:ln>
+                <a:noFill/>
+              </a:ln>
+              <a:solidFill>
+                <a:prstClr val="white"/>
+              </a:solidFill>
+              <a:effectLst/>
+              <a:uLnTx/>
+              <a:uFillTx/>
+              <a:latin typeface="Calibri" panose="020F0502020204030204"/>
+              <a:ea typeface="+mn-ea"/>
+              <a:cs typeface="+mn-cs"/>
+            </a:endParaRPr>
+          </a:p>
+        </p:txBody>
+      </p:sp>
+      <p:sp useBgFill="1">
+        <p:nvSpPr>
+          <p:cNvPr id="23" name="Rectangle 12">
+            <a:extLst>
+              <a:ext uri="{FF2B5EF4-FFF2-40B4-BE49-F238E27FC236}">
+                <a16:creationId xmlns:a16="http://schemas.microsoft.com/office/drawing/2014/main" id="{8E0105E7-23DB-4CF2-8258-FF47C7620F6E}"/>
+              </a:ext>
+              <a:ext uri="{C183D7F6-B498-43B3-948B-1728B52AA6E4}">
+                <adec:decorative xmlns:adec="http://schemas.microsoft.com/office/drawing/2017/decorative" val="1"/>
+              </a:ext>
+            </a:extLst>
+          </p:cNvPr>
+          <p:cNvSpPr>
+            <a:spLocks noGrp="1" noRot="1" noChangeAspect="1" noMove="1" noResize="1" noEditPoints="1" noAdjustHandles="1" noChangeArrowheads="1" noChangeShapeType="1" noTextEdit="1"/>
+          </p:cNvSpPr>
+          <p:nvPr>
+            <p:extLst>
+              <p:ext uri="{386F3935-93C4-4BCD-93E2-E3B085C9AB24}">
+                <p16:designElem xmlns:p16="http://schemas.microsoft.com/office/powerpoint/2015/main" val="1"/>
+              </p:ext>
+            </p:extLst>
+          </p:nvPr>
+        </p:nvSpPr>
+        <p:spPr>
+          <a:xfrm>
+            <a:off x="566928" y="0"/>
+            <a:ext cx="11155680" cy="2011680"/>
+          </a:xfrm>
+          <a:prstGeom prst="rect">
+            <a:avLst/>
+          </a:prstGeom>
+          <a:ln w="9525">
+            <a:noFill/>
+          </a:ln>
+          <a:effectLst/>
+        </p:spPr>
+        <p:style>
+          <a:lnRef idx="2">
+            <a:schemeClr val="accent1">
+              <a:shade val="50000"/>
+            </a:schemeClr>
+          </a:lnRef>
+          <a:fillRef idx="1">
+            <a:schemeClr val="accent1"/>
+          </a:fillRef>
+          <a:effectRef idx="0">
+            <a:schemeClr val="accent1"/>
+          </a:effectRef>
+          <a:fontRef idx="minor">
+            <a:schemeClr val="lt1"/>
+          </a:fontRef>
+        </p:style>
+        <p:txBody>
+          <a:bodyPr rtlCol="0" anchor="ctr"/>
+          <a:lstStyle/>
+          <a:p>
+            <a:pPr marL="0" marR="0" lvl="0" indent="0" algn="ctr" defTabSz="914400" rtl="0" eaLnBrk="1" fontAlgn="auto" latinLnBrk="0" hangingPunct="1">
+              <a:lnSpc>
+                <a:spcPct val="100000"/>
+              </a:lnSpc>
+              <a:spcBef>
+                <a:spcPts val="0"/>
+              </a:spcBef>
+              <a:spcAft>
+                <a:spcPts val="0"/>
+              </a:spcAft>
+              <a:buClrTx/>
+              <a:buSzTx/>
+              <a:buFontTx/>
+              <a:buNone/>
+              <a:tabLst/>
+              <a:defRPr/>
+            </a:pPr>
+            <a:endParaRPr kumimoji="0" lang="en-US" sz="1800" b="0" i="0" u="none" strike="noStrike" kern="1200" cap="none" spc="0" normalizeH="0" baseline="0" noProof="0">
+              <a:ln>
+                <a:noFill/>
+              </a:ln>
+              <a:solidFill>
+                <a:prstClr val="white"/>
+              </a:solidFill>
+              <a:effectLst/>
+              <a:uLnTx/>
+              <a:uFillTx/>
+              <a:latin typeface="Calibri" panose="020F0502020204030204"/>
+              <a:ea typeface="+mn-ea"/>
+              <a:cs typeface="+mn-cs"/>
+            </a:endParaRPr>
+          </a:p>
+        </p:txBody>
+      </p:sp>
+      <p:sp>
+        <p:nvSpPr>
+          <p:cNvPr id="2" name="Titel 1">
+            <a:extLst>
+              <a:ext uri="{FF2B5EF4-FFF2-40B4-BE49-F238E27FC236}">
+                <a16:creationId xmlns:a16="http://schemas.microsoft.com/office/drawing/2014/main" id="{4CEE9278-5D8D-4F29-8492-6D98260484EA}"/>
+              </a:ext>
+            </a:extLst>
+          </p:cNvPr>
+          <p:cNvSpPr>
+            <a:spLocks noGrp="1"/>
+          </p:cNvSpPr>
+          <p:nvPr>
+            <p:ph type="title"/>
+          </p:nvPr>
+        </p:nvSpPr>
+        <p:spPr>
+          <a:xfrm>
+            <a:off x="1115568" y="548640"/>
+            <a:ext cx="8616195" cy="1179576"/>
+          </a:xfrm>
+        </p:spPr>
+        <p:txBody>
+          <a:bodyPr>
+            <a:normAutofit/>
+          </a:bodyPr>
+          <a:lstStyle/>
+          <a:p>
+            <a:r>
+              <a:rPr lang="de-DE" sz="4000" dirty="0" err="1"/>
+              <a:t>PowerApps</a:t>
+            </a:r>
+            <a:endParaRPr lang="de-DE" sz="4000" dirty="0"/>
+          </a:p>
+        </p:txBody>
+      </p:sp>
+      <p:sp>
+        <p:nvSpPr>
+          <p:cNvPr id="24" name="Rectangle 14">
+            <a:extLst>
+              <a:ext uri="{FF2B5EF4-FFF2-40B4-BE49-F238E27FC236}">
+                <a16:creationId xmlns:a16="http://schemas.microsoft.com/office/drawing/2014/main" id="{074B4F7D-14B2-478B-8BF5-01E4E0C5D263}"/>
+              </a:ext>
+              <a:ext uri="{C183D7F6-B498-43B3-948B-1728B52AA6E4}">
+                <adec:decorative xmlns:adec="http://schemas.microsoft.com/office/drawing/2017/decorative" val="1"/>
+              </a:ext>
+            </a:extLst>
+          </p:cNvPr>
+          <p:cNvSpPr>
+            <a:spLocks noGrp="1" noRot="1" noChangeAspect="1" noMove="1" noResize="1" noEditPoints="1" noAdjustHandles="1" noChangeArrowheads="1" noChangeShapeType="1" noTextEdit="1"/>
+          </p:cNvSpPr>
+          <p:nvPr>
+            <p:extLst>
+              <p:ext uri="{386F3935-93C4-4BCD-93E2-E3B085C9AB24}">
+                <p16:designElem xmlns:p16="http://schemas.microsoft.com/office/powerpoint/2015/main" val="1"/>
+              </p:ext>
+            </p:extLst>
+          </p:nvPr>
+        </p:nvSpPr>
+        <p:spPr>
+          <a:xfrm>
+            <a:off x="498834" y="758952"/>
+            <a:ext cx="128016" cy="704088"/>
+          </a:xfrm>
+          <a:prstGeom prst="rect">
+            <a:avLst/>
+          </a:prstGeom>
+          <a:solidFill>
+            <a:schemeClr val="accent2"/>
+          </a:solidFill>
+          <a:ln>
+            <a:noFill/>
+          </a:ln>
+        </p:spPr>
+        <p:style>
+          <a:lnRef idx="2">
+            <a:schemeClr val="accent1">
+              <a:shade val="50000"/>
+            </a:schemeClr>
+          </a:lnRef>
+          <a:fillRef idx="1">
+            <a:schemeClr val="accent1"/>
+          </a:fillRef>
+          <a:effectRef idx="0">
+            <a:schemeClr val="accent1"/>
+          </a:effectRef>
+          <a:fontRef idx="minor">
+            <a:schemeClr val="lt1"/>
+          </a:fontRef>
+        </p:style>
+        <p:txBody>
+          <a:bodyPr rtlCol="0" anchor="ctr"/>
+          <a:lstStyle/>
+          <a:p>
+            <a:pPr marL="0" marR="0" lvl="0" indent="0" algn="ctr" defTabSz="914400" rtl="0" eaLnBrk="1" fontAlgn="auto" latinLnBrk="0" hangingPunct="1">
+              <a:lnSpc>
+                <a:spcPct val="100000"/>
+              </a:lnSpc>
+              <a:spcBef>
+                <a:spcPts val="0"/>
+              </a:spcBef>
+              <a:spcAft>
+                <a:spcPts val="0"/>
+              </a:spcAft>
+              <a:buClrTx/>
+              <a:buSzTx/>
+              <a:buFontTx/>
+              <a:buNone/>
+              <a:tabLst/>
+              <a:defRPr/>
+            </a:pPr>
+            <a:endParaRPr kumimoji="0" lang="en-US" sz="1800" b="0" i="0" u="none" strike="noStrike" kern="1200" cap="none" spc="0" normalizeH="0" baseline="0" noProof="0">
+              <a:ln>
+                <a:noFill/>
+              </a:ln>
+              <a:solidFill>
+                <a:prstClr val="white"/>
+              </a:solidFill>
+              <a:effectLst/>
+              <a:uLnTx/>
+              <a:uFillTx/>
+              <a:latin typeface="Calibri" panose="020F0502020204030204"/>
+              <a:ea typeface="+mn-ea"/>
+              <a:cs typeface="+mn-cs"/>
+            </a:endParaRPr>
+          </a:p>
+        </p:txBody>
+      </p:sp>
+      <p:sp>
+        <p:nvSpPr>
+          <p:cNvPr id="3" name="Inhaltsplatzhalter 2">
+            <a:extLst>
+              <a:ext uri="{FF2B5EF4-FFF2-40B4-BE49-F238E27FC236}">
+                <a16:creationId xmlns:a16="http://schemas.microsoft.com/office/drawing/2014/main" id="{E3CE2A5A-3C8B-41A1-AC8F-8A5EA5BBC30C}"/>
+              </a:ext>
+            </a:extLst>
+          </p:cNvPr>
+          <p:cNvSpPr>
+            <a:spLocks noGrp="1"/>
+          </p:cNvSpPr>
+          <p:nvPr>
+            <p:ph idx="1"/>
+          </p:nvPr>
+        </p:nvSpPr>
+        <p:spPr>
+          <a:xfrm>
+            <a:off x="1115568" y="2481943"/>
+            <a:ext cx="10168128" cy="3695020"/>
+          </a:xfrm>
+        </p:spPr>
+        <p:txBody>
+          <a:bodyPr anchor="t">
+            <a:normAutofit/>
+          </a:bodyPr>
+          <a:lstStyle/>
+          <a:p>
+            <a:pPr>
+              <a:lnSpc>
+                <a:spcPct val="150000"/>
+              </a:lnSpc>
+            </a:pPr>
+            <a:r>
+              <a:rPr lang="de-DE" sz="2200" dirty="0"/>
+              <a:t>Bestandteil der Microsoft Power </a:t>
+            </a:r>
+            <a:r>
+              <a:rPr lang="de-DE" sz="2200" dirty="0" err="1"/>
+              <a:t>Platform</a:t>
+            </a:r>
+            <a:endParaRPr lang="de-DE" sz="2200" dirty="0"/>
+          </a:p>
+          <a:p>
+            <a:pPr>
+              <a:lnSpc>
+                <a:spcPct val="150000"/>
+              </a:lnSpc>
+            </a:pPr>
+            <a:r>
+              <a:rPr lang="de-DE" sz="2200" dirty="0"/>
+              <a:t>Erstellen von individuellen Apps</a:t>
+            </a:r>
+          </a:p>
+          <a:p>
+            <a:pPr>
+              <a:lnSpc>
+                <a:spcPct val="150000"/>
+              </a:lnSpc>
+            </a:pPr>
+            <a:r>
+              <a:rPr lang="de-DE" sz="2200" dirty="0"/>
+              <a:t>Anpassbar für verschiedene Geräte</a:t>
+            </a:r>
+          </a:p>
+          <a:p>
+            <a:pPr>
+              <a:lnSpc>
+                <a:spcPct val="150000"/>
+              </a:lnSpc>
+            </a:pPr>
+            <a:r>
+              <a:rPr lang="de-DE" sz="2200" dirty="0"/>
+              <a:t>Bietet eine Vielzahl an Funktionen und </a:t>
+            </a:r>
+            <a:r>
+              <a:rPr lang="de-DE" sz="2200" dirty="0" err="1"/>
+              <a:t>Connectors</a:t>
+            </a:r>
+            <a:endParaRPr lang="de-DE" sz="2200" dirty="0"/>
+          </a:p>
+        </p:txBody>
+      </p:sp>
+      <p:pic>
+        <p:nvPicPr>
+          <p:cNvPr id="4" name="Inhaltsplatzhalter 4">
+            <a:extLst>
+              <a:ext uri="{FF2B5EF4-FFF2-40B4-BE49-F238E27FC236}">
+                <a16:creationId xmlns:a16="http://schemas.microsoft.com/office/drawing/2014/main" id="{194C12C9-2F45-423B-9832-6ED35CE6F8E6}"/>
+              </a:ext>
+            </a:extLst>
+          </p:cNvPr>
+          <p:cNvPicPr>
+            <a:picLocks noChangeAspect="1"/>
+          </p:cNvPicPr>
+          <p:nvPr/>
+        </p:nvPicPr>
+        <p:blipFill>
+          <a:blip r:embed="rId2">
+            <a:extLst>
+              <a:ext uri="{28A0092B-C50C-407E-A947-70E740481C1C}">
+                <a14:useLocalDpi xmlns:a14="http://schemas.microsoft.com/office/drawing/2010/main" val="0"/>
+              </a:ext>
+            </a:extLst>
+          </a:blip>
+          <a:stretch>
+            <a:fillRect/>
+          </a:stretch>
+        </p:blipFill>
+        <p:spPr>
+          <a:xfrm>
+            <a:off x="9994016" y="548640"/>
+            <a:ext cx="1466339" cy="1101459"/>
+          </a:xfrm>
+          <a:prstGeom prst="rect">
+            <a:avLst/>
+          </a:prstGeom>
+        </p:spPr>
+      </p:pic>
+      <p:sp>
+        <p:nvSpPr>
+          <p:cNvPr id="5" name="Datumsplatzhalter 4">
+            <a:extLst>
+              <a:ext uri="{FF2B5EF4-FFF2-40B4-BE49-F238E27FC236}">
+                <a16:creationId xmlns:a16="http://schemas.microsoft.com/office/drawing/2014/main" id="{F802B72D-D684-4DEB-8043-8862A3AA1E28}"/>
+              </a:ext>
+            </a:extLst>
+          </p:cNvPr>
+          <p:cNvSpPr>
+            <a:spLocks noGrp="1"/>
+          </p:cNvSpPr>
+          <p:nvPr>
+            <p:ph type="dt" sz="half" idx="10"/>
+          </p:nvPr>
+        </p:nvSpPr>
+        <p:spPr/>
+        <p:txBody>
+          <a:bodyPr/>
+          <a:lstStyle/>
+          <a:p>
+            <a:fld id="{11396D20-808E-4166-AFE6-6D7792F4544F}" type="datetime1">
+              <a:rPr lang="de-DE" smtClean="0"/>
+              <a:t>11.01.2022</a:t>
+            </a:fld>
+            <a:endParaRPr lang="de-DE"/>
+          </a:p>
+        </p:txBody>
+      </p:sp>
+      <p:sp>
+        <p:nvSpPr>
+          <p:cNvPr id="6" name="Fußzeilenplatzhalter 5">
+            <a:extLst>
+              <a:ext uri="{FF2B5EF4-FFF2-40B4-BE49-F238E27FC236}">
+                <a16:creationId xmlns:a16="http://schemas.microsoft.com/office/drawing/2014/main" id="{89BDC108-3A4A-45C1-AD98-03D56CB8FC99}"/>
+              </a:ext>
+            </a:extLst>
+          </p:cNvPr>
+          <p:cNvSpPr>
+            <a:spLocks noGrp="1"/>
+          </p:cNvSpPr>
+          <p:nvPr>
+            <p:ph type="ftr" sz="quarter" idx="11"/>
+          </p:nvPr>
+        </p:nvSpPr>
+        <p:spPr/>
+        <p:txBody>
+          <a:bodyPr/>
+          <a:lstStyle/>
+          <a:p>
+            <a:r>
+              <a:rPr lang="de-DE"/>
+              <a:t>https://powerapps.microsoft.com/de-de/build-powerapps/</a:t>
+            </a:r>
+          </a:p>
+        </p:txBody>
+      </p:sp>
     </p:spTree>
     <p:extLst>
       <p:ext uri="{BB962C8B-B14F-4D97-AF65-F5344CB8AC3E}">
         <p14:creationId xmlns:p14="http://schemas.microsoft.com/office/powerpoint/2010/main" val="1558247292"/>
+      </p:ext>
+    </p:extLst>
+  </p:cSld>
+  <p:clrMapOvr>
+    <a:masterClrMapping/>
+  </p:clrMapOvr>
+</p:sld>
+</file>
+
+<file path=ppt/slides/slide8.xml><?xml version="1.0" encoding="utf-8"?>
+<p:sld xmlns:a="http://schemas.openxmlformats.org/drawingml/2006/main" xmlns:r="http://schemas.openxmlformats.org/officeDocument/2006/relationships" xmlns:p="http://schemas.openxmlformats.org/presentationml/2006/main">
+  <p:cSld>
+    <p:bg>
+      <p:bgPr>
+        <a:solidFill>
+          <a:schemeClr val="bg1"/>
+        </a:solidFill>
+        <a:effectLst/>
+      </p:bgPr>
+    </p:bg>
+    <p:spTree>
+      <p:nvGrpSpPr>
+        <p:cNvPr id="1" name=""/>
+        <p:cNvGrpSpPr/>
+        <p:nvPr/>
+      </p:nvGrpSpPr>
+      <p:grpSpPr>
+        <a:xfrm>
+          <a:off x="0" y="0"/>
+          <a:ext cx="0" cy="0"/>
+          <a:chOff x="0" y="0"/>
+          <a:chExt cx="0" cy="0"/>
+        </a:xfrm>
+      </p:grpSpPr>
+      <p:sp useBgFill="1">
+        <p:nvSpPr>
+          <p:cNvPr id="21" name="Rectangle 8">
+            <a:extLst>
+              <a:ext uri="{FF2B5EF4-FFF2-40B4-BE49-F238E27FC236}">
+                <a16:creationId xmlns:a16="http://schemas.microsoft.com/office/drawing/2014/main" id="{DAF1966E-FD40-4A4A-B61B-C4DF7FA05F06}"/>
+              </a:ext>
+              <a:ext uri="{C183D7F6-B498-43B3-948B-1728B52AA6E4}">
+                <adec:decorative xmlns:adec="http://schemas.microsoft.com/office/drawing/2017/decorative" val="1"/>
+              </a:ext>
+            </a:extLst>
+          </p:cNvPr>
+          <p:cNvSpPr>
+            <a:spLocks noGrp="1" noRot="1" noChangeAspect="1" noMove="1" noResize="1" noEditPoints="1" noAdjustHandles="1" noChangeArrowheads="1" noChangeShapeType="1" noTextEdit="1"/>
+          </p:cNvSpPr>
+          <p:nvPr>
+            <p:extLst>
+              <p:ext uri="{386F3935-93C4-4BCD-93E2-E3B085C9AB24}">
+                <p16:designElem xmlns:p16="http://schemas.microsoft.com/office/powerpoint/2015/main" val="1"/>
+              </p:ext>
+            </p:extLst>
+          </p:nvPr>
+        </p:nvSpPr>
+        <p:spPr>
+          <a:xfrm>
+            <a:off x="0" y="0"/>
+            <a:ext cx="12192000" cy="6858000"/>
+          </a:xfrm>
+          <a:prstGeom prst="rect">
+            <a:avLst/>
+          </a:prstGeom>
+          <a:ln>
+            <a:noFill/>
+          </a:ln>
+        </p:spPr>
+        <p:style>
+          <a:lnRef idx="2">
+            <a:schemeClr val="accent1">
+              <a:shade val="50000"/>
+            </a:schemeClr>
+          </a:lnRef>
+          <a:fillRef idx="1">
+            <a:schemeClr val="accent1"/>
+          </a:fillRef>
+          <a:effectRef idx="0">
+            <a:schemeClr val="accent1"/>
+          </a:effectRef>
+          <a:fontRef idx="minor">
+            <a:schemeClr val="lt1"/>
+          </a:fontRef>
+        </p:style>
+        <p:txBody>
+          <a:bodyPr rtlCol="0" anchor="ctr"/>
+          <a:lstStyle/>
+          <a:p>
+            <a:pPr marL="0" marR="0" lvl="0" indent="0" algn="ctr" defTabSz="914400" rtl="0" eaLnBrk="1" fontAlgn="auto" latinLnBrk="0" hangingPunct="1">
+              <a:lnSpc>
+                <a:spcPct val="100000"/>
+              </a:lnSpc>
+              <a:spcBef>
+                <a:spcPts val="0"/>
+              </a:spcBef>
+              <a:spcAft>
+                <a:spcPts val="0"/>
+              </a:spcAft>
+              <a:buClrTx/>
+              <a:buSzTx/>
+              <a:buFontTx/>
+              <a:buNone/>
+              <a:tabLst/>
+              <a:defRPr/>
+            </a:pPr>
+            <a:endParaRPr kumimoji="0" lang="en-US" sz="1800" b="0" i="0" u="none" strike="noStrike" kern="1200" cap="none" spc="0" normalizeH="0" baseline="0" noProof="0">
+              <a:ln>
+                <a:noFill/>
+              </a:ln>
+              <a:solidFill>
+                <a:prstClr val="white"/>
+              </a:solidFill>
+              <a:effectLst/>
+              <a:uLnTx/>
+              <a:uFillTx/>
+              <a:latin typeface="Calibri" panose="020F0502020204030204"/>
+              <a:ea typeface="+mn-ea"/>
+              <a:cs typeface="+mn-cs"/>
+            </a:endParaRPr>
+          </a:p>
+        </p:txBody>
+      </p:sp>
+      <p:sp useBgFill="1">
+        <p:nvSpPr>
+          <p:cNvPr id="22" name="Rectangle 10">
+            <a:extLst>
+              <a:ext uri="{FF2B5EF4-FFF2-40B4-BE49-F238E27FC236}">
+                <a16:creationId xmlns:a16="http://schemas.microsoft.com/office/drawing/2014/main" id="{047BFA19-D45E-416B-A404-7AF2F3F27017}"/>
+              </a:ext>
+              <a:ext uri="{C183D7F6-B498-43B3-948B-1728B52AA6E4}">
+                <adec:decorative xmlns:adec="http://schemas.microsoft.com/office/drawing/2017/decorative" val="1"/>
+              </a:ext>
+            </a:extLst>
+          </p:cNvPr>
+          <p:cNvSpPr>
+            <a:spLocks noGrp="1" noRot="1" noChangeAspect="1" noMove="1" noResize="1" noEditPoints="1" noAdjustHandles="1" noChangeArrowheads="1" noChangeShapeType="1" noTextEdit="1"/>
+          </p:cNvSpPr>
+          <p:nvPr>
+            <p:extLst>
+              <p:ext uri="{386F3935-93C4-4BCD-93E2-E3B085C9AB24}">
+                <p16:designElem xmlns:p16="http://schemas.microsoft.com/office/powerpoint/2015/main" val="1"/>
+              </p:ext>
+            </p:extLst>
+          </p:nvPr>
+        </p:nvSpPr>
+        <p:spPr>
+          <a:xfrm>
+            <a:off x="558209" y="0"/>
+            <a:ext cx="11167447" cy="2018806"/>
+          </a:xfrm>
+          <a:prstGeom prst="rect">
+            <a:avLst/>
+          </a:prstGeom>
+          <a:ln w="9525">
+            <a:solidFill>
+              <a:srgbClr val="E1E1E1"/>
+            </a:solidFill>
+          </a:ln>
+          <a:effectLst>
+            <a:outerShdw blurRad="50800" dist="38100" dir="2700000" algn="tl" rotWithShape="0">
+              <a:schemeClr val="bg1">
+                <a:lumMod val="85000"/>
+                <a:alpha val="50000"/>
+              </a:schemeClr>
+            </a:outerShdw>
+          </a:effectLst>
+        </p:spPr>
+        <p:style>
+          <a:lnRef idx="2">
+            <a:schemeClr val="accent1">
+              <a:shade val="50000"/>
+            </a:schemeClr>
+          </a:lnRef>
+          <a:fillRef idx="1">
+            <a:schemeClr val="accent1"/>
+          </a:fillRef>
+          <a:effectRef idx="0">
+            <a:schemeClr val="accent1"/>
+          </a:effectRef>
+          <a:fontRef idx="minor">
+            <a:schemeClr val="lt1"/>
+          </a:fontRef>
+        </p:style>
+        <p:txBody>
+          <a:bodyPr rtlCol="0" anchor="ctr"/>
+          <a:lstStyle/>
+          <a:p>
+            <a:pPr marL="0" marR="0" lvl="0" indent="0" algn="ctr" defTabSz="914400" rtl="0" eaLnBrk="1" fontAlgn="auto" latinLnBrk="0" hangingPunct="1">
+              <a:lnSpc>
+                <a:spcPct val="100000"/>
+              </a:lnSpc>
+              <a:spcBef>
+                <a:spcPts val="0"/>
+              </a:spcBef>
+              <a:spcAft>
+                <a:spcPts val="0"/>
+              </a:spcAft>
+              <a:buClrTx/>
+              <a:buSzTx/>
+              <a:buFontTx/>
+              <a:buNone/>
+              <a:tabLst/>
+              <a:defRPr/>
+            </a:pPr>
+            <a:endParaRPr kumimoji="0" lang="en-US" sz="1800" b="0" i="0" u="none" strike="noStrike" kern="1200" cap="none" spc="0" normalizeH="0" baseline="0" noProof="0">
+              <a:ln>
+                <a:noFill/>
+              </a:ln>
+              <a:solidFill>
+                <a:prstClr val="white"/>
+              </a:solidFill>
+              <a:effectLst/>
+              <a:uLnTx/>
+              <a:uFillTx/>
+              <a:latin typeface="Calibri" panose="020F0502020204030204"/>
+              <a:ea typeface="+mn-ea"/>
+              <a:cs typeface="+mn-cs"/>
+            </a:endParaRPr>
+          </a:p>
+        </p:txBody>
+      </p:sp>
+      <p:sp useBgFill="1">
+        <p:nvSpPr>
+          <p:cNvPr id="23" name="Rectangle 12">
+            <a:extLst>
+              <a:ext uri="{FF2B5EF4-FFF2-40B4-BE49-F238E27FC236}">
+                <a16:creationId xmlns:a16="http://schemas.microsoft.com/office/drawing/2014/main" id="{8E0105E7-23DB-4CF2-8258-FF47C7620F6E}"/>
+              </a:ext>
+              <a:ext uri="{C183D7F6-B498-43B3-948B-1728B52AA6E4}">
+                <adec:decorative xmlns:adec="http://schemas.microsoft.com/office/drawing/2017/decorative" val="1"/>
+              </a:ext>
+            </a:extLst>
+          </p:cNvPr>
+          <p:cNvSpPr>
+            <a:spLocks noGrp="1" noRot="1" noChangeAspect="1" noMove="1" noResize="1" noEditPoints="1" noAdjustHandles="1" noChangeArrowheads="1" noChangeShapeType="1" noTextEdit="1"/>
+          </p:cNvSpPr>
+          <p:nvPr>
+            <p:extLst>
+              <p:ext uri="{386F3935-93C4-4BCD-93E2-E3B085C9AB24}">
+                <p16:designElem xmlns:p16="http://schemas.microsoft.com/office/powerpoint/2015/main" val="1"/>
+              </p:ext>
+            </p:extLst>
+          </p:nvPr>
+        </p:nvSpPr>
+        <p:spPr>
+          <a:xfrm>
+            <a:off x="566928" y="0"/>
+            <a:ext cx="11155680" cy="2011680"/>
+          </a:xfrm>
+          <a:prstGeom prst="rect">
+            <a:avLst/>
+          </a:prstGeom>
+          <a:ln w="9525">
+            <a:noFill/>
+          </a:ln>
+          <a:effectLst/>
+        </p:spPr>
+        <p:style>
+          <a:lnRef idx="2">
+            <a:schemeClr val="accent1">
+              <a:shade val="50000"/>
+            </a:schemeClr>
+          </a:lnRef>
+          <a:fillRef idx="1">
+            <a:schemeClr val="accent1"/>
+          </a:fillRef>
+          <a:effectRef idx="0">
+            <a:schemeClr val="accent1"/>
+          </a:effectRef>
+          <a:fontRef idx="minor">
+            <a:schemeClr val="lt1"/>
+          </a:fontRef>
+        </p:style>
+        <p:txBody>
+          <a:bodyPr rtlCol="0" anchor="ctr"/>
+          <a:lstStyle/>
+          <a:p>
+            <a:pPr marL="0" marR="0" lvl="0" indent="0" algn="ctr" defTabSz="914400" rtl="0" eaLnBrk="1" fontAlgn="auto" latinLnBrk="0" hangingPunct="1">
+              <a:lnSpc>
+                <a:spcPct val="100000"/>
+              </a:lnSpc>
+              <a:spcBef>
+                <a:spcPts val="0"/>
+              </a:spcBef>
+              <a:spcAft>
+                <a:spcPts val="0"/>
+              </a:spcAft>
+              <a:buClrTx/>
+              <a:buSzTx/>
+              <a:buFontTx/>
+              <a:buNone/>
+              <a:tabLst/>
+              <a:defRPr/>
+            </a:pPr>
+            <a:endParaRPr kumimoji="0" lang="en-US" sz="1800" b="0" i="0" u="none" strike="noStrike" kern="1200" cap="none" spc="0" normalizeH="0" baseline="0" noProof="0">
+              <a:ln>
+                <a:noFill/>
+              </a:ln>
+              <a:solidFill>
+                <a:prstClr val="white"/>
+              </a:solidFill>
+              <a:effectLst/>
+              <a:uLnTx/>
+              <a:uFillTx/>
+              <a:latin typeface="Calibri" panose="020F0502020204030204"/>
+              <a:ea typeface="+mn-ea"/>
+              <a:cs typeface="+mn-cs"/>
+            </a:endParaRPr>
+          </a:p>
+        </p:txBody>
+      </p:sp>
+      <p:sp>
+        <p:nvSpPr>
+          <p:cNvPr id="2" name="Titel 1">
+            <a:extLst>
+              <a:ext uri="{FF2B5EF4-FFF2-40B4-BE49-F238E27FC236}">
+                <a16:creationId xmlns:a16="http://schemas.microsoft.com/office/drawing/2014/main" id="{4CEE9278-5D8D-4F29-8492-6D98260484EA}"/>
+              </a:ext>
+            </a:extLst>
+          </p:cNvPr>
+          <p:cNvSpPr>
+            <a:spLocks noGrp="1"/>
+          </p:cNvSpPr>
+          <p:nvPr>
+            <p:ph type="title"/>
+          </p:nvPr>
+        </p:nvSpPr>
+        <p:spPr>
+          <a:xfrm>
+            <a:off x="1115568" y="548640"/>
+            <a:ext cx="8616195" cy="1179576"/>
+          </a:xfrm>
+        </p:spPr>
+        <p:txBody>
+          <a:bodyPr>
+            <a:normAutofit/>
+          </a:bodyPr>
+          <a:lstStyle/>
+          <a:p>
+            <a:r>
+              <a:rPr lang="de-DE" sz="4000" dirty="0" err="1"/>
+              <a:t>PowerApps</a:t>
+            </a:r>
+            <a:endParaRPr lang="de-DE" sz="4000" dirty="0"/>
+          </a:p>
+        </p:txBody>
+      </p:sp>
+      <p:sp>
+        <p:nvSpPr>
+          <p:cNvPr id="24" name="Rectangle 14">
+            <a:extLst>
+              <a:ext uri="{FF2B5EF4-FFF2-40B4-BE49-F238E27FC236}">
+                <a16:creationId xmlns:a16="http://schemas.microsoft.com/office/drawing/2014/main" id="{074B4F7D-14B2-478B-8BF5-01E4E0C5D263}"/>
+              </a:ext>
+              <a:ext uri="{C183D7F6-B498-43B3-948B-1728B52AA6E4}">
+                <adec:decorative xmlns:adec="http://schemas.microsoft.com/office/drawing/2017/decorative" val="1"/>
+              </a:ext>
+            </a:extLst>
+          </p:cNvPr>
+          <p:cNvSpPr>
+            <a:spLocks noGrp="1" noRot="1" noChangeAspect="1" noMove="1" noResize="1" noEditPoints="1" noAdjustHandles="1" noChangeArrowheads="1" noChangeShapeType="1" noTextEdit="1"/>
+          </p:cNvSpPr>
+          <p:nvPr>
+            <p:extLst>
+              <p:ext uri="{386F3935-93C4-4BCD-93E2-E3B085C9AB24}">
+                <p16:designElem xmlns:p16="http://schemas.microsoft.com/office/powerpoint/2015/main" val="1"/>
+              </p:ext>
+            </p:extLst>
+          </p:nvPr>
+        </p:nvSpPr>
+        <p:spPr>
+          <a:xfrm>
+            <a:off x="498834" y="758952"/>
+            <a:ext cx="128016" cy="704088"/>
+          </a:xfrm>
+          <a:prstGeom prst="rect">
+            <a:avLst/>
+          </a:prstGeom>
+          <a:solidFill>
+            <a:schemeClr val="accent2"/>
+          </a:solidFill>
+          <a:ln>
+            <a:noFill/>
+          </a:ln>
+        </p:spPr>
+        <p:style>
+          <a:lnRef idx="2">
+            <a:schemeClr val="accent1">
+              <a:shade val="50000"/>
+            </a:schemeClr>
+          </a:lnRef>
+          <a:fillRef idx="1">
+            <a:schemeClr val="accent1"/>
+          </a:fillRef>
+          <a:effectRef idx="0">
+            <a:schemeClr val="accent1"/>
+          </a:effectRef>
+          <a:fontRef idx="minor">
+            <a:schemeClr val="lt1"/>
+          </a:fontRef>
+        </p:style>
+        <p:txBody>
+          <a:bodyPr rtlCol="0" anchor="ctr"/>
+          <a:lstStyle/>
+          <a:p>
+            <a:pPr marL="0" marR="0" lvl="0" indent="0" algn="ctr" defTabSz="914400" rtl="0" eaLnBrk="1" fontAlgn="auto" latinLnBrk="0" hangingPunct="1">
+              <a:lnSpc>
+                <a:spcPct val="100000"/>
+              </a:lnSpc>
+              <a:spcBef>
+                <a:spcPts val="0"/>
+              </a:spcBef>
+              <a:spcAft>
+                <a:spcPts val="0"/>
+              </a:spcAft>
+              <a:buClrTx/>
+              <a:buSzTx/>
+              <a:buFontTx/>
+              <a:buNone/>
+              <a:tabLst/>
+              <a:defRPr/>
+            </a:pPr>
+            <a:endParaRPr kumimoji="0" lang="en-US" sz="1800" b="0" i="0" u="none" strike="noStrike" kern="1200" cap="none" spc="0" normalizeH="0" baseline="0" noProof="0">
+              <a:ln>
+                <a:noFill/>
+              </a:ln>
+              <a:solidFill>
+                <a:prstClr val="white"/>
+              </a:solidFill>
+              <a:effectLst/>
+              <a:uLnTx/>
+              <a:uFillTx/>
+              <a:latin typeface="Calibri" panose="020F0502020204030204"/>
+              <a:ea typeface="+mn-ea"/>
+              <a:cs typeface="+mn-cs"/>
+            </a:endParaRPr>
+          </a:p>
+        </p:txBody>
+      </p:sp>
+      <p:pic>
+        <p:nvPicPr>
+          <p:cNvPr id="4" name="Inhaltsplatzhalter 4">
+            <a:extLst>
+              <a:ext uri="{FF2B5EF4-FFF2-40B4-BE49-F238E27FC236}">
+                <a16:creationId xmlns:a16="http://schemas.microsoft.com/office/drawing/2014/main" id="{194C12C9-2F45-423B-9832-6ED35CE6F8E6}"/>
+              </a:ext>
+            </a:extLst>
+          </p:cNvPr>
+          <p:cNvPicPr>
+            <a:picLocks noChangeAspect="1"/>
+          </p:cNvPicPr>
+          <p:nvPr/>
+        </p:nvPicPr>
+        <p:blipFill>
+          <a:blip r:embed="rId2">
+            <a:extLst>
+              <a:ext uri="{28A0092B-C50C-407E-A947-70E740481C1C}">
+                <a14:useLocalDpi xmlns:a14="http://schemas.microsoft.com/office/drawing/2010/main" val="0"/>
+              </a:ext>
+            </a:extLst>
+          </a:blip>
+          <a:stretch>
+            <a:fillRect/>
+          </a:stretch>
+        </p:blipFill>
+        <p:spPr>
+          <a:xfrm>
+            <a:off x="9994016" y="548640"/>
+            <a:ext cx="1466339" cy="1101459"/>
+          </a:xfrm>
+          <a:prstGeom prst="rect">
+            <a:avLst/>
+          </a:prstGeom>
+        </p:spPr>
+      </p:pic>
+      <p:sp>
+        <p:nvSpPr>
+          <p:cNvPr id="5" name="Datumsplatzhalter 4">
+            <a:extLst>
+              <a:ext uri="{FF2B5EF4-FFF2-40B4-BE49-F238E27FC236}">
+                <a16:creationId xmlns:a16="http://schemas.microsoft.com/office/drawing/2014/main" id="{F802B72D-D684-4DEB-8043-8862A3AA1E28}"/>
+              </a:ext>
+            </a:extLst>
+          </p:cNvPr>
+          <p:cNvSpPr>
+            <a:spLocks noGrp="1"/>
+          </p:cNvSpPr>
+          <p:nvPr>
+            <p:ph type="dt" sz="half" idx="10"/>
+          </p:nvPr>
+        </p:nvSpPr>
+        <p:spPr/>
+        <p:txBody>
+          <a:bodyPr/>
+          <a:lstStyle/>
+          <a:p>
+            <a:fld id="{11396D20-808E-4166-AFE6-6D7792F4544F}" type="datetime1">
+              <a:rPr lang="de-DE" smtClean="0"/>
+              <a:t>11.01.2022</a:t>
+            </a:fld>
+            <a:endParaRPr lang="de-DE"/>
+          </a:p>
+        </p:txBody>
+      </p:sp>
+      <p:sp>
+        <p:nvSpPr>
+          <p:cNvPr id="6" name="Fußzeilenplatzhalter 5">
+            <a:extLst>
+              <a:ext uri="{FF2B5EF4-FFF2-40B4-BE49-F238E27FC236}">
+                <a16:creationId xmlns:a16="http://schemas.microsoft.com/office/drawing/2014/main" id="{89BDC108-3A4A-45C1-AD98-03D56CB8FC99}"/>
+              </a:ext>
+            </a:extLst>
+          </p:cNvPr>
+          <p:cNvSpPr>
+            <a:spLocks noGrp="1"/>
+          </p:cNvSpPr>
+          <p:nvPr>
+            <p:ph type="ftr" sz="quarter" idx="11"/>
+          </p:nvPr>
+        </p:nvSpPr>
+        <p:spPr/>
+        <p:txBody>
+          <a:bodyPr/>
+          <a:lstStyle/>
+          <a:p>
+            <a:r>
+              <a:rPr lang="de-DE"/>
+              <a:t>https://powerapps.microsoft.com/de-de/build-powerapps/</a:t>
+            </a:r>
+          </a:p>
+        </p:txBody>
+      </p:sp>
+      <p:pic>
+        <p:nvPicPr>
+          <p:cNvPr id="2050" name="Picture 2" descr="Maßgeschneiderte Anwendungen entwickeln">
+            <a:extLst>
+              <a:ext uri="{FF2B5EF4-FFF2-40B4-BE49-F238E27FC236}">
+                <a16:creationId xmlns:a16="http://schemas.microsoft.com/office/drawing/2014/main" id="{C75077EB-7C13-4E76-8DB9-8A29BAFCE866}"/>
+              </a:ext>
+            </a:extLst>
+          </p:cNvPr>
+          <p:cNvPicPr>
+            <a:picLocks noChangeAspect="1" noChangeArrowheads="1"/>
+          </p:cNvPicPr>
+          <p:nvPr/>
+        </p:nvPicPr>
+        <p:blipFill>
+          <a:blip r:embed="rId3">
+            <a:extLst>
+              <a:ext uri="{28A0092B-C50C-407E-A947-70E740481C1C}">
+                <a14:useLocalDpi xmlns:a14="http://schemas.microsoft.com/office/drawing/2010/main" val="0"/>
+              </a:ext>
+            </a:extLst>
+          </a:blip>
+          <a:srcRect/>
+          <a:stretch>
+            <a:fillRect/>
+          </a:stretch>
+        </p:blipFill>
+        <p:spPr bwMode="auto">
+          <a:xfrm>
+            <a:off x="2747276" y="2072782"/>
+            <a:ext cx="6789312" cy="4236578"/>
+          </a:xfrm>
+          <a:prstGeom prst="rect">
+            <a:avLst/>
+          </a:prstGeom>
+          <a:noFill/>
+          <a:extLst>
+            <a:ext uri="{909E8E84-426E-40DD-AFC4-6F175D3DCCD1}">
+              <a14:hiddenFill xmlns:a14="http://schemas.microsoft.com/office/drawing/2010/main">
+                <a:solidFill>
+                  <a:srgbClr val="FFFFFF"/>
+                </a:solidFill>
+              </a14:hiddenFill>
+            </a:ext>
+          </a:extLst>
+        </p:spPr>
+      </p:pic>
+    </p:spTree>
+    <p:extLst>
+      <p:ext uri="{BB962C8B-B14F-4D97-AF65-F5344CB8AC3E}">
+        <p14:creationId xmlns:p14="http://schemas.microsoft.com/office/powerpoint/2010/main" val="2054856273"/>
+      </p:ext>
+    </p:extLst>
+  </p:cSld>
+  <p:clrMapOvr>
+    <a:masterClrMapping/>
+  </p:clrMapOvr>
+</p:sld>
+</file>
+
+<file path=ppt/slides/slide9.xml><?xml version="1.0" encoding="utf-8"?>
+<p:sld xmlns:a="http://schemas.openxmlformats.org/drawingml/2006/main" xmlns:r="http://schemas.openxmlformats.org/officeDocument/2006/relationships" xmlns:p="http://schemas.openxmlformats.org/presentationml/2006/main">
+  <p:cSld>
+    <p:bg>
+      <p:bgPr>
+        <a:solidFill>
+          <a:schemeClr val="bg1"/>
+        </a:solidFill>
+        <a:effectLst/>
+      </p:bgPr>
+    </p:bg>
+    <p:spTree>
+      <p:nvGrpSpPr>
+        <p:cNvPr id="1" name=""/>
+        <p:cNvGrpSpPr/>
+        <p:nvPr/>
+      </p:nvGrpSpPr>
+      <p:grpSpPr>
+        <a:xfrm>
+          <a:off x="0" y="0"/>
+          <a:ext cx="0" cy="0"/>
+          <a:chOff x="0" y="0"/>
+          <a:chExt cx="0" cy="0"/>
+        </a:xfrm>
+      </p:grpSpPr>
+      <p:sp useBgFill="1">
+        <p:nvSpPr>
+          <p:cNvPr id="21" name="Rectangle 8">
+            <a:extLst>
+              <a:ext uri="{FF2B5EF4-FFF2-40B4-BE49-F238E27FC236}">
+                <a16:creationId xmlns:a16="http://schemas.microsoft.com/office/drawing/2014/main" id="{DAF1966E-FD40-4A4A-B61B-C4DF7FA05F06}"/>
+              </a:ext>
+              <a:ext uri="{C183D7F6-B498-43B3-948B-1728B52AA6E4}">
+                <adec:decorative xmlns:adec="http://schemas.microsoft.com/office/drawing/2017/decorative" val="1"/>
+              </a:ext>
+            </a:extLst>
+          </p:cNvPr>
+          <p:cNvSpPr>
+            <a:spLocks noGrp="1" noRot="1" noChangeAspect="1" noMove="1" noResize="1" noEditPoints="1" noAdjustHandles="1" noChangeArrowheads="1" noChangeShapeType="1" noTextEdit="1"/>
+          </p:cNvSpPr>
+          <p:nvPr>
+            <p:extLst>
+              <p:ext uri="{386F3935-93C4-4BCD-93E2-E3B085C9AB24}">
+                <p16:designElem xmlns:p16="http://schemas.microsoft.com/office/powerpoint/2015/main" val="1"/>
+              </p:ext>
+            </p:extLst>
+          </p:nvPr>
+        </p:nvSpPr>
+        <p:spPr>
+          <a:xfrm>
+            <a:off x="0" y="0"/>
+            <a:ext cx="12192000" cy="6858000"/>
+          </a:xfrm>
+          <a:prstGeom prst="rect">
+            <a:avLst/>
+          </a:prstGeom>
+          <a:ln>
+            <a:noFill/>
+          </a:ln>
+        </p:spPr>
+        <p:style>
+          <a:lnRef idx="2">
+            <a:schemeClr val="accent1">
+              <a:shade val="50000"/>
+            </a:schemeClr>
+          </a:lnRef>
+          <a:fillRef idx="1">
+            <a:schemeClr val="accent1"/>
+          </a:fillRef>
+          <a:effectRef idx="0">
+            <a:schemeClr val="accent1"/>
+          </a:effectRef>
+          <a:fontRef idx="minor">
+            <a:schemeClr val="lt1"/>
+          </a:fontRef>
+        </p:style>
+        <p:txBody>
+          <a:bodyPr rtlCol="0" anchor="ctr"/>
+          <a:lstStyle/>
+          <a:p>
+            <a:pPr marL="0" marR="0" lvl="0" indent="0" algn="ctr" defTabSz="914400" rtl="0" eaLnBrk="1" fontAlgn="auto" latinLnBrk="0" hangingPunct="1">
+              <a:lnSpc>
+                <a:spcPct val="100000"/>
+              </a:lnSpc>
+              <a:spcBef>
+                <a:spcPts val="0"/>
+              </a:spcBef>
+              <a:spcAft>
+                <a:spcPts val="0"/>
+              </a:spcAft>
+              <a:buClrTx/>
+              <a:buSzTx/>
+              <a:buFontTx/>
+              <a:buNone/>
+              <a:tabLst/>
+              <a:defRPr/>
+            </a:pPr>
+            <a:endParaRPr kumimoji="0" lang="en-US" sz="1800" b="0" i="0" u="none" strike="noStrike" kern="1200" cap="none" spc="0" normalizeH="0" baseline="0" noProof="0">
+              <a:ln>
+                <a:noFill/>
+              </a:ln>
+              <a:solidFill>
+                <a:prstClr val="white"/>
+              </a:solidFill>
+              <a:effectLst/>
+              <a:uLnTx/>
+              <a:uFillTx/>
+              <a:latin typeface="Calibri" panose="020F0502020204030204"/>
+              <a:ea typeface="+mn-ea"/>
+              <a:cs typeface="+mn-cs"/>
+            </a:endParaRPr>
+          </a:p>
+        </p:txBody>
+      </p:sp>
+      <p:sp useBgFill="1">
+        <p:nvSpPr>
+          <p:cNvPr id="22" name="Rectangle 10">
+            <a:extLst>
+              <a:ext uri="{FF2B5EF4-FFF2-40B4-BE49-F238E27FC236}">
+                <a16:creationId xmlns:a16="http://schemas.microsoft.com/office/drawing/2014/main" id="{047BFA19-D45E-416B-A404-7AF2F3F27017}"/>
+              </a:ext>
+              <a:ext uri="{C183D7F6-B498-43B3-948B-1728B52AA6E4}">
+                <adec:decorative xmlns:adec="http://schemas.microsoft.com/office/drawing/2017/decorative" val="1"/>
+              </a:ext>
+            </a:extLst>
+          </p:cNvPr>
+          <p:cNvSpPr>
+            <a:spLocks noGrp="1" noRot="1" noChangeAspect="1" noMove="1" noResize="1" noEditPoints="1" noAdjustHandles="1" noChangeArrowheads="1" noChangeShapeType="1" noTextEdit="1"/>
+          </p:cNvSpPr>
+          <p:nvPr>
+            <p:extLst>
+              <p:ext uri="{386F3935-93C4-4BCD-93E2-E3B085C9AB24}">
+                <p16:designElem xmlns:p16="http://schemas.microsoft.com/office/powerpoint/2015/main" val="1"/>
+              </p:ext>
+            </p:extLst>
+          </p:nvPr>
+        </p:nvSpPr>
+        <p:spPr>
+          <a:xfrm>
+            <a:off x="558209" y="0"/>
+            <a:ext cx="11167447" cy="2018806"/>
+          </a:xfrm>
+          <a:prstGeom prst="rect">
+            <a:avLst/>
+          </a:prstGeom>
+          <a:ln w="9525">
+            <a:solidFill>
+              <a:srgbClr val="E1E1E1"/>
+            </a:solidFill>
+          </a:ln>
+          <a:effectLst>
+            <a:outerShdw blurRad="50800" dist="38100" dir="2700000" algn="tl" rotWithShape="0">
+              <a:schemeClr val="bg1">
+                <a:lumMod val="85000"/>
+                <a:alpha val="50000"/>
+              </a:schemeClr>
+            </a:outerShdw>
+          </a:effectLst>
+        </p:spPr>
+        <p:style>
+          <a:lnRef idx="2">
+            <a:schemeClr val="accent1">
+              <a:shade val="50000"/>
+            </a:schemeClr>
+          </a:lnRef>
+          <a:fillRef idx="1">
+            <a:schemeClr val="accent1"/>
+          </a:fillRef>
+          <a:effectRef idx="0">
+            <a:schemeClr val="accent1"/>
+          </a:effectRef>
+          <a:fontRef idx="minor">
+            <a:schemeClr val="lt1"/>
+          </a:fontRef>
+        </p:style>
+        <p:txBody>
+          <a:bodyPr rtlCol="0" anchor="ctr"/>
+          <a:lstStyle/>
+          <a:p>
+            <a:pPr marL="0" marR="0" lvl="0" indent="0" algn="ctr" defTabSz="914400" rtl="0" eaLnBrk="1" fontAlgn="auto" latinLnBrk="0" hangingPunct="1">
+              <a:lnSpc>
+                <a:spcPct val="100000"/>
+              </a:lnSpc>
+              <a:spcBef>
+                <a:spcPts val="0"/>
+              </a:spcBef>
+              <a:spcAft>
+                <a:spcPts val="0"/>
+              </a:spcAft>
+              <a:buClrTx/>
+              <a:buSzTx/>
+              <a:buFontTx/>
+              <a:buNone/>
+              <a:tabLst/>
+              <a:defRPr/>
+            </a:pPr>
+            <a:endParaRPr kumimoji="0" lang="en-US" sz="1800" b="0" i="0" u="none" strike="noStrike" kern="1200" cap="none" spc="0" normalizeH="0" baseline="0" noProof="0">
+              <a:ln>
+                <a:noFill/>
+              </a:ln>
+              <a:solidFill>
+                <a:prstClr val="white"/>
+              </a:solidFill>
+              <a:effectLst/>
+              <a:uLnTx/>
+              <a:uFillTx/>
+              <a:latin typeface="Calibri" panose="020F0502020204030204"/>
+              <a:ea typeface="+mn-ea"/>
+              <a:cs typeface="+mn-cs"/>
+            </a:endParaRPr>
+          </a:p>
+        </p:txBody>
+      </p:sp>
+      <p:sp useBgFill="1">
+        <p:nvSpPr>
+          <p:cNvPr id="23" name="Rectangle 12">
+            <a:extLst>
+              <a:ext uri="{FF2B5EF4-FFF2-40B4-BE49-F238E27FC236}">
+                <a16:creationId xmlns:a16="http://schemas.microsoft.com/office/drawing/2014/main" id="{8E0105E7-23DB-4CF2-8258-FF47C7620F6E}"/>
+              </a:ext>
+              <a:ext uri="{C183D7F6-B498-43B3-948B-1728B52AA6E4}">
+                <adec:decorative xmlns:adec="http://schemas.microsoft.com/office/drawing/2017/decorative" val="1"/>
+              </a:ext>
+            </a:extLst>
+          </p:cNvPr>
+          <p:cNvSpPr>
+            <a:spLocks noGrp="1" noRot="1" noChangeAspect="1" noMove="1" noResize="1" noEditPoints="1" noAdjustHandles="1" noChangeArrowheads="1" noChangeShapeType="1" noTextEdit="1"/>
+          </p:cNvSpPr>
+          <p:nvPr>
+            <p:extLst>
+              <p:ext uri="{386F3935-93C4-4BCD-93E2-E3B085C9AB24}">
+                <p16:designElem xmlns:p16="http://schemas.microsoft.com/office/powerpoint/2015/main" val="1"/>
+              </p:ext>
+            </p:extLst>
+          </p:nvPr>
+        </p:nvSpPr>
+        <p:spPr>
+          <a:xfrm>
+            <a:off x="566928" y="0"/>
+            <a:ext cx="11155680" cy="2011680"/>
+          </a:xfrm>
+          <a:prstGeom prst="rect">
+            <a:avLst/>
+          </a:prstGeom>
+          <a:ln w="9525">
+            <a:noFill/>
+          </a:ln>
+          <a:effectLst/>
+        </p:spPr>
+        <p:style>
+          <a:lnRef idx="2">
+            <a:schemeClr val="accent1">
+              <a:shade val="50000"/>
+            </a:schemeClr>
+          </a:lnRef>
+          <a:fillRef idx="1">
+            <a:schemeClr val="accent1"/>
+          </a:fillRef>
+          <a:effectRef idx="0">
+            <a:schemeClr val="accent1"/>
+          </a:effectRef>
+          <a:fontRef idx="minor">
+            <a:schemeClr val="lt1"/>
+          </a:fontRef>
+        </p:style>
+        <p:txBody>
+          <a:bodyPr rtlCol="0" anchor="ctr"/>
+          <a:lstStyle/>
+          <a:p>
+            <a:pPr marL="0" marR="0" lvl="0" indent="0" algn="ctr" defTabSz="914400" rtl="0" eaLnBrk="1" fontAlgn="auto" latinLnBrk="0" hangingPunct="1">
+              <a:lnSpc>
+                <a:spcPct val="100000"/>
+              </a:lnSpc>
+              <a:spcBef>
+                <a:spcPts val="0"/>
+              </a:spcBef>
+              <a:spcAft>
+                <a:spcPts val="0"/>
+              </a:spcAft>
+              <a:buClrTx/>
+              <a:buSzTx/>
+              <a:buFontTx/>
+              <a:buNone/>
+              <a:tabLst/>
+              <a:defRPr/>
+            </a:pPr>
+            <a:endParaRPr kumimoji="0" lang="en-US" sz="1800" b="0" i="0" u="none" strike="noStrike" kern="1200" cap="none" spc="0" normalizeH="0" baseline="0" noProof="0">
+              <a:ln>
+                <a:noFill/>
+              </a:ln>
+              <a:solidFill>
+                <a:prstClr val="white"/>
+              </a:solidFill>
+              <a:effectLst/>
+              <a:uLnTx/>
+              <a:uFillTx/>
+              <a:latin typeface="Calibri" panose="020F0502020204030204"/>
+              <a:ea typeface="+mn-ea"/>
+              <a:cs typeface="+mn-cs"/>
+            </a:endParaRPr>
+          </a:p>
+        </p:txBody>
+      </p:sp>
+      <p:sp>
+        <p:nvSpPr>
+          <p:cNvPr id="2" name="Titel 1">
+            <a:extLst>
+              <a:ext uri="{FF2B5EF4-FFF2-40B4-BE49-F238E27FC236}">
+                <a16:creationId xmlns:a16="http://schemas.microsoft.com/office/drawing/2014/main" id="{4CEE9278-5D8D-4F29-8492-6D98260484EA}"/>
+              </a:ext>
+            </a:extLst>
+          </p:cNvPr>
+          <p:cNvSpPr>
+            <a:spLocks noGrp="1"/>
+          </p:cNvSpPr>
+          <p:nvPr>
+            <p:ph type="title"/>
+          </p:nvPr>
+        </p:nvSpPr>
+        <p:spPr>
+          <a:xfrm>
+            <a:off x="1115568" y="548640"/>
+            <a:ext cx="8616195" cy="1179576"/>
+          </a:xfrm>
+        </p:spPr>
+        <p:txBody>
+          <a:bodyPr>
+            <a:normAutofit/>
+          </a:bodyPr>
+          <a:lstStyle/>
+          <a:p>
+            <a:r>
+              <a:rPr lang="de-DE" sz="4000" dirty="0"/>
+              <a:t>Azure Face API</a:t>
+            </a:r>
+          </a:p>
+        </p:txBody>
+      </p:sp>
+      <p:sp>
+        <p:nvSpPr>
+          <p:cNvPr id="24" name="Rectangle 14">
+            <a:extLst>
+              <a:ext uri="{FF2B5EF4-FFF2-40B4-BE49-F238E27FC236}">
+                <a16:creationId xmlns:a16="http://schemas.microsoft.com/office/drawing/2014/main" id="{074B4F7D-14B2-478B-8BF5-01E4E0C5D263}"/>
+              </a:ext>
+              <a:ext uri="{C183D7F6-B498-43B3-948B-1728B52AA6E4}">
+                <adec:decorative xmlns:adec="http://schemas.microsoft.com/office/drawing/2017/decorative" val="1"/>
+              </a:ext>
+            </a:extLst>
+          </p:cNvPr>
+          <p:cNvSpPr>
+            <a:spLocks noGrp="1" noRot="1" noChangeAspect="1" noMove="1" noResize="1" noEditPoints="1" noAdjustHandles="1" noChangeArrowheads="1" noChangeShapeType="1" noTextEdit="1"/>
+          </p:cNvSpPr>
+          <p:nvPr>
+            <p:extLst>
+              <p:ext uri="{386F3935-93C4-4BCD-93E2-E3B085C9AB24}">
+                <p16:designElem xmlns:p16="http://schemas.microsoft.com/office/powerpoint/2015/main" val="1"/>
+              </p:ext>
+            </p:extLst>
+          </p:nvPr>
+        </p:nvSpPr>
+        <p:spPr>
+          <a:xfrm>
+            <a:off x="498834" y="758952"/>
+            <a:ext cx="128016" cy="704088"/>
+          </a:xfrm>
+          <a:prstGeom prst="rect">
+            <a:avLst/>
+          </a:prstGeom>
+          <a:solidFill>
+            <a:schemeClr val="accent2"/>
+          </a:solidFill>
+          <a:ln>
+            <a:noFill/>
+          </a:ln>
+        </p:spPr>
+        <p:style>
+          <a:lnRef idx="2">
+            <a:schemeClr val="accent1">
+              <a:shade val="50000"/>
+            </a:schemeClr>
+          </a:lnRef>
+          <a:fillRef idx="1">
+            <a:schemeClr val="accent1"/>
+          </a:fillRef>
+          <a:effectRef idx="0">
+            <a:schemeClr val="accent1"/>
+          </a:effectRef>
+          <a:fontRef idx="minor">
+            <a:schemeClr val="lt1"/>
+          </a:fontRef>
+        </p:style>
+        <p:txBody>
+          <a:bodyPr rtlCol="0" anchor="ctr"/>
+          <a:lstStyle/>
+          <a:p>
+            <a:pPr marL="0" marR="0" lvl="0" indent="0" algn="ctr" defTabSz="914400" rtl="0" eaLnBrk="1" fontAlgn="auto" latinLnBrk="0" hangingPunct="1">
+              <a:lnSpc>
+                <a:spcPct val="100000"/>
+              </a:lnSpc>
+              <a:spcBef>
+                <a:spcPts val="0"/>
+              </a:spcBef>
+              <a:spcAft>
+                <a:spcPts val="0"/>
+              </a:spcAft>
+              <a:buClrTx/>
+              <a:buSzTx/>
+              <a:buFontTx/>
+              <a:buNone/>
+              <a:tabLst/>
+              <a:defRPr/>
+            </a:pPr>
+            <a:endParaRPr kumimoji="0" lang="en-US" sz="1800" b="0" i="0" u="none" strike="noStrike" kern="1200" cap="none" spc="0" normalizeH="0" baseline="0" noProof="0">
+              <a:ln>
+                <a:noFill/>
+              </a:ln>
+              <a:solidFill>
+                <a:prstClr val="white"/>
+              </a:solidFill>
+              <a:effectLst/>
+              <a:uLnTx/>
+              <a:uFillTx/>
+              <a:latin typeface="Calibri" panose="020F0502020204030204"/>
+              <a:ea typeface="+mn-ea"/>
+              <a:cs typeface="+mn-cs"/>
+            </a:endParaRPr>
+          </a:p>
+        </p:txBody>
+      </p:sp>
+      <p:sp>
+        <p:nvSpPr>
+          <p:cNvPr id="3" name="Inhaltsplatzhalter 2">
+            <a:extLst>
+              <a:ext uri="{FF2B5EF4-FFF2-40B4-BE49-F238E27FC236}">
+                <a16:creationId xmlns:a16="http://schemas.microsoft.com/office/drawing/2014/main" id="{E3CE2A5A-3C8B-41A1-AC8F-8A5EA5BBC30C}"/>
+              </a:ext>
+            </a:extLst>
+          </p:cNvPr>
+          <p:cNvSpPr>
+            <a:spLocks noGrp="1"/>
+          </p:cNvSpPr>
+          <p:nvPr>
+            <p:ph idx="1"/>
+          </p:nvPr>
+        </p:nvSpPr>
+        <p:spPr>
+          <a:xfrm>
+            <a:off x="1115568" y="2481943"/>
+            <a:ext cx="10168128" cy="3695020"/>
+          </a:xfrm>
+        </p:spPr>
+        <p:txBody>
+          <a:bodyPr>
+            <a:normAutofit/>
+          </a:bodyPr>
+          <a:lstStyle/>
+          <a:p>
+            <a:pPr>
+              <a:lnSpc>
+                <a:spcPct val="150000"/>
+              </a:lnSpc>
+            </a:pPr>
+            <a:r>
+              <a:rPr lang="de-DE" sz="2200" i="1" dirty="0"/>
+              <a:t>„Der Azure-Gesichtserkennungsdienst verfügt über KI-Algorithmen zum Ermitteln, Erkennen und Analysieren menschlicher Gesichter in Bildern.“</a:t>
+            </a:r>
+          </a:p>
+          <a:p>
+            <a:pPr>
+              <a:lnSpc>
+                <a:spcPct val="150000"/>
+              </a:lnSpc>
+            </a:pPr>
+            <a:r>
+              <a:rPr lang="de-DE" sz="2200" dirty="0"/>
+              <a:t>Nicht Open-Source, daher sind keine Details über das Backend bekannt</a:t>
+            </a:r>
+          </a:p>
+          <a:p>
+            <a:pPr>
+              <a:lnSpc>
+                <a:spcPct val="150000"/>
+              </a:lnSpc>
+            </a:pPr>
+            <a:r>
+              <a:rPr lang="de-DE" sz="2200" dirty="0"/>
+              <a:t>Integrierbar in </a:t>
+            </a:r>
+            <a:r>
+              <a:rPr lang="de-DE" sz="2200" dirty="0" err="1"/>
+              <a:t>PowerApps</a:t>
+            </a:r>
+            <a:r>
+              <a:rPr lang="de-DE" sz="2200" dirty="0"/>
+              <a:t> mit Schnittstelle</a:t>
+            </a:r>
+          </a:p>
+          <a:p>
+            <a:pPr>
+              <a:lnSpc>
+                <a:spcPct val="150000"/>
+              </a:lnSpc>
+            </a:pPr>
+            <a:r>
+              <a:rPr lang="de-DE" sz="2200" dirty="0"/>
+              <a:t>Ermöglicht viele Analyse-Optionen (z.B. Alter, Emotionen, Geschlecht, Kopfhaltung, …)</a:t>
+            </a:r>
+          </a:p>
+        </p:txBody>
+      </p:sp>
+      <p:pic>
+        <p:nvPicPr>
+          <p:cNvPr id="4" name="Inhaltsplatzhalter 4">
+            <a:extLst>
+              <a:ext uri="{FF2B5EF4-FFF2-40B4-BE49-F238E27FC236}">
+                <a16:creationId xmlns:a16="http://schemas.microsoft.com/office/drawing/2014/main" id="{194C12C9-2F45-423B-9832-6ED35CE6F8E6}"/>
+              </a:ext>
+            </a:extLst>
+          </p:cNvPr>
+          <p:cNvPicPr>
+            <a:picLocks noChangeAspect="1"/>
+          </p:cNvPicPr>
+          <p:nvPr/>
+        </p:nvPicPr>
+        <p:blipFill>
+          <a:blip r:embed="rId2">
+            <a:extLst>
+              <a:ext uri="{28A0092B-C50C-407E-A947-70E740481C1C}">
+                <a14:useLocalDpi xmlns:a14="http://schemas.microsoft.com/office/drawing/2010/main" val="0"/>
+              </a:ext>
+            </a:extLst>
+          </a:blip>
+          <a:stretch>
+            <a:fillRect/>
+          </a:stretch>
+        </p:blipFill>
+        <p:spPr>
+          <a:xfrm>
+            <a:off x="9994016" y="548640"/>
+            <a:ext cx="1466339" cy="1101459"/>
+          </a:xfrm>
+          <a:prstGeom prst="rect">
+            <a:avLst/>
+          </a:prstGeom>
+        </p:spPr>
+      </p:pic>
+      <p:sp>
+        <p:nvSpPr>
+          <p:cNvPr id="5" name="Datumsplatzhalter 4">
+            <a:extLst>
+              <a:ext uri="{FF2B5EF4-FFF2-40B4-BE49-F238E27FC236}">
+                <a16:creationId xmlns:a16="http://schemas.microsoft.com/office/drawing/2014/main" id="{2570A846-0D3E-46E9-A823-115673DA4F4C}"/>
+              </a:ext>
+            </a:extLst>
+          </p:cNvPr>
+          <p:cNvSpPr>
+            <a:spLocks noGrp="1"/>
+          </p:cNvSpPr>
+          <p:nvPr>
+            <p:ph type="dt" sz="half" idx="10"/>
+          </p:nvPr>
+        </p:nvSpPr>
+        <p:spPr/>
+        <p:txBody>
+          <a:bodyPr/>
+          <a:lstStyle/>
+          <a:p>
+            <a:fld id="{A7372CA9-A845-4392-9D4A-F742D98FCFF9}" type="datetime1">
+              <a:rPr lang="de-DE" smtClean="0"/>
+              <a:t>11.01.2022</a:t>
+            </a:fld>
+            <a:endParaRPr lang="de-DE"/>
+          </a:p>
+        </p:txBody>
+      </p:sp>
+      <p:sp>
+        <p:nvSpPr>
+          <p:cNvPr id="6" name="Fußzeilenplatzhalter 5">
+            <a:extLst>
+              <a:ext uri="{FF2B5EF4-FFF2-40B4-BE49-F238E27FC236}">
+                <a16:creationId xmlns:a16="http://schemas.microsoft.com/office/drawing/2014/main" id="{1ACC29AD-F2CA-4268-A9CB-1AFF06C0C23D}"/>
+              </a:ext>
+            </a:extLst>
+          </p:cNvPr>
+          <p:cNvSpPr>
+            <a:spLocks noGrp="1"/>
+          </p:cNvSpPr>
+          <p:nvPr>
+            <p:ph type="ftr" sz="quarter" idx="11"/>
+          </p:nvPr>
+        </p:nvSpPr>
+        <p:spPr>
+          <a:xfrm>
+            <a:off x="3459153" y="6356350"/>
+            <a:ext cx="5273694" cy="365125"/>
+          </a:xfrm>
+        </p:spPr>
+        <p:txBody>
+          <a:bodyPr/>
+          <a:lstStyle/>
+          <a:p>
+            <a:r>
+              <a:rPr lang="de-DE" dirty="0"/>
+              <a:t>https://docs.microsoft.com/de-de/azure/cognitive-services/face/overview</a:t>
+            </a:r>
+          </a:p>
+        </p:txBody>
+      </p:sp>
+    </p:spTree>
+    <p:extLst>
+      <p:ext uri="{BB962C8B-B14F-4D97-AF65-F5344CB8AC3E}">
+        <p14:creationId xmlns:p14="http://schemas.microsoft.com/office/powerpoint/2010/main" val="3531344823"/>
       </p:ext>
     </p:extLst>
   </p:cSld>
@@ -8213,4 +13228,299 @@
     </a:ext>
   </a:extLst>
 </a:theme>
+</file>
+
+<file path=ppt/theme/theme3.xml><?xml version="1.0" encoding="utf-8"?>
+<a:theme xmlns:a="http://schemas.openxmlformats.org/drawingml/2006/main" name="Office">
+  <a:themeElements>
+    <a:clrScheme name="Office">
+      <a:dk1>
+        <a:sysClr val="windowText" lastClr="000000"/>
+      </a:dk1>
+      <a:lt1>
+        <a:sysClr val="window" lastClr="FFFFFF"/>
+      </a:lt1>
+      <a:dk2>
+        <a:srgbClr val="44546A"/>
+      </a:dk2>
+      <a:lt2>
+        <a:srgbClr val="E7E6E6"/>
+      </a:lt2>
+      <a:accent1>
+        <a:srgbClr val="4472C4"/>
+      </a:accent1>
+      <a:accent2>
+        <a:srgbClr val="ED7D31"/>
+      </a:accent2>
+      <a:accent3>
+        <a:srgbClr val="A5A5A5"/>
+      </a:accent3>
+      <a:accent4>
+        <a:srgbClr val="FFC000"/>
+      </a:accent4>
+      <a:accent5>
+        <a:srgbClr val="5B9BD5"/>
+      </a:accent5>
+      <a:accent6>
+        <a:srgbClr val="70AD47"/>
+      </a:accent6>
+      <a:hlink>
+        <a:srgbClr val="0563C1"/>
+      </a:hlink>
+      <a:folHlink>
+        <a:srgbClr val="954F72"/>
+      </a:folHlink>
+    </a:clrScheme>
+    <a:fontScheme name="Office">
+      <a:majorFont>
+        <a:latin typeface="Calibri Light" panose="020F0302020204030204"/>
+        <a:ea typeface=""/>
+        <a:cs typeface=""/>
+        <a:font script="Jpan" typeface="游ゴシック Light"/>
+        <a:font script="Hang" typeface="맑은 고딕"/>
+        <a:font script="Hans" typeface="等线 Light"/>
+        <a:font script="Hant" typeface="新細明體"/>
+        <a:font script="Arab" typeface="Times New Roman"/>
+        <a:font script="Hebr" typeface="Times New Roman"/>
+        <a:font script="Thai" typeface="Angsana New"/>
+        <a:font script="Ethi" typeface="Nyala"/>
+        <a:font script="Beng" typeface="Vrinda"/>
+        <a:font script="Gujr" typeface="Shruti"/>
+        <a:font script="Khmr" typeface="MoolBoran"/>
+        <a:font script="Knda" typeface="Tunga"/>
+        <a:font script="Guru" typeface="Raavi"/>
+        <a:font script="Cans" typeface="Euphemia"/>
+        <a:font script="Cher" typeface="Plantagenet Cherokee"/>
+        <a:font script="Yiii" typeface="Microsoft Yi Baiti"/>
+        <a:font script="Tibt" typeface="Microsoft Himalaya"/>
+        <a:font script="Thaa" typeface="MV Boli"/>
+        <a:font script="Deva" typeface="Mangal"/>
+        <a:font script="Telu" typeface="Gautami"/>
+        <a:font script="Taml" typeface="Latha"/>
+        <a:font script="Syrc" typeface="Estrangelo Edessa"/>
+        <a:font script="Orya" typeface="Kalinga"/>
+        <a:font script="Mlym" typeface="Kartika"/>
+        <a:font script="Laoo" typeface="DokChampa"/>
+        <a:font script="Sinh" typeface="Iskoola Pota"/>
+        <a:font script="Mong" typeface="Mongolian Baiti"/>
+        <a:font script="Viet" typeface="Times New Roman"/>
+        <a:font script="Uigh" typeface="Microsoft Uighur"/>
+        <a:font script="Geor" typeface="Sylfaen"/>
+        <a:font script="Armn" typeface="Arial"/>
+        <a:font script="Bugi" typeface="Leelawadee UI"/>
+        <a:font script="Bopo" typeface="Microsoft JhengHei"/>
+        <a:font script="Java" typeface="Javanese Text"/>
+        <a:font script="Lisu" typeface="Segoe UI"/>
+        <a:font script="Mymr" typeface="Myanmar Text"/>
+        <a:font script="Nkoo" typeface="Ebrima"/>
+        <a:font script="Olck" typeface="Nirmala UI"/>
+        <a:font script="Osma" typeface="Ebrima"/>
+        <a:font script="Phag" typeface="Phagspa"/>
+        <a:font script="Syrn" typeface="Estrangelo Edessa"/>
+        <a:font script="Syrj" typeface="Estrangelo Edessa"/>
+        <a:font script="Syre" typeface="Estrangelo Edessa"/>
+        <a:font script="Sora" typeface="Nirmala UI"/>
+        <a:font script="Tale" typeface="Microsoft Tai Le"/>
+        <a:font script="Talu" typeface="Microsoft New Tai Lue"/>
+        <a:font script="Tfng" typeface="Ebrima"/>
+      </a:majorFont>
+      <a:minorFont>
+        <a:latin typeface="Calibri" panose="020F0502020204030204"/>
+        <a:ea typeface=""/>
+        <a:cs typeface=""/>
+        <a:font script="Jpan" typeface="游ゴシック"/>
+        <a:font script="Hang" typeface="맑은 고딕"/>
+        <a:font script="Hans" typeface="等线"/>
+        <a:font script="Hant" typeface="新細明體"/>
+        <a:font script="Arab" typeface="Arial"/>
+        <a:font script="Hebr" typeface="Arial"/>
+        <a:font script="Thai" typeface="Cordia New"/>
+        <a:font script="Ethi" typeface="Nyala"/>
+        <a:font script="Beng" typeface="Vrinda"/>
+        <a:font script="Gujr" typeface="Shruti"/>
+        <a:font script="Khmr" typeface="DaunPenh"/>
+        <a:font script="Knda" typeface="Tunga"/>
+        <a:font script="Guru" typeface="Raavi"/>
+        <a:font script="Cans" typeface="Euphemia"/>
+        <a:font script="Cher" typeface="Plantagenet Cherokee"/>
+        <a:font script="Yiii" typeface="Microsoft Yi Baiti"/>
+        <a:font script="Tibt" typeface="Microsoft Himalaya"/>
+        <a:font script="Thaa" typeface="MV Boli"/>
+        <a:font script="Deva" typeface="Mangal"/>
+        <a:font script="Telu" typeface="Gautami"/>
+        <a:font script="Taml" typeface="Latha"/>
+        <a:font script="Syrc" typeface="Estrangelo Edessa"/>
+        <a:font script="Orya" typeface="Kalinga"/>
+        <a:font script="Mlym" typeface="Kartika"/>
+        <a:font script="Laoo" typeface="DokChampa"/>
+        <a:font script="Sinh" typeface="Iskoola Pota"/>
+        <a:font script="Mong" typeface="Mongolian Baiti"/>
+        <a:font script="Viet" typeface="Arial"/>
+        <a:font script="Uigh" typeface="Microsoft Uighur"/>
+        <a:font script="Geor" typeface="Sylfaen"/>
+        <a:font script="Armn" typeface="Arial"/>
+        <a:font script="Bugi" typeface="Leelawadee UI"/>
+        <a:font script="Bopo" typeface="Microsoft JhengHei"/>
+        <a:font script="Java" typeface="Javanese Text"/>
+        <a:font script="Lisu" typeface="Segoe UI"/>
+        <a:font script="Mymr" typeface="Myanmar Text"/>
+        <a:font script="Nkoo" typeface="Ebrima"/>
+        <a:font script="Olck" typeface="Nirmala UI"/>
+        <a:font script="Osma" typeface="Ebrima"/>
+        <a:font script="Phag" typeface="Phagspa"/>
+        <a:font script="Syrn" typeface="Estrangelo Edessa"/>
+        <a:font script="Syrj" typeface="Estrangelo Edessa"/>
+        <a:font script="Syre" typeface="Estrangelo Edessa"/>
+        <a:font script="Sora" typeface="Nirmala UI"/>
+        <a:font script="Tale" typeface="Microsoft Tai Le"/>
+        <a:font script="Talu" typeface="Microsoft New Tai Lue"/>
+        <a:font script="Tfng" typeface="Ebrima"/>
+      </a:minorFont>
+    </a:fontScheme>
+    <a:fmtScheme name="Office">
+      <a:fillStyleLst>
+        <a:solidFill>
+          <a:schemeClr val="phClr"/>
+        </a:solidFill>
+        <a:gradFill rotWithShape="1">
+          <a:gsLst>
+            <a:gs pos="0">
+              <a:schemeClr val="phClr">
+                <a:lumMod val="110000"/>
+                <a:satMod val="105000"/>
+                <a:tint val="67000"/>
+              </a:schemeClr>
+            </a:gs>
+            <a:gs pos="50000">
+              <a:schemeClr val="phClr">
+                <a:lumMod val="105000"/>
+                <a:satMod val="103000"/>
+                <a:tint val="73000"/>
+              </a:schemeClr>
+            </a:gs>
+            <a:gs pos="100000">
+              <a:schemeClr val="phClr">
+                <a:lumMod val="105000"/>
+                <a:satMod val="109000"/>
+                <a:tint val="81000"/>
+              </a:schemeClr>
+            </a:gs>
+          </a:gsLst>
+          <a:lin ang="5400000" scaled="0"/>
+        </a:gradFill>
+        <a:gradFill rotWithShape="1">
+          <a:gsLst>
+            <a:gs pos="0">
+              <a:schemeClr val="phClr">
+                <a:satMod val="103000"/>
+                <a:lumMod val="102000"/>
+                <a:tint val="94000"/>
+              </a:schemeClr>
+            </a:gs>
+            <a:gs pos="50000">
+              <a:schemeClr val="phClr">
+                <a:satMod val="110000"/>
+                <a:lumMod val="100000"/>
+                <a:shade val="100000"/>
+              </a:schemeClr>
+            </a:gs>
+            <a:gs pos="100000">
+              <a:schemeClr val="phClr">
+                <a:lumMod val="99000"/>
+                <a:satMod val="120000"/>
+                <a:shade val="78000"/>
+              </a:schemeClr>
+            </a:gs>
+          </a:gsLst>
+          <a:lin ang="5400000" scaled="0"/>
+        </a:gradFill>
+      </a:fillStyleLst>
+      <a:lnStyleLst>
+        <a:ln w="6350" cap="flat" cmpd="sng" algn="ctr">
+          <a:solidFill>
+            <a:schemeClr val="phClr"/>
+          </a:solidFill>
+          <a:prstDash val="solid"/>
+          <a:miter lim="800000"/>
+        </a:ln>
+        <a:ln w="12700" cap="flat" cmpd="sng" algn="ctr">
+          <a:solidFill>
+            <a:schemeClr val="phClr"/>
+          </a:solidFill>
+          <a:prstDash val="solid"/>
+          <a:miter lim="800000"/>
+        </a:ln>
+        <a:ln w="19050" cap="flat" cmpd="sng" algn="ctr">
+          <a:solidFill>
+            <a:schemeClr val="phClr"/>
+          </a:solidFill>
+          <a:prstDash val="solid"/>
+          <a:miter lim="800000"/>
+        </a:ln>
+      </a:lnStyleLst>
+      <a:effectStyleLst>
+        <a:effectStyle>
+          <a:effectLst/>
+        </a:effectStyle>
+        <a:effectStyle>
+          <a:effectLst/>
+        </a:effectStyle>
+        <a:effectStyle>
+          <a:effectLst>
+            <a:outerShdw blurRad="57150" dist="19050" dir="5400000" algn="ctr" rotWithShape="0">
+              <a:srgbClr val="000000">
+                <a:alpha val="63000"/>
+              </a:srgbClr>
+            </a:outerShdw>
+          </a:effectLst>
+        </a:effectStyle>
+      </a:effectStyleLst>
+      <a:bgFillStyleLst>
+        <a:solidFill>
+          <a:schemeClr val="phClr"/>
+        </a:solidFill>
+        <a:solidFill>
+          <a:schemeClr val="phClr">
+            <a:tint val="95000"/>
+            <a:satMod val="170000"/>
+          </a:schemeClr>
+        </a:solidFill>
+        <a:gradFill rotWithShape="1">
+          <a:gsLst>
+            <a:gs pos="0">
+              <a:schemeClr val="phClr">
+                <a:tint val="93000"/>
+                <a:satMod val="150000"/>
+                <a:shade val="98000"/>
+                <a:lumMod val="102000"/>
+              </a:schemeClr>
+            </a:gs>
+            <a:gs pos="50000">
+              <a:schemeClr val="phClr">
+                <a:tint val="98000"/>
+                <a:satMod val="130000"/>
+                <a:shade val="90000"/>
+                <a:lumMod val="103000"/>
+              </a:schemeClr>
+            </a:gs>
+            <a:gs pos="100000">
+              <a:schemeClr val="phClr">
+                <a:shade val="63000"/>
+                <a:satMod val="120000"/>
+              </a:schemeClr>
+            </a:gs>
+          </a:gsLst>
+          <a:lin ang="5400000" scaled="0"/>
+        </a:gradFill>
+      </a:bgFillStyleLst>
+    </a:fmtScheme>
+  </a:themeElements>
+  <a:objectDefaults/>
+  <a:extraClrSchemeLst/>
+  <a:extLst>
+    <a:ext uri="{05A4C25C-085E-4340-85A3-A5531E510DB2}">
+      <thm15:themeFamily xmlns:thm15="http://schemas.microsoft.com/office/thememl/2012/main" name="Office Theme" id="{62F939B6-93AF-4DB8-9C6B-D6C7DFDC589F}" vid="{4A3C46E8-61CC-4603-A589-7422A47A8E4A}"/>
+    </a:ext>
+  </a:extLst>
+</a:theme>
 </file>